--- a/articles/objects_of_git/fig.pptx
+++ b/articles/objects_of_git/fig.pptx
@@ -4890,7 +4890,7 @@
         </p:nvSpPr>
         <p:spPr>
           <a:xfrm>
-            <a:off x="467544" y="1196752"/>
+            <a:off x="7020272" y="980728"/>
             <a:ext cx="864096" cy="1440160"/>
           </a:xfrm>
           <a:prstGeom prst="roundRect">
@@ -4943,7 +4943,7 @@
         </p:blipFill>
         <p:spPr bwMode="auto">
           <a:xfrm>
-            <a:off x="611560" y="1916832"/>
+            <a:off x="7164288" y="1700808"/>
             <a:ext cx="490160" cy="569218"/>
           </a:xfrm>
           <a:prstGeom prst="rect">
@@ -4990,7 +4990,7 @@
         </p:blipFill>
         <p:spPr bwMode="auto">
           <a:xfrm>
-            <a:off x="611560" y="1484784"/>
+            <a:off x="7164288" y="1268760"/>
             <a:ext cx="576064" cy="299553"/>
           </a:xfrm>
           <a:prstGeom prst="rect">
@@ -5037,7 +5037,7 @@
         </p:blipFill>
         <p:spPr bwMode="auto">
           <a:xfrm>
-            <a:off x="251520" y="980728"/>
+            <a:off x="6804248" y="764704"/>
             <a:ext cx="460156" cy="534375"/>
           </a:xfrm>
           <a:prstGeom prst="rect">
@@ -5069,7 +5069,7 @@
         </p:nvSpPr>
         <p:spPr>
           <a:xfrm>
-            <a:off x="251520" y="476672"/>
+            <a:off x="6804248" y="260648"/>
             <a:ext cx="1563248" cy="338554"/>
           </a:xfrm>
           <a:prstGeom prst="rect">
@@ -5092,6 +5092,499 @@
               <a:t>オブジェクト</a:t>
             </a:r>
             <a:endParaRPr kumimoji="1" lang="ja-JP" altLang="en-US" sz="1600" dirty="0"/>
+          </a:p>
+        </p:txBody>
+      </p:sp>
+      <p:sp>
+        <p:nvSpPr>
+          <p:cNvPr id="8" name="テキスト ボックス 7">
+            <a:extLst>
+              <a:ext uri="{FF2B5EF4-FFF2-40B4-BE49-F238E27FC236}">
+                <a16:creationId xmlns:a16="http://schemas.microsoft.com/office/drawing/2014/main" id="{AA081000-7883-40B8-9CDD-D22E256AD165}"/>
+              </a:ext>
+            </a:extLst>
+          </p:cNvPr>
+          <p:cNvSpPr txBox="1"/>
+          <p:nvPr/>
+        </p:nvSpPr>
+        <p:spPr>
+          <a:xfrm>
+            <a:off x="2843808" y="1556792"/>
+            <a:ext cx="1194558" cy="338554"/>
+          </a:xfrm>
+          <a:prstGeom prst="rect">
+            <a:avLst/>
+          </a:prstGeom>
+          <a:noFill/>
+        </p:spPr>
+        <p:txBody>
+          <a:bodyPr wrap="none" rtlCol="0">
+            <a:spAutoFit/>
+          </a:bodyPr>
+          <a:lstStyle/>
+          <a:p>
+            <a:r>
+              <a:rPr kumimoji="1" lang="en-US" altLang="ja-JP" sz="1600">
+                <a:latin typeface="Consolas" panose="020B0609020204030204" pitchFamily="49" charset="0"/>
+              </a:rPr>
+              <a:t>Hello Git</a:t>
+            </a:r>
+            <a:endParaRPr kumimoji="1" lang="ja-JP" altLang="en-US" sz="1600" dirty="0">
+              <a:latin typeface="Consolas" panose="020B0609020204030204" pitchFamily="49" charset="0"/>
+            </a:endParaRPr>
+          </a:p>
+        </p:txBody>
+      </p:sp>
+      <p:sp>
+        <p:nvSpPr>
+          <p:cNvPr id="9" name="テキスト ボックス 8">
+            <a:extLst>
+              <a:ext uri="{FF2B5EF4-FFF2-40B4-BE49-F238E27FC236}">
+                <a16:creationId xmlns:a16="http://schemas.microsoft.com/office/drawing/2014/main" id="{B458BDED-E4D1-488E-BB53-02CC341AFA94}"/>
+              </a:ext>
+            </a:extLst>
+          </p:cNvPr>
+          <p:cNvSpPr txBox="1"/>
+          <p:nvPr/>
+        </p:nvSpPr>
+        <p:spPr>
+          <a:xfrm>
+            <a:off x="2267744" y="692696"/>
+            <a:ext cx="1082348" cy="338554"/>
+          </a:xfrm>
+          <a:prstGeom prst="rect">
+            <a:avLst/>
+          </a:prstGeom>
+          <a:noFill/>
+        </p:spPr>
+        <p:txBody>
+          <a:bodyPr wrap="none" rtlCol="0">
+            <a:spAutoFit/>
+          </a:bodyPr>
+          <a:lstStyle/>
+          <a:p>
+            <a:r>
+              <a:rPr kumimoji="1" lang="en-US" altLang="ja-JP" sz="1600">
+                <a:latin typeface="Consolas" panose="020B0609020204030204" pitchFamily="49" charset="0"/>
+              </a:rPr>
+              <a:t>test.txt</a:t>
+            </a:r>
+            <a:endParaRPr kumimoji="1" lang="ja-JP" altLang="en-US" sz="1600" dirty="0">
+              <a:latin typeface="Consolas" panose="020B0609020204030204" pitchFamily="49" charset="0"/>
+            </a:endParaRPr>
+          </a:p>
+        </p:txBody>
+      </p:sp>
+      <p:sp>
+        <p:nvSpPr>
+          <p:cNvPr id="10" name="四角形: 角を丸くする 9">
+            <a:extLst>
+              <a:ext uri="{FF2B5EF4-FFF2-40B4-BE49-F238E27FC236}">
+                <a16:creationId xmlns:a16="http://schemas.microsoft.com/office/drawing/2014/main" id="{FD1ED8EB-2F37-4B6A-A2B1-801526C53A1A}"/>
+              </a:ext>
+            </a:extLst>
+          </p:cNvPr>
+          <p:cNvSpPr/>
+          <p:nvPr/>
+        </p:nvSpPr>
+        <p:spPr>
+          <a:xfrm>
+            <a:off x="2771800" y="1484784"/>
+            <a:ext cx="1440160" cy="504056"/>
+          </a:xfrm>
+          <a:prstGeom prst="roundRect">
+            <a:avLst/>
+          </a:prstGeom>
+          <a:ln>
+            <a:solidFill>
+              <a:schemeClr val="tx1"/>
+            </a:solidFill>
+            <a:prstDash val="dash"/>
+          </a:ln>
+        </p:spPr>
+        <p:txBody>
+          <a:bodyPr wrap="square" rtlCol="0" anchor="ctr">
+            <a:spAutoFit/>
+          </a:bodyPr>
+          <a:lstStyle/>
+          <a:p>
+            <a:pPr algn="ctr"/>
+            <a:endParaRPr kumimoji="1" lang="ja-JP" altLang="en-US" sz="2400" dirty="0"/>
+          </a:p>
+        </p:txBody>
+      </p:sp>
+      <p:pic>
+        <p:nvPicPr>
+          <p:cNvPr id="7" name="Picture 14" descr="ファイルアイコン（ブランク）">
+            <a:extLst>
+              <a:ext uri="{FF2B5EF4-FFF2-40B4-BE49-F238E27FC236}">
+                <a16:creationId xmlns:a16="http://schemas.microsoft.com/office/drawing/2014/main" id="{47248D64-EB92-49C3-9C84-4F35C85EDC42}"/>
+              </a:ext>
+            </a:extLst>
+          </p:cNvPr>
+          <p:cNvPicPr>
+            <a:picLocks noChangeAspect="1" noChangeArrowheads="1"/>
+          </p:cNvPicPr>
+          <p:nvPr/>
+        </p:nvPicPr>
+        <p:blipFill>
+          <a:blip r:embed="rId4">
+            <a:extLst>
+              <a:ext uri="{28A0092B-C50C-407E-A947-70E740481C1C}">
+                <a14:useLocalDpi xmlns:a14="http://schemas.microsoft.com/office/drawing/2010/main" val="0"/>
+              </a:ext>
+            </a:extLst>
+          </a:blip>
+          <a:srcRect/>
+          <a:stretch>
+            <a:fillRect/>
+          </a:stretch>
+        </p:blipFill>
+        <p:spPr bwMode="auto">
+          <a:xfrm>
+            <a:off x="2555776" y="1052736"/>
+            <a:ext cx="460156" cy="534375"/>
+          </a:xfrm>
+          <a:prstGeom prst="rect">
+            <a:avLst/>
+          </a:prstGeom>
+          <a:noFill/>
+          <a:extLst>
+            <a:ext uri="{909E8E84-426E-40DD-AFC4-6F175D3DCCD1}">
+              <a14:hiddenFill xmlns:a14="http://schemas.microsoft.com/office/drawing/2010/main">
+                <a:solidFill>
+                  <a:srgbClr val="FFFFFF"/>
+                </a:solidFill>
+              </a14:hiddenFill>
+            </a:ext>
+          </a:extLst>
+        </p:spPr>
+      </p:pic>
+      <p:pic>
+        <p:nvPicPr>
+          <p:cNvPr id="11" name="Picture 2" descr="付箋のイラスト「黄緑」">
+            <a:extLst>
+              <a:ext uri="{FF2B5EF4-FFF2-40B4-BE49-F238E27FC236}">
+                <a16:creationId xmlns:a16="http://schemas.microsoft.com/office/drawing/2014/main" id="{94FEF401-2AE2-4619-9F0E-1A7BA87E6BBF}"/>
+              </a:ext>
+            </a:extLst>
+          </p:cNvPr>
+          <p:cNvPicPr>
+            <a:picLocks noChangeAspect="1" noChangeArrowheads="1"/>
+          </p:cNvPicPr>
+          <p:nvPr/>
+        </p:nvPicPr>
+        <p:blipFill>
+          <a:blip r:embed="rId3">
+            <a:extLst>
+              <a:ext uri="{28A0092B-C50C-407E-A947-70E740481C1C}">
+                <a14:useLocalDpi xmlns:a14="http://schemas.microsoft.com/office/drawing/2010/main" val="0"/>
+              </a:ext>
+            </a:extLst>
+          </a:blip>
+          <a:srcRect/>
+          <a:stretch>
+            <a:fillRect/>
+          </a:stretch>
+        </p:blipFill>
+        <p:spPr bwMode="auto">
+          <a:xfrm>
+            <a:off x="467544" y="1196752"/>
+            <a:ext cx="576064" cy="299553"/>
+          </a:xfrm>
+          <a:prstGeom prst="rect">
+            <a:avLst/>
+          </a:prstGeom>
+          <a:noFill/>
+          <a:extLst>
+            <a:ext uri="{909E8E84-426E-40DD-AFC4-6F175D3DCCD1}">
+              <a14:hiddenFill xmlns:a14="http://schemas.microsoft.com/office/drawing/2010/main">
+                <a:solidFill>
+                  <a:srgbClr val="FFFFFF"/>
+                </a:solidFill>
+              </a14:hiddenFill>
+            </a:ext>
+          </a:extLst>
+        </p:spPr>
+      </p:pic>
+      <p:sp>
+        <p:nvSpPr>
+          <p:cNvPr id="12" name="四角形: 角を丸くする 11">
+            <a:extLst>
+              <a:ext uri="{FF2B5EF4-FFF2-40B4-BE49-F238E27FC236}">
+                <a16:creationId xmlns:a16="http://schemas.microsoft.com/office/drawing/2014/main" id="{42594304-DB04-416B-AA36-E621751F48AF}"/>
+              </a:ext>
+            </a:extLst>
+          </p:cNvPr>
+          <p:cNvSpPr/>
+          <p:nvPr/>
+        </p:nvSpPr>
+        <p:spPr>
+          <a:xfrm>
+            <a:off x="683568" y="1484784"/>
+            <a:ext cx="1368152" cy="504056"/>
+          </a:xfrm>
+          <a:prstGeom prst="roundRect">
+            <a:avLst/>
+          </a:prstGeom>
+          <a:ln>
+            <a:solidFill>
+              <a:schemeClr val="tx1"/>
+            </a:solidFill>
+            <a:prstDash val="dash"/>
+          </a:ln>
+        </p:spPr>
+        <p:txBody>
+          <a:bodyPr wrap="square" rtlCol="0" anchor="ctr">
+            <a:spAutoFit/>
+          </a:bodyPr>
+          <a:lstStyle/>
+          <a:p>
+            <a:pPr algn="ctr"/>
+            <a:endParaRPr kumimoji="1" lang="ja-JP" altLang="en-US" sz="2400" dirty="0"/>
+          </a:p>
+        </p:txBody>
+      </p:sp>
+      <p:sp>
+        <p:nvSpPr>
+          <p:cNvPr id="13" name="テキスト ボックス 12">
+            <a:extLst>
+              <a:ext uri="{FF2B5EF4-FFF2-40B4-BE49-F238E27FC236}">
+                <a16:creationId xmlns:a16="http://schemas.microsoft.com/office/drawing/2014/main" id="{8F3CE795-901A-4496-8B9C-BBC9DDCC203F}"/>
+              </a:ext>
+            </a:extLst>
+          </p:cNvPr>
+          <p:cNvSpPr txBox="1"/>
+          <p:nvPr/>
+        </p:nvSpPr>
+        <p:spPr>
+          <a:xfrm>
+            <a:off x="827584" y="1556792"/>
+            <a:ext cx="1082348" cy="338554"/>
+          </a:xfrm>
+          <a:prstGeom prst="rect">
+            <a:avLst/>
+          </a:prstGeom>
+          <a:noFill/>
+        </p:spPr>
+        <p:txBody>
+          <a:bodyPr wrap="none" rtlCol="0">
+            <a:spAutoFit/>
+          </a:bodyPr>
+          <a:lstStyle/>
+          <a:p>
+            <a:r>
+              <a:rPr kumimoji="1" lang="en-US" altLang="ja-JP" sz="1600">
+                <a:latin typeface="Consolas" panose="020B0609020204030204" pitchFamily="49" charset="0"/>
+              </a:rPr>
+              <a:t>blob 9\0</a:t>
+            </a:r>
+            <a:endParaRPr kumimoji="1" lang="ja-JP" altLang="en-US" sz="1600" dirty="0">
+              <a:latin typeface="Consolas" panose="020B0609020204030204" pitchFamily="49" charset="0"/>
+            </a:endParaRPr>
+          </a:p>
+        </p:txBody>
+      </p:sp>
+      <p:sp>
+        <p:nvSpPr>
+          <p:cNvPr id="14" name="テキスト ボックス 13">
+            <a:extLst>
+              <a:ext uri="{FF2B5EF4-FFF2-40B4-BE49-F238E27FC236}">
+                <a16:creationId xmlns:a16="http://schemas.microsoft.com/office/drawing/2014/main" id="{2790AB93-F4F7-486F-B2B8-825B33846396}"/>
+              </a:ext>
+            </a:extLst>
+          </p:cNvPr>
+          <p:cNvSpPr txBox="1"/>
+          <p:nvPr/>
+        </p:nvSpPr>
+        <p:spPr>
+          <a:xfrm>
+            <a:off x="2123728" y="1196752"/>
+            <a:ext cx="413896" cy="646331"/>
+          </a:xfrm>
+          <a:prstGeom prst="rect">
+            <a:avLst/>
+          </a:prstGeom>
+          <a:noFill/>
+        </p:spPr>
+        <p:txBody>
+          <a:bodyPr wrap="none" rtlCol="0">
+            <a:spAutoFit/>
+          </a:bodyPr>
+          <a:lstStyle/>
+          <a:p>
+            <a:r>
+              <a:rPr kumimoji="1" lang="en-US" sz="3600"/>
+              <a:t>+</a:t>
+            </a:r>
+            <a:endParaRPr kumimoji="1" lang="en-US" sz="3600" dirty="0"/>
+          </a:p>
+        </p:txBody>
+      </p:sp>
+      <p:pic>
+        <p:nvPicPr>
+          <p:cNvPr id="1026" name="Picture 2" descr="データの圧縮のイラスト">
+            <a:extLst>
+              <a:ext uri="{FF2B5EF4-FFF2-40B4-BE49-F238E27FC236}">
+                <a16:creationId xmlns:a16="http://schemas.microsoft.com/office/drawing/2014/main" id="{6B29E64E-D602-4D3E-874C-0DA1DE2FB8FF}"/>
+              </a:ext>
+            </a:extLst>
+          </p:cNvPr>
+          <p:cNvPicPr>
+            <a:picLocks noChangeAspect="1" noChangeArrowheads="1"/>
+          </p:cNvPicPr>
+          <p:nvPr/>
+        </p:nvPicPr>
+        <p:blipFill>
+          <a:blip r:embed="rId5">
+            <a:extLst>
+              <a:ext uri="{28A0092B-C50C-407E-A947-70E740481C1C}">
+                <a14:useLocalDpi xmlns:a14="http://schemas.microsoft.com/office/drawing/2010/main" val="0"/>
+              </a:ext>
+            </a:extLst>
+          </a:blip>
+          <a:srcRect/>
+          <a:stretch>
+            <a:fillRect/>
+          </a:stretch>
+        </p:blipFill>
+        <p:spPr bwMode="auto">
+          <a:xfrm>
+            <a:off x="5004048" y="1124744"/>
+            <a:ext cx="896888" cy="896888"/>
+          </a:xfrm>
+          <a:prstGeom prst="rect">
+            <a:avLst/>
+          </a:prstGeom>
+          <a:noFill/>
+          <a:extLst>
+            <a:ext uri="{909E8E84-426E-40DD-AFC4-6F175D3DCCD1}">
+              <a14:hiddenFill xmlns:a14="http://schemas.microsoft.com/office/drawing/2010/main">
+                <a:solidFill>
+                  <a:srgbClr val="FFFFFF"/>
+                </a:solidFill>
+              </a14:hiddenFill>
+            </a:ext>
+          </a:extLst>
+        </p:spPr>
+      </p:pic>
+      <p:sp>
+        <p:nvSpPr>
+          <p:cNvPr id="16" name="矢印: 右 15">
+            <a:extLst>
+              <a:ext uri="{FF2B5EF4-FFF2-40B4-BE49-F238E27FC236}">
+                <a16:creationId xmlns:a16="http://schemas.microsoft.com/office/drawing/2014/main" id="{1E8769F4-4116-4003-8DB3-08087F00C17E}"/>
+              </a:ext>
+            </a:extLst>
+          </p:cNvPr>
+          <p:cNvSpPr/>
+          <p:nvPr/>
+        </p:nvSpPr>
+        <p:spPr>
+          <a:xfrm>
+            <a:off x="4499992" y="1340768"/>
+            <a:ext cx="360040" cy="412624"/>
+          </a:xfrm>
+          <a:prstGeom prst="rightArrow">
+            <a:avLst/>
+          </a:prstGeom>
+          <a:solidFill>
+            <a:srgbClr val="FF0000"/>
+          </a:solidFill>
+          <a:ln>
+            <a:solidFill>
+              <a:schemeClr val="tx1"/>
+            </a:solidFill>
+          </a:ln>
+        </p:spPr>
+        <p:txBody>
+          <a:bodyPr wrap="square" rtlCol="0" anchor="ctr">
+            <a:spAutoFit/>
+          </a:bodyPr>
+          <a:lstStyle/>
+          <a:p>
+            <a:pPr algn="ctr"/>
+            <a:endParaRPr kumimoji="1" lang="en-US" sz="2400" dirty="0"/>
+          </a:p>
+        </p:txBody>
+      </p:sp>
+      <p:sp>
+        <p:nvSpPr>
+          <p:cNvPr id="17" name="テキスト ボックス 16">
+            <a:extLst>
+              <a:ext uri="{FF2B5EF4-FFF2-40B4-BE49-F238E27FC236}">
+                <a16:creationId xmlns:a16="http://schemas.microsoft.com/office/drawing/2014/main" id="{B5E96F32-C0D0-47C9-B987-3C7AC114DBAB}"/>
+              </a:ext>
+            </a:extLst>
+          </p:cNvPr>
+          <p:cNvSpPr txBox="1"/>
+          <p:nvPr/>
+        </p:nvSpPr>
+        <p:spPr>
+          <a:xfrm>
+            <a:off x="4860032" y="620688"/>
+            <a:ext cx="1268296" cy="338554"/>
+          </a:xfrm>
+          <a:prstGeom prst="rect">
+            <a:avLst/>
+          </a:prstGeom>
+          <a:noFill/>
+        </p:spPr>
+        <p:txBody>
+          <a:bodyPr wrap="none" rtlCol="0">
+            <a:spAutoFit/>
+          </a:bodyPr>
+          <a:lstStyle/>
+          <a:p>
+            <a:r>
+              <a:rPr kumimoji="1" lang="en-US" sz="1600"/>
+              <a:t>zlib</a:t>
+            </a:r>
+            <a:r>
+              <a:rPr kumimoji="1" lang="ja-JP" altLang="en-US" sz="1600"/>
+              <a:t>での圧縮</a:t>
+            </a:r>
+            <a:endParaRPr kumimoji="1" lang="en-US" sz="1600" dirty="0"/>
+          </a:p>
+        </p:txBody>
+      </p:sp>
+      <p:sp>
+        <p:nvSpPr>
+          <p:cNvPr id="19" name="矢印: 右 18">
+            <a:extLst>
+              <a:ext uri="{FF2B5EF4-FFF2-40B4-BE49-F238E27FC236}">
+                <a16:creationId xmlns:a16="http://schemas.microsoft.com/office/drawing/2014/main" id="{4F2CB457-863B-4DAC-A35A-4088D3EE48BC}"/>
+              </a:ext>
+            </a:extLst>
+          </p:cNvPr>
+          <p:cNvSpPr/>
+          <p:nvPr/>
+        </p:nvSpPr>
+        <p:spPr>
+          <a:xfrm>
+            <a:off x="6156176" y="1340768"/>
+            <a:ext cx="360040" cy="412624"/>
+          </a:xfrm>
+          <a:prstGeom prst="rightArrow">
+            <a:avLst/>
+          </a:prstGeom>
+          <a:solidFill>
+            <a:srgbClr val="FF0000"/>
+          </a:solidFill>
+          <a:ln>
+            <a:solidFill>
+              <a:schemeClr val="tx1"/>
+            </a:solidFill>
+          </a:ln>
+        </p:spPr>
+        <p:txBody>
+          <a:bodyPr wrap="square" rtlCol="0" anchor="ctr">
+            <a:spAutoFit/>
+          </a:bodyPr>
+          <a:lstStyle/>
+          <a:p>
+            <a:pPr algn="ctr"/>
+            <a:endParaRPr kumimoji="1" lang="en-US" sz="2400" dirty="0"/>
           </a:p>
         </p:txBody>
       </p:sp>

--- a/articles/objects_of_git/fig.pptx
+++ b/articles/objects_of_git/fig.pptx
@@ -5,13 +5,14 @@
     <p:sldMasterId id="2147483648" r:id="rId1"/>
   </p:sldMasterIdLst>
   <p:notesMasterIdLst>
-    <p:notesMasterId r:id="rId6"/>
+    <p:notesMasterId r:id="rId7"/>
   </p:notesMasterIdLst>
   <p:sldIdLst>
     <p:sldId id="259" r:id="rId2"/>
     <p:sldId id="260" r:id="rId3"/>
     <p:sldId id="261" r:id="rId4"/>
     <p:sldId id="262" r:id="rId5"/>
+    <p:sldId id="263" r:id="rId6"/>
   </p:sldIdLst>
   <p:sldSz cx="9144000" cy="6858000" type="screen4x3"/>
   <p:notesSz cx="6858000" cy="9144000"/>
@@ -5592,6 +5593,36 @@
     <p:extLst>
       <p:ext uri="{BB962C8B-B14F-4D97-AF65-F5344CB8AC3E}">
         <p14:creationId xmlns:p14="http://schemas.microsoft.com/office/powerpoint/2010/main" val="718792712"/>
+      </p:ext>
+    </p:extLst>
+  </p:cSld>
+  <p:clrMapOvr>
+    <a:masterClrMapping/>
+  </p:clrMapOvr>
+</p:sld>
+</file>
+
+<file path=ppt/slides/slide5.xml><?xml version="1.0" encoding="utf-8"?>
+<p:sld xmlns:a="http://schemas.openxmlformats.org/drawingml/2006/main" xmlns:r="http://schemas.openxmlformats.org/officeDocument/2006/relationships" xmlns:p="http://schemas.openxmlformats.org/presentationml/2006/main">
+  <p:cSld>
+    <p:spTree>
+      <p:nvGrpSpPr>
+        <p:cNvPr id="1" name=""/>
+        <p:cNvGrpSpPr/>
+        <p:nvPr/>
+      </p:nvGrpSpPr>
+      <p:grpSpPr>
+        <a:xfrm>
+          <a:off x="0" y="0"/>
+          <a:ext cx="0" cy="0"/>
+          <a:chOff x="0" y="0"/>
+          <a:chExt cx="0" cy="0"/>
+        </a:xfrm>
+      </p:grpSpPr>
+    </p:spTree>
+    <p:extLst>
+      <p:ext uri="{BB962C8B-B14F-4D97-AF65-F5344CB8AC3E}">
+        <p14:creationId xmlns:p14="http://schemas.microsoft.com/office/powerpoint/2010/main" val="2249142019"/>
       </p:ext>
     </p:extLst>
   </p:cSld>

--- a/articles/objects_of_git/fig.pptx
+++ b/articles/objects_of_git/fig.pptx
@@ -5,7 +5,7 @@
     <p:sldMasterId id="2147483648" r:id="rId1"/>
   </p:sldMasterIdLst>
   <p:notesMasterIdLst>
-    <p:notesMasterId r:id="rId7"/>
+    <p:notesMasterId r:id="rId9"/>
   </p:notesMasterIdLst>
   <p:sldIdLst>
     <p:sldId id="259" r:id="rId2"/>
@@ -13,6 +13,8 @@
     <p:sldId id="261" r:id="rId4"/>
     <p:sldId id="262" r:id="rId5"/>
     <p:sldId id="263" r:id="rId6"/>
+    <p:sldId id="264" r:id="rId7"/>
+    <p:sldId id="265" r:id="rId8"/>
   </p:sldIdLst>
   <p:sldSz cx="9144000" cy="6858000" type="screen4x3"/>
   <p:notesSz cx="6858000" cy="9144000"/>
@@ -5619,10 +5621,4013 @@
           <a:chExt cx="0" cy="0"/>
         </a:xfrm>
       </p:grpSpPr>
+      <p:sp>
+        <p:nvSpPr>
+          <p:cNvPr id="18" name="四角形: 角を丸くする 17">
+            <a:extLst>
+              <a:ext uri="{FF2B5EF4-FFF2-40B4-BE49-F238E27FC236}">
+                <a16:creationId xmlns:a16="http://schemas.microsoft.com/office/drawing/2014/main" id="{970A0CBF-BB94-4DE6-8D39-45EC3C4C3BC3}"/>
+              </a:ext>
+            </a:extLst>
+          </p:cNvPr>
+          <p:cNvSpPr/>
+          <p:nvPr/>
+        </p:nvSpPr>
+        <p:spPr>
+          <a:xfrm>
+            <a:off x="6084168" y="908720"/>
+            <a:ext cx="1728192" cy="792088"/>
+          </a:xfrm>
+          <a:prstGeom prst="roundRect">
+            <a:avLst/>
+          </a:prstGeom>
+          <a:ln>
+            <a:solidFill>
+              <a:schemeClr val="tx1"/>
+            </a:solidFill>
+            <a:prstDash val="dash"/>
+          </a:ln>
+        </p:spPr>
+        <p:txBody>
+          <a:bodyPr wrap="square" rtlCol="0" anchor="ctr">
+            <a:spAutoFit/>
+          </a:bodyPr>
+          <a:lstStyle/>
+          <a:p>
+            <a:pPr algn="ctr"/>
+            <a:endParaRPr kumimoji="1" lang="ja-JP" altLang="en-US" sz="2400" dirty="0"/>
+          </a:p>
+        </p:txBody>
+      </p:sp>
+      <p:sp>
+        <p:nvSpPr>
+          <p:cNvPr id="2" name="楕円 1">
+            <a:extLst>
+              <a:ext uri="{FF2B5EF4-FFF2-40B4-BE49-F238E27FC236}">
+                <a16:creationId xmlns:a16="http://schemas.microsoft.com/office/drawing/2014/main" id="{E847F3CC-7B95-435C-9DB9-618FAB2DC225}"/>
+              </a:ext>
+            </a:extLst>
+          </p:cNvPr>
+          <p:cNvSpPr/>
+          <p:nvPr/>
+        </p:nvSpPr>
+        <p:spPr>
+          <a:xfrm>
+            <a:off x="2267744" y="764704"/>
+            <a:ext cx="288032" cy="288032"/>
+          </a:xfrm>
+          <a:prstGeom prst="ellipse">
+            <a:avLst/>
+          </a:prstGeom>
+          <a:solidFill>
+            <a:srgbClr val="0070C0"/>
+          </a:solidFill>
+          <a:ln>
+            <a:solidFill>
+              <a:schemeClr val="tx1"/>
+            </a:solidFill>
+          </a:ln>
+        </p:spPr>
+        <p:txBody>
+          <a:bodyPr wrap="square" rtlCol="0" anchor="ctr">
+            <a:spAutoFit/>
+          </a:bodyPr>
+          <a:lstStyle/>
+          <a:p>
+            <a:pPr algn="ctr"/>
+            <a:endParaRPr kumimoji="1" lang="ja-JP" altLang="en-US" sz="2400" dirty="0"/>
+          </a:p>
+        </p:txBody>
+      </p:sp>
+      <p:sp>
+        <p:nvSpPr>
+          <p:cNvPr id="3" name="楕円 2">
+            <a:extLst>
+              <a:ext uri="{FF2B5EF4-FFF2-40B4-BE49-F238E27FC236}">
+                <a16:creationId xmlns:a16="http://schemas.microsoft.com/office/drawing/2014/main" id="{776E5CD0-ABBC-4F29-BE30-B042586D58DE}"/>
+              </a:ext>
+            </a:extLst>
+          </p:cNvPr>
+          <p:cNvSpPr/>
+          <p:nvPr/>
+        </p:nvSpPr>
+        <p:spPr>
+          <a:xfrm>
+            <a:off x="2267744" y="1772816"/>
+            <a:ext cx="288032" cy="288032"/>
+          </a:xfrm>
+          <a:prstGeom prst="ellipse">
+            <a:avLst/>
+          </a:prstGeom>
+          <a:solidFill>
+            <a:srgbClr val="0070C0"/>
+          </a:solidFill>
+          <a:ln>
+            <a:solidFill>
+              <a:schemeClr val="tx1"/>
+            </a:solidFill>
+          </a:ln>
+        </p:spPr>
+        <p:txBody>
+          <a:bodyPr wrap="square" rtlCol="0" anchor="ctr">
+            <a:spAutoFit/>
+          </a:bodyPr>
+          <a:lstStyle/>
+          <a:p>
+            <a:pPr algn="ctr"/>
+            <a:endParaRPr kumimoji="1" lang="ja-JP" altLang="en-US" sz="2400" dirty="0"/>
+          </a:p>
+        </p:txBody>
+      </p:sp>
+      <p:cxnSp>
+        <p:nvCxnSpPr>
+          <p:cNvPr id="5" name="直線コネクタ 4">
+            <a:extLst>
+              <a:ext uri="{FF2B5EF4-FFF2-40B4-BE49-F238E27FC236}">
+                <a16:creationId xmlns:a16="http://schemas.microsoft.com/office/drawing/2014/main" id="{C3EC5C85-49CB-4E98-A74B-80E45A1E5884}"/>
+              </a:ext>
+            </a:extLst>
+          </p:cNvPr>
+          <p:cNvCxnSpPr>
+            <a:cxnSpLocks/>
+            <a:stCxn id="2" idx="4"/>
+            <a:endCxn id="3" idx="0"/>
+          </p:cNvCxnSpPr>
+          <p:nvPr/>
+        </p:nvCxnSpPr>
+        <p:spPr>
+          <a:xfrm>
+            <a:off x="2411760" y="1052736"/>
+            <a:ext cx="0" cy="720080"/>
+          </a:xfrm>
+          <a:prstGeom prst="line">
+            <a:avLst/>
+          </a:prstGeom>
+          <a:ln w="28575">
+            <a:solidFill>
+              <a:schemeClr val="tx1"/>
+            </a:solidFill>
+            <a:headEnd type="triangle" w="med" len="med"/>
+            <a:tailEnd type="none" w="med" len="med"/>
+          </a:ln>
+          <a:effectLst/>
+        </p:spPr>
+        <p:style>
+          <a:lnRef idx="2">
+            <a:schemeClr val="accent1"/>
+          </a:lnRef>
+          <a:fillRef idx="0">
+            <a:schemeClr val="accent1"/>
+          </a:fillRef>
+          <a:effectRef idx="1">
+            <a:schemeClr val="accent1"/>
+          </a:effectRef>
+          <a:fontRef idx="minor">
+            <a:schemeClr val="tx1"/>
+          </a:fontRef>
+        </p:style>
+      </p:cxnSp>
+      <p:sp>
+        <p:nvSpPr>
+          <p:cNvPr id="9" name="テキスト ボックス 8">
+            <a:extLst>
+              <a:ext uri="{FF2B5EF4-FFF2-40B4-BE49-F238E27FC236}">
+                <a16:creationId xmlns:a16="http://schemas.microsoft.com/office/drawing/2014/main" id="{29E81D11-3997-4208-8730-8AC3E93D1A59}"/>
+              </a:ext>
+            </a:extLst>
+          </p:cNvPr>
+          <p:cNvSpPr txBox="1"/>
+          <p:nvPr/>
+        </p:nvSpPr>
+        <p:spPr>
+          <a:xfrm>
+            <a:off x="1331640" y="692696"/>
+            <a:ext cx="970137" cy="338554"/>
+          </a:xfrm>
+          <a:prstGeom prst="rect">
+            <a:avLst/>
+          </a:prstGeom>
+          <a:noFill/>
+        </p:spPr>
+        <p:txBody>
+          <a:bodyPr wrap="none" rtlCol="0">
+            <a:spAutoFit/>
+          </a:bodyPr>
+          <a:lstStyle/>
+          <a:p>
+            <a:r>
+              <a:rPr lang="en-US" sz="1600">
+                <a:latin typeface="Consolas" panose="020B0609020204030204" pitchFamily="49" charset="0"/>
+              </a:rPr>
+              <a:t>ca70291</a:t>
+            </a:r>
+          </a:p>
+        </p:txBody>
+      </p:sp>
+      <p:sp>
+        <p:nvSpPr>
+          <p:cNvPr id="10" name="テキスト ボックス 9">
+            <a:extLst>
+              <a:ext uri="{FF2B5EF4-FFF2-40B4-BE49-F238E27FC236}">
+                <a16:creationId xmlns:a16="http://schemas.microsoft.com/office/drawing/2014/main" id="{0158E410-7A3C-4830-8857-FB475E90868C}"/>
+              </a:ext>
+            </a:extLst>
+          </p:cNvPr>
+          <p:cNvSpPr txBox="1"/>
+          <p:nvPr/>
+        </p:nvSpPr>
+        <p:spPr>
+          <a:xfrm>
+            <a:off x="1331640" y="1772816"/>
+            <a:ext cx="970137" cy="338554"/>
+          </a:xfrm>
+          <a:prstGeom prst="rect">
+            <a:avLst/>
+          </a:prstGeom>
+          <a:noFill/>
+        </p:spPr>
+        <p:txBody>
+          <a:bodyPr wrap="none" rtlCol="0">
+            <a:spAutoFit/>
+          </a:bodyPr>
+          <a:lstStyle/>
+          <a:p>
+            <a:r>
+              <a:rPr lang="en-US" sz="1600">
+                <a:latin typeface="Consolas" panose="020B0609020204030204" pitchFamily="49" charset="0"/>
+              </a:rPr>
+              <a:t>1f620eb</a:t>
+            </a:r>
+          </a:p>
+        </p:txBody>
+      </p:sp>
+      <p:sp>
+        <p:nvSpPr>
+          <p:cNvPr id="11" name="四角形: 角を丸くする 10">
+            <a:extLst>
+              <a:ext uri="{FF2B5EF4-FFF2-40B4-BE49-F238E27FC236}">
+                <a16:creationId xmlns:a16="http://schemas.microsoft.com/office/drawing/2014/main" id="{8C741F77-F04B-4B36-A5EC-3A9175F7F5BF}"/>
+              </a:ext>
+            </a:extLst>
+          </p:cNvPr>
+          <p:cNvSpPr/>
+          <p:nvPr/>
+        </p:nvSpPr>
+        <p:spPr>
+          <a:xfrm>
+            <a:off x="3851920" y="908720"/>
+            <a:ext cx="1728192" cy="1368152"/>
+          </a:xfrm>
+          <a:prstGeom prst="roundRect">
+            <a:avLst/>
+          </a:prstGeom>
+          <a:ln>
+            <a:solidFill>
+              <a:schemeClr val="tx1"/>
+            </a:solidFill>
+            <a:prstDash val="dash"/>
+          </a:ln>
+        </p:spPr>
+        <p:txBody>
+          <a:bodyPr wrap="square" rtlCol="0" anchor="ctr">
+            <a:spAutoFit/>
+          </a:bodyPr>
+          <a:lstStyle/>
+          <a:p>
+            <a:pPr algn="ctr"/>
+            <a:endParaRPr kumimoji="1" lang="ja-JP" altLang="en-US" sz="2400" dirty="0"/>
+          </a:p>
+        </p:txBody>
+      </p:sp>
+      <p:sp>
+        <p:nvSpPr>
+          <p:cNvPr id="12" name="楕円 11">
+            <a:extLst>
+              <a:ext uri="{FF2B5EF4-FFF2-40B4-BE49-F238E27FC236}">
+                <a16:creationId xmlns:a16="http://schemas.microsoft.com/office/drawing/2014/main" id="{180B67DA-270A-48FC-AFE7-2A8CCDF867BC}"/>
+              </a:ext>
+            </a:extLst>
+          </p:cNvPr>
+          <p:cNvSpPr/>
+          <p:nvPr/>
+        </p:nvSpPr>
+        <p:spPr>
+          <a:xfrm>
+            <a:off x="3635896" y="692696"/>
+            <a:ext cx="432048" cy="432048"/>
+          </a:xfrm>
+          <a:prstGeom prst="ellipse">
+            <a:avLst/>
+          </a:prstGeom>
+          <a:solidFill>
+            <a:srgbClr val="0070C0"/>
+          </a:solidFill>
+          <a:ln>
+            <a:solidFill>
+              <a:schemeClr val="tx1"/>
+            </a:solidFill>
+          </a:ln>
+        </p:spPr>
+        <p:txBody>
+          <a:bodyPr wrap="square" rtlCol="0" anchor="ctr">
+            <a:spAutoFit/>
+          </a:bodyPr>
+          <a:lstStyle/>
+          <a:p>
+            <a:pPr algn="ctr"/>
+            <a:endParaRPr kumimoji="1" lang="ja-JP" altLang="en-US" sz="2400" dirty="0"/>
+          </a:p>
+        </p:txBody>
+      </p:sp>
+      <p:pic>
+        <p:nvPicPr>
+          <p:cNvPr id="13" name="Picture 16" descr="四角い付箋のイラスト「淡黄色」">
+            <a:extLst>
+              <a:ext uri="{FF2B5EF4-FFF2-40B4-BE49-F238E27FC236}">
+                <a16:creationId xmlns:a16="http://schemas.microsoft.com/office/drawing/2014/main" id="{A472A759-38AF-402F-97F4-0B9F75DFB3C9}"/>
+              </a:ext>
+            </a:extLst>
+          </p:cNvPr>
+          <p:cNvPicPr>
+            <a:picLocks noChangeAspect="1" noChangeArrowheads="1"/>
+          </p:cNvPicPr>
+          <p:nvPr/>
+        </p:nvPicPr>
+        <p:blipFill>
+          <a:blip r:embed="rId2">
+            <a:extLst>
+              <a:ext uri="{28A0092B-C50C-407E-A947-70E740481C1C}">
+                <a14:useLocalDpi xmlns:a14="http://schemas.microsoft.com/office/drawing/2010/main" val="0"/>
+              </a:ext>
+            </a:extLst>
+          </a:blip>
+          <a:srcRect/>
+          <a:stretch>
+            <a:fillRect/>
+          </a:stretch>
+        </p:blipFill>
+        <p:spPr bwMode="auto">
+          <a:xfrm>
+            <a:off x="4094578" y="1844824"/>
+            <a:ext cx="400044" cy="360040"/>
+          </a:xfrm>
+          <a:prstGeom prst="rect">
+            <a:avLst/>
+          </a:prstGeom>
+          <a:noFill/>
+          <a:extLst>
+            <a:ext uri="{909E8E84-426E-40DD-AFC4-6F175D3DCCD1}">
+              <a14:hiddenFill xmlns:a14="http://schemas.microsoft.com/office/drawing/2010/main">
+                <a:solidFill>
+                  <a:srgbClr val="FFFFFF"/>
+                </a:solidFill>
+              </a14:hiddenFill>
+            </a:ext>
+          </a:extLst>
+        </p:spPr>
+      </p:pic>
+      <p:pic>
+        <p:nvPicPr>
+          <p:cNvPr id="14" name="Picture 8" descr="木のイラスト（横から）">
+            <a:extLst>
+              <a:ext uri="{FF2B5EF4-FFF2-40B4-BE49-F238E27FC236}">
+                <a16:creationId xmlns:a16="http://schemas.microsoft.com/office/drawing/2014/main" id="{60F2018A-679A-40A0-B67F-0B27C0E244EC}"/>
+              </a:ext>
+            </a:extLst>
+          </p:cNvPr>
+          <p:cNvPicPr>
+            <a:picLocks noChangeAspect="1" noChangeArrowheads="1"/>
+          </p:cNvPicPr>
+          <p:nvPr/>
+        </p:nvPicPr>
+        <p:blipFill>
+          <a:blip r:embed="rId3">
+            <a:extLst>
+              <a:ext uri="{28A0092B-C50C-407E-A947-70E740481C1C}">
+                <a14:useLocalDpi xmlns:a14="http://schemas.microsoft.com/office/drawing/2010/main" val="0"/>
+              </a:ext>
+            </a:extLst>
+          </a:blip>
+          <a:srcRect/>
+          <a:stretch>
+            <a:fillRect/>
+          </a:stretch>
+        </p:blipFill>
+        <p:spPr bwMode="auto">
+          <a:xfrm>
+            <a:off x="4112333" y="980728"/>
+            <a:ext cx="354321" cy="426159"/>
+          </a:xfrm>
+          <a:prstGeom prst="rect">
+            <a:avLst/>
+          </a:prstGeom>
+          <a:noFill/>
+          <a:extLst>
+            <a:ext uri="{909E8E84-426E-40DD-AFC4-6F175D3DCCD1}">
+              <a14:hiddenFill xmlns:a14="http://schemas.microsoft.com/office/drawing/2010/main">
+                <a:solidFill>
+                  <a:srgbClr val="FFFFFF"/>
+                </a:solidFill>
+              </a14:hiddenFill>
+            </a:ext>
+          </a:extLst>
+        </p:spPr>
+      </p:pic>
+      <p:sp>
+        <p:nvSpPr>
+          <p:cNvPr id="15" name="楕円 14">
+            <a:extLst>
+              <a:ext uri="{FF2B5EF4-FFF2-40B4-BE49-F238E27FC236}">
+                <a16:creationId xmlns:a16="http://schemas.microsoft.com/office/drawing/2014/main" id="{E7B44230-B592-4D9F-ADB3-39104872D3DE}"/>
+              </a:ext>
+            </a:extLst>
+          </p:cNvPr>
+          <p:cNvSpPr/>
+          <p:nvPr/>
+        </p:nvSpPr>
+        <p:spPr>
+          <a:xfrm>
+            <a:off x="4139951" y="1484784"/>
+            <a:ext cx="288032" cy="288032"/>
+          </a:xfrm>
+          <a:prstGeom prst="ellipse">
+            <a:avLst/>
+          </a:prstGeom>
+          <a:solidFill>
+            <a:srgbClr val="0070C0"/>
+          </a:solidFill>
+          <a:ln>
+            <a:solidFill>
+              <a:schemeClr val="tx1"/>
+            </a:solidFill>
+          </a:ln>
+        </p:spPr>
+        <p:txBody>
+          <a:bodyPr wrap="square" rtlCol="0" anchor="ctr">
+            <a:spAutoFit/>
+          </a:bodyPr>
+          <a:lstStyle/>
+          <a:p>
+            <a:pPr algn="ctr"/>
+            <a:endParaRPr kumimoji="1" lang="ja-JP" altLang="en-US" sz="2400" dirty="0"/>
+          </a:p>
+        </p:txBody>
+      </p:sp>
+      <p:sp>
+        <p:nvSpPr>
+          <p:cNvPr id="16" name="テキスト ボックス 15">
+            <a:extLst>
+              <a:ext uri="{FF2B5EF4-FFF2-40B4-BE49-F238E27FC236}">
+                <a16:creationId xmlns:a16="http://schemas.microsoft.com/office/drawing/2014/main" id="{474BD4A2-D5AB-40FA-8403-F9BD48209340}"/>
+              </a:ext>
+            </a:extLst>
+          </p:cNvPr>
+          <p:cNvSpPr txBox="1"/>
+          <p:nvPr/>
+        </p:nvSpPr>
+        <p:spPr>
+          <a:xfrm>
+            <a:off x="3491880" y="332656"/>
+            <a:ext cx="970137" cy="338554"/>
+          </a:xfrm>
+          <a:prstGeom prst="rect">
+            <a:avLst/>
+          </a:prstGeom>
+          <a:noFill/>
+        </p:spPr>
+        <p:txBody>
+          <a:bodyPr wrap="none" rtlCol="0">
+            <a:spAutoFit/>
+          </a:bodyPr>
+          <a:lstStyle/>
+          <a:p>
+            <a:r>
+              <a:rPr lang="en-US" sz="1600">
+                <a:latin typeface="Consolas" panose="020B0609020204030204" pitchFamily="49" charset="0"/>
+              </a:rPr>
+              <a:t>1f620eb</a:t>
+            </a:r>
+          </a:p>
+        </p:txBody>
+      </p:sp>
+      <p:pic>
+        <p:nvPicPr>
+          <p:cNvPr id="17" name="Picture 8" descr="木のイラスト（横から）">
+            <a:extLst>
+              <a:ext uri="{FF2B5EF4-FFF2-40B4-BE49-F238E27FC236}">
+                <a16:creationId xmlns:a16="http://schemas.microsoft.com/office/drawing/2014/main" id="{AE1C1D57-604B-49B1-A13E-B6EDDD753471}"/>
+              </a:ext>
+            </a:extLst>
+          </p:cNvPr>
+          <p:cNvPicPr>
+            <a:picLocks noChangeAspect="1" noChangeArrowheads="1"/>
+          </p:cNvPicPr>
+          <p:nvPr/>
+        </p:nvPicPr>
+        <p:blipFill>
+          <a:blip r:embed="rId3">
+            <a:extLst>
+              <a:ext uri="{28A0092B-C50C-407E-A947-70E740481C1C}">
+                <a14:useLocalDpi xmlns:a14="http://schemas.microsoft.com/office/drawing/2010/main" val="0"/>
+              </a:ext>
+            </a:extLst>
+          </a:blip>
+          <a:srcRect/>
+          <a:stretch>
+            <a:fillRect/>
+          </a:stretch>
+        </p:blipFill>
+        <p:spPr bwMode="auto">
+          <a:xfrm>
+            <a:off x="5940152" y="692696"/>
+            <a:ext cx="354321" cy="426159"/>
+          </a:xfrm>
+          <a:prstGeom prst="rect">
+            <a:avLst/>
+          </a:prstGeom>
+          <a:noFill/>
+          <a:extLst>
+            <a:ext uri="{909E8E84-426E-40DD-AFC4-6F175D3DCCD1}">
+              <a14:hiddenFill xmlns:a14="http://schemas.microsoft.com/office/drawing/2010/main">
+                <a:solidFill>
+                  <a:srgbClr val="FFFFFF"/>
+                </a:solidFill>
+              </a14:hiddenFill>
+            </a:ext>
+          </a:extLst>
+        </p:spPr>
+      </p:pic>
+      <p:pic>
+        <p:nvPicPr>
+          <p:cNvPr id="19" name="Picture 14" descr="ファイルアイコン（ブランク）">
+            <a:extLst>
+              <a:ext uri="{FF2B5EF4-FFF2-40B4-BE49-F238E27FC236}">
+                <a16:creationId xmlns:a16="http://schemas.microsoft.com/office/drawing/2014/main" id="{5DC83AC9-55B1-4CB3-967B-D263EF5C432E}"/>
+              </a:ext>
+            </a:extLst>
+          </p:cNvPr>
+          <p:cNvPicPr>
+            <a:picLocks noChangeAspect="1" noChangeArrowheads="1"/>
+          </p:cNvPicPr>
+          <p:nvPr/>
+        </p:nvPicPr>
+        <p:blipFill>
+          <a:blip r:embed="rId4">
+            <a:extLst>
+              <a:ext uri="{28A0092B-C50C-407E-A947-70E740481C1C}">
+                <a14:useLocalDpi xmlns:a14="http://schemas.microsoft.com/office/drawing/2010/main" val="0"/>
+              </a:ext>
+            </a:extLst>
+          </a:blip>
+          <a:srcRect/>
+          <a:stretch>
+            <a:fillRect/>
+          </a:stretch>
+        </p:blipFill>
+        <p:spPr bwMode="auto">
+          <a:xfrm>
+            <a:off x="6228184" y="1052737"/>
+            <a:ext cx="434048" cy="504056"/>
+          </a:xfrm>
+          <a:prstGeom prst="rect">
+            <a:avLst/>
+          </a:prstGeom>
+          <a:noFill/>
+          <a:extLst>
+            <a:ext uri="{909E8E84-426E-40DD-AFC4-6F175D3DCCD1}">
+              <a14:hiddenFill xmlns:a14="http://schemas.microsoft.com/office/drawing/2010/main">
+                <a:solidFill>
+                  <a:srgbClr val="FFFFFF"/>
+                </a:solidFill>
+              </a14:hiddenFill>
+            </a:ext>
+          </a:extLst>
+        </p:spPr>
+      </p:pic>
+      <p:sp>
+        <p:nvSpPr>
+          <p:cNvPr id="20" name="テキスト ボックス 19">
+            <a:extLst>
+              <a:ext uri="{FF2B5EF4-FFF2-40B4-BE49-F238E27FC236}">
+                <a16:creationId xmlns:a16="http://schemas.microsoft.com/office/drawing/2014/main" id="{4EEAF595-A1F8-4D02-9499-E4FDCA7AACA9}"/>
+              </a:ext>
+            </a:extLst>
+          </p:cNvPr>
+          <p:cNvSpPr txBox="1"/>
+          <p:nvPr/>
+        </p:nvSpPr>
+        <p:spPr>
+          <a:xfrm>
+            <a:off x="4427984" y="1484784"/>
+            <a:ext cx="970137" cy="338554"/>
+          </a:xfrm>
+          <a:prstGeom prst="rect">
+            <a:avLst/>
+          </a:prstGeom>
+          <a:noFill/>
+        </p:spPr>
+        <p:txBody>
+          <a:bodyPr wrap="none" rtlCol="0">
+            <a:spAutoFit/>
+          </a:bodyPr>
+          <a:lstStyle/>
+          <a:p>
+            <a:r>
+              <a:rPr lang="en-US" sz="1600">
+                <a:latin typeface="Consolas" panose="020B0609020204030204" pitchFamily="49" charset="0"/>
+              </a:rPr>
+              <a:t>ca70291</a:t>
+            </a:r>
+          </a:p>
+        </p:txBody>
+      </p:sp>
+      <p:sp>
+        <p:nvSpPr>
+          <p:cNvPr id="22" name="テキスト ボックス 21">
+            <a:extLst>
+              <a:ext uri="{FF2B5EF4-FFF2-40B4-BE49-F238E27FC236}">
+                <a16:creationId xmlns:a16="http://schemas.microsoft.com/office/drawing/2014/main" id="{A867CDD2-4AAE-4713-B8D9-15AEF71F29DA}"/>
+              </a:ext>
+            </a:extLst>
+          </p:cNvPr>
+          <p:cNvSpPr txBox="1"/>
+          <p:nvPr/>
+        </p:nvSpPr>
+        <p:spPr>
+          <a:xfrm>
+            <a:off x="4427984" y="1052736"/>
+            <a:ext cx="1008112" cy="338554"/>
+          </a:xfrm>
+          <a:prstGeom prst="rect">
+            <a:avLst/>
+          </a:prstGeom>
+          <a:noFill/>
+        </p:spPr>
+        <p:txBody>
+          <a:bodyPr wrap="square">
+            <a:spAutoFit/>
+          </a:bodyPr>
+          <a:lstStyle/>
+          <a:p>
+            <a:r>
+              <a:rPr lang="en-US" sz="1600">
+                <a:latin typeface="Consolas" panose="020B0609020204030204" pitchFamily="49" charset="0"/>
+              </a:rPr>
+              <a:t>55e11d0</a:t>
+            </a:r>
+          </a:p>
+        </p:txBody>
+      </p:sp>
+      <p:sp>
+        <p:nvSpPr>
+          <p:cNvPr id="23" name="テキスト ボックス 22">
+            <a:extLst>
+              <a:ext uri="{FF2B5EF4-FFF2-40B4-BE49-F238E27FC236}">
+                <a16:creationId xmlns:a16="http://schemas.microsoft.com/office/drawing/2014/main" id="{53F7268F-B726-4C65-B361-E630FD432F1A}"/>
+              </a:ext>
+            </a:extLst>
+          </p:cNvPr>
+          <p:cNvSpPr txBox="1"/>
+          <p:nvPr/>
+        </p:nvSpPr>
+        <p:spPr>
+          <a:xfrm>
+            <a:off x="5796136" y="354142"/>
+            <a:ext cx="1008112" cy="338554"/>
+          </a:xfrm>
+          <a:prstGeom prst="rect">
+            <a:avLst/>
+          </a:prstGeom>
+          <a:noFill/>
+        </p:spPr>
+        <p:txBody>
+          <a:bodyPr wrap="square">
+            <a:spAutoFit/>
+          </a:bodyPr>
+          <a:lstStyle/>
+          <a:p>
+            <a:r>
+              <a:rPr lang="en-US" sz="1600">
+                <a:latin typeface="Consolas" panose="020B0609020204030204" pitchFamily="49" charset="0"/>
+              </a:rPr>
+              <a:t>55e11d0</a:t>
+            </a:r>
+          </a:p>
+        </p:txBody>
+      </p:sp>
+      <p:sp>
+        <p:nvSpPr>
+          <p:cNvPr id="32" name="矢印: 下 31">
+            <a:extLst>
+              <a:ext uri="{FF2B5EF4-FFF2-40B4-BE49-F238E27FC236}">
+                <a16:creationId xmlns:a16="http://schemas.microsoft.com/office/drawing/2014/main" id="{4A8EFBE1-13B9-445D-A8C0-F78020CE73FB}"/>
+              </a:ext>
+            </a:extLst>
+          </p:cNvPr>
+          <p:cNvSpPr/>
+          <p:nvPr/>
+        </p:nvSpPr>
+        <p:spPr>
+          <a:xfrm>
+            <a:off x="1619672" y="1268760"/>
+            <a:ext cx="288032" cy="330336"/>
+          </a:xfrm>
+          <a:prstGeom prst="downArrow">
+            <a:avLst/>
+          </a:prstGeom>
+          <a:solidFill>
+            <a:srgbClr val="FF0000"/>
+          </a:solidFill>
+          <a:ln>
+            <a:solidFill>
+              <a:schemeClr val="tx1"/>
+            </a:solidFill>
+          </a:ln>
+        </p:spPr>
+        <p:txBody>
+          <a:bodyPr wrap="square" rtlCol="0" anchor="ctr">
+            <a:spAutoFit/>
+          </a:bodyPr>
+          <a:lstStyle/>
+          <a:p>
+            <a:pPr algn="ctr"/>
+            <a:endParaRPr kumimoji="1" lang="en-US" sz="2400" dirty="0"/>
+          </a:p>
+        </p:txBody>
+      </p:sp>
+      <p:sp>
+        <p:nvSpPr>
+          <p:cNvPr id="33" name="テキスト ボックス 32">
+            <a:extLst>
+              <a:ext uri="{FF2B5EF4-FFF2-40B4-BE49-F238E27FC236}">
+                <a16:creationId xmlns:a16="http://schemas.microsoft.com/office/drawing/2014/main" id="{E95AD7DA-763D-4567-AACF-AFE99C65EC67}"/>
+              </a:ext>
+            </a:extLst>
+          </p:cNvPr>
+          <p:cNvSpPr txBox="1"/>
+          <p:nvPr/>
+        </p:nvSpPr>
+        <p:spPr>
+          <a:xfrm>
+            <a:off x="755576" y="1196752"/>
+            <a:ext cx="800219" cy="461665"/>
+          </a:xfrm>
+          <a:prstGeom prst="rect">
+            <a:avLst/>
+          </a:prstGeom>
+          <a:noFill/>
+        </p:spPr>
+        <p:txBody>
+          <a:bodyPr wrap="none" rtlCol="0">
+            <a:spAutoFit/>
+          </a:bodyPr>
+          <a:lstStyle/>
+          <a:p>
+            <a:r>
+              <a:rPr lang="ja-JP" altLang="en-US" sz="1200"/>
+              <a:t>歴史の</a:t>
+            </a:r>
+            <a:endParaRPr lang="en-US" altLang="ja-JP" sz="1200"/>
+          </a:p>
+          <a:p>
+            <a:r>
+              <a:rPr lang="ja-JP" altLang="en-US" sz="1200"/>
+              <a:t>進行方向</a:t>
+            </a:r>
+            <a:endParaRPr kumimoji="1" lang="en-US" sz="1200" dirty="0"/>
+          </a:p>
+        </p:txBody>
+      </p:sp>
+      <p:sp>
+        <p:nvSpPr>
+          <p:cNvPr id="34" name="テキスト ボックス 33">
+            <a:extLst>
+              <a:ext uri="{FF2B5EF4-FFF2-40B4-BE49-F238E27FC236}">
+                <a16:creationId xmlns:a16="http://schemas.microsoft.com/office/drawing/2014/main" id="{3E5CE414-DDA5-4098-B1A6-61D7796ADCDB}"/>
+              </a:ext>
+            </a:extLst>
+          </p:cNvPr>
+          <p:cNvSpPr txBox="1"/>
+          <p:nvPr/>
+        </p:nvSpPr>
+        <p:spPr>
+          <a:xfrm>
+            <a:off x="2483768" y="1268760"/>
+            <a:ext cx="1085554" cy="461665"/>
+          </a:xfrm>
+          <a:prstGeom prst="rect">
+            <a:avLst/>
+          </a:prstGeom>
+          <a:noFill/>
+        </p:spPr>
+        <p:txBody>
+          <a:bodyPr wrap="none" rtlCol="0">
+            <a:spAutoFit/>
+          </a:bodyPr>
+          <a:lstStyle/>
+          <a:p>
+            <a:r>
+              <a:rPr lang="ja-JP" altLang="en-US" sz="1200"/>
+              <a:t>親コミットへの</a:t>
+            </a:r>
+            <a:endParaRPr lang="en-US" altLang="ja-JP" sz="1200"/>
+          </a:p>
+          <a:p>
+            <a:r>
+              <a:rPr kumimoji="1" lang="ja-JP" altLang="en-US" sz="1200"/>
+              <a:t>ポインタ</a:t>
+            </a:r>
+            <a:endParaRPr kumimoji="1" lang="en-US" sz="1200" dirty="0"/>
+          </a:p>
+        </p:txBody>
+      </p:sp>
+      <p:cxnSp>
+        <p:nvCxnSpPr>
+          <p:cNvPr id="36" name="コネクタ: カギ線 35">
+            <a:extLst>
+              <a:ext uri="{FF2B5EF4-FFF2-40B4-BE49-F238E27FC236}">
+                <a16:creationId xmlns:a16="http://schemas.microsoft.com/office/drawing/2014/main" id="{0F8B9D8C-66B1-4123-9CD4-B7EF9DFFC30E}"/>
+              </a:ext>
+            </a:extLst>
+          </p:cNvPr>
+          <p:cNvCxnSpPr>
+            <a:cxnSpLocks/>
+            <a:stCxn id="15" idx="2"/>
+            <a:endCxn id="2" idx="6"/>
+          </p:cNvCxnSpPr>
+          <p:nvPr/>
+        </p:nvCxnSpPr>
+        <p:spPr>
+          <a:xfrm rot="10800000">
+            <a:off x="2555777" y="908720"/>
+            <a:ext cx="1584175" cy="720080"/>
+          </a:xfrm>
+          <a:prstGeom prst="bentConnector3">
+            <a:avLst>
+              <a:gd name="adj1" fmla="val 39352"/>
+            </a:avLst>
+          </a:prstGeom>
+          <a:ln w="9525">
+            <a:solidFill>
+              <a:schemeClr val="tx1"/>
+            </a:solidFill>
+            <a:headEnd type="none"/>
+            <a:tailEnd type="triangle"/>
+          </a:ln>
+          <a:effectLst/>
+        </p:spPr>
+        <p:style>
+          <a:lnRef idx="2">
+            <a:schemeClr val="accent1"/>
+          </a:lnRef>
+          <a:fillRef idx="0">
+            <a:schemeClr val="accent1"/>
+          </a:fillRef>
+          <a:effectRef idx="1">
+            <a:schemeClr val="accent1"/>
+          </a:effectRef>
+          <a:fontRef idx="minor">
+            <a:schemeClr val="tx1"/>
+          </a:fontRef>
+        </p:style>
+      </p:cxnSp>
+      <p:sp>
+        <p:nvSpPr>
+          <p:cNvPr id="38" name="テキスト ボックス 37">
+            <a:extLst>
+              <a:ext uri="{FF2B5EF4-FFF2-40B4-BE49-F238E27FC236}">
+                <a16:creationId xmlns:a16="http://schemas.microsoft.com/office/drawing/2014/main" id="{31C88EEB-D19A-4B69-B00F-DD9F4AA874F0}"/>
+              </a:ext>
+            </a:extLst>
+          </p:cNvPr>
+          <p:cNvSpPr txBox="1"/>
+          <p:nvPr/>
+        </p:nvSpPr>
+        <p:spPr>
+          <a:xfrm>
+            <a:off x="6660232" y="1196752"/>
+            <a:ext cx="1082348" cy="338554"/>
+          </a:xfrm>
+          <a:prstGeom prst="rect">
+            <a:avLst/>
+          </a:prstGeom>
+          <a:noFill/>
+        </p:spPr>
+        <p:txBody>
+          <a:bodyPr wrap="none" rtlCol="0">
+            <a:spAutoFit/>
+          </a:bodyPr>
+          <a:lstStyle/>
+          <a:p>
+            <a:r>
+              <a:rPr lang="en-US" sz="1600">
+                <a:latin typeface="Consolas" panose="020B0609020204030204" pitchFamily="49" charset="0"/>
+              </a:rPr>
+              <a:t>test.txt</a:t>
+            </a:r>
+          </a:p>
+        </p:txBody>
+      </p:sp>
+      <p:cxnSp>
+        <p:nvCxnSpPr>
+          <p:cNvPr id="45" name="コネクタ: カギ線 44">
+            <a:extLst>
+              <a:ext uri="{FF2B5EF4-FFF2-40B4-BE49-F238E27FC236}">
+                <a16:creationId xmlns:a16="http://schemas.microsoft.com/office/drawing/2014/main" id="{C7E3CC98-3789-4404-A058-9A4B1698BA28}"/>
+              </a:ext>
+            </a:extLst>
+          </p:cNvPr>
+          <p:cNvCxnSpPr>
+            <a:stCxn id="22" idx="3"/>
+            <a:endCxn id="17" idx="1"/>
+          </p:cNvCxnSpPr>
+          <p:nvPr/>
+        </p:nvCxnSpPr>
+        <p:spPr>
+          <a:xfrm flipV="1">
+            <a:off x="5436096" y="905776"/>
+            <a:ext cx="504056" cy="316237"/>
+          </a:xfrm>
+          <a:prstGeom prst="bentConnector3">
+            <a:avLst/>
+          </a:prstGeom>
+          <a:ln w="9525">
+            <a:solidFill>
+              <a:schemeClr val="tx1"/>
+            </a:solidFill>
+            <a:headEnd type="none"/>
+            <a:tailEnd type="triangle"/>
+          </a:ln>
+          <a:effectLst/>
+        </p:spPr>
+        <p:style>
+          <a:lnRef idx="2">
+            <a:schemeClr val="accent1"/>
+          </a:lnRef>
+          <a:fillRef idx="0">
+            <a:schemeClr val="accent1"/>
+          </a:fillRef>
+          <a:effectRef idx="1">
+            <a:schemeClr val="accent1"/>
+          </a:effectRef>
+          <a:fontRef idx="minor">
+            <a:schemeClr val="tx1"/>
+          </a:fontRef>
+        </p:style>
+      </p:cxnSp>
+      <p:sp>
+        <p:nvSpPr>
+          <p:cNvPr id="47" name="テキスト ボックス 46">
+            <a:extLst>
+              <a:ext uri="{FF2B5EF4-FFF2-40B4-BE49-F238E27FC236}">
+                <a16:creationId xmlns:a16="http://schemas.microsoft.com/office/drawing/2014/main" id="{F9D48132-54E1-45E6-BE43-565D196A7F64}"/>
+              </a:ext>
+            </a:extLst>
+          </p:cNvPr>
+          <p:cNvSpPr txBox="1"/>
+          <p:nvPr/>
+        </p:nvSpPr>
+        <p:spPr>
+          <a:xfrm>
+            <a:off x="4464480" y="1827068"/>
+            <a:ext cx="856325" cy="400110"/>
+          </a:xfrm>
+          <a:prstGeom prst="rect">
+            <a:avLst/>
+          </a:prstGeom>
+          <a:noFill/>
+        </p:spPr>
+        <p:txBody>
+          <a:bodyPr wrap="none" rtlCol="0">
+            <a:spAutoFit/>
+          </a:bodyPr>
+          <a:lstStyle/>
+          <a:p>
+            <a:r>
+              <a:rPr lang="ja-JP" altLang="en-US" sz="1000">
+                <a:latin typeface="Consolas" panose="020B0609020204030204" pitchFamily="49" charset="0"/>
+              </a:rPr>
+              <a:t>コミット</a:t>
+            </a:r>
+            <a:endParaRPr lang="en-US" altLang="ja-JP" sz="1000">
+              <a:latin typeface="Consolas" panose="020B0609020204030204" pitchFamily="49" charset="0"/>
+            </a:endParaRPr>
+          </a:p>
+          <a:p>
+            <a:r>
+              <a:rPr lang="ja-JP" altLang="en-US" sz="1000">
+                <a:latin typeface="Consolas" panose="020B0609020204030204" pitchFamily="49" charset="0"/>
+              </a:rPr>
+              <a:t>メッセージ等</a:t>
+            </a:r>
+            <a:endParaRPr lang="en-US" sz="1000">
+              <a:latin typeface="Consolas" panose="020B0609020204030204" pitchFamily="49" charset="0"/>
+            </a:endParaRPr>
+          </a:p>
+        </p:txBody>
+      </p:sp>
     </p:spTree>
     <p:extLst>
       <p:ext uri="{BB962C8B-B14F-4D97-AF65-F5344CB8AC3E}">
         <p14:creationId xmlns:p14="http://schemas.microsoft.com/office/powerpoint/2010/main" val="2249142019"/>
+      </p:ext>
+    </p:extLst>
+  </p:cSld>
+  <p:clrMapOvr>
+    <a:masterClrMapping/>
+  </p:clrMapOvr>
+</p:sld>
+</file>
+
+<file path=ppt/slides/slide6.xml><?xml version="1.0" encoding="utf-8"?>
+<p:sld xmlns:a="http://schemas.openxmlformats.org/drawingml/2006/main" xmlns:r="http://schemas.openxmlformats.org/officeDocument/2006/relationships" xmlns:p="http://schemas.openxmlformats.org/presentationml/2006/main">
+  <p:cSld>
+    <p:spTree>
+      <p:nvGrpSpPr>
+        <p:cNvPr id="1" name=""/>
+        <p:cNvGrpSpPr/>
+        <p:nvPr/>
+      </p:nvGrpSpPr>
+      <p:grpSpPr>
+        <a:xfrm>
+          <a:off x="0" y="0"/>
+          <a:ext cx="0" cy="0"/>
+          <a:chOff x="0" y="0"/>
+          <a:chExt cx="0" cy="0"/>
+        </a:xfrm>
+      </p:grpSpPr>
+      <p:sp>
+        <p:nvSpPr>
+          <p:cNvPr id="2" name="楕円 1">
+            <a:extLst>
+              <a:ext uri="{FF2B5EF4-FFF2-40B4-BE49-F238E27FC236}">
+                <a16:creationId xmlns:a16="http://schemas.microsoft.com/office/drawing/2014/main" id="{B370BA5C-36E6-44AA-BD56-58376DF2F210}"/>
+              </a:ext>
+            </a:extLst>
+          </p:cNvPr>
+          <p:cNvSpPr/>
+          <p:nvPr/>
+        </p:nvSpPr>
+        <p:spPr>
+          <a:xfrm>
+            <a:off x="755576" y="1340768"/>
+            <a:ext cx="288032" cy="288032"/>
+          </a:xfrm>
+          <a:prstGeom prst="ellipse">
+            <a:avLst/>
+          </a:prstGeom>
+          <a:solidFill>
+            <a:srgbClr val="0070C0"/>
+          </a:solidFill>
+          <a:ln>
+            <a:solidFill>
+              <a:schemeClr val="tx1"/>
+            </a:solidFill>
+          </a:ln>
+        </p:spPr>
+        <p:txBody>
+          <a:bodyPr wrap="square" rtlCol="0" anchor="ctr">
+            <a:spAutoFit/>
+          </a:bodyPr>
+          <a:lstStyle/>
+          <a:p>
+            <a:pPr algn="ctr"/>
+            <a:endParaRPr kumimoji="1" lang="ja-JP" altLang="en-US" sz="2400" dirty="0"/>
+          </a:p>
+        </p:txBody>
+      </p:sp>
+      <p:sp>
+        <p:nvSpPr>
+          <p:cNvPr id="3" name="楕円 2">
+            <a:extLst>
+              <a:ext uri="{FF2B5EF4-FFF2-40B4-BE49-F238E27FC236}">
+                <a16:creationId xmlns:a16="http://schemas.microsoft.com/office/drawing/2014/main" id="{B6C94DB7-31F5-4AD9-95FF-2DE4BCB7A8AF}"/>
+              </a:ext>
+            </a:extLst>
+          </p:cNvPr>
+          <p:cNvSpPr/>
+          <p:nvPr/>
+        </p:nvSpPr>
+        <p:spPr>
+          <a:xfrm>
+            <a:off x="1691680" y="1340768"/>
+            <a:ext cx="288032" cy="288032"/>
+          </a:xfrm>
+          <a:prstGeom prst="ellipse">
+            <a:avLst/>
+          </a:prstGeom>
+          <a:solidFill>
+            <a:srgbClr val="FFC000"/>
+          </a:solidFill>
+          <a:ln>
+            <a:solidFill>
+              <a:schemeClr val="tx1"/>
+            </a:solidFill>
+          </a:ln>
+        </p:spPr>
+        <p:txBody>
+          <a:bodyPr wrap="square" rtlCol="0" anchor="ctr">
+            <a:spAutoFit/>
+          </a:bodyPr>
+          <a:lstStyle/>
+          <a:p>
+            <a:pPr algn="ctr"/>
+            <a:endParaRPr kumimoji="1" lang="ja-JP" altLang="en-US" sz="2400" dirty="0"/>
+          </a:p>
+        </p:txBody>
+      </p:sp>
+      <p:sp>
+        <p:nvSpPr>
+          <p:cNvPr id="4" name="楕円 3">
+            <a:extLst>
+              <a:ext uri="{FF2B5EF4-FFF2-40B4-BE49-F238E27FC236}">
+                <a16:creationId xmlns:a16="http://schemas.microsoft.com/office/drawing/2014/main" id="{F35051C4-FF94-4EAC-8ADA-2DD2D2807EF6}"/>
+              </a:ext>
+            </a:extLst>
+          </p:cNvPr>
+          <p:cNvSpPr/>
+          <p:nvPr/>
+        </p:nvSpPr>
+        <p:spPr>
+          <a:xfrm>
+            <a:off x="1691680" y="2132856"/>
+            <a:ext cx="288032" cy="288032"/>
+          </a:xfrm>
+          <a:prstGeom prst="ellipse">
+            <a:avLst/>
+          </a:prstGeom>
+          <a:solidFill>
+            <a:srgbClr val="FFC000"/>
+          </a:solidFill>
+          <a:ln>
+            <a:solidFill>
+              <a:schemeClr val="tx1"/>
+            </a:solidFill>
+          </a:ln>
+        </p:spPr>
+        <p:txBody>
+          <a:bodyPr wrap="square" rtlCol="0" anchor="ctr">
+            <a:spAutoFit/>
+          </a:bodyPr>
+          <a:lstStyle/>
+          <a:p>
+            <a:pPr algn="ctr"/>
+            <a:endParaRPr kumimoji="1" lang="ja-JP" altLang="en-US" sz="2400" dirty="0"/>
+          </a:p>
+        </p:txBody>
+      </p:sp>
+      <p:sp>
+        <p:nvSpPr>
+          <p:cNvPr id="5" name="楕円 4">
+            <a:extLst>
+              <a:ext uri="{FF2B5EF4-FFF2-40B4-BE49-F238E27FC236}">
+                <a16:creationId xmlns:a16="http://schemas.microsoft.com/office/drawing/2014/main" id="{CA290144-9FA1-4877-8052-0F2CA7037801}"/>
+              </a:ext>
+            </a:extLst>
+          </p:cNvPr>
+          <p:cNvSpPr/>
+          <p:nvPr/>
+        </p:nvSpPr>
+        <p:spPr>
+          <a:xfrm>
+            <a:off x="2627784" y="1340768"/>
+            <a:ext cx="288032" cy="288032"/>
+          </a:xfrm>
+          <a:prstGeom prst="ellipse">
+            <a:avLst/>
+          </a:prstGeom>
+          <a:solidFill>
+            <a:srgbClr val="FF0000"/>
+          </a:solidFill>
+          <a:ln>
+            <a:solidFill>
+              <a:schemeClr val="tx1"/>
+            </a:solidFill>
+          </a:ln>
+        </p:spPr>
+        <p:txBody>
+          <a:bodyPr wrap="square" rtlCol="0" anchor="ctr">
+            <a:spAutoFit/>
+          </a:bodyPr>
+          <a:lstStyle/>
+          <a:p>
+            <a:pPr algn="ctr"/>
+            <a:endParaRPr kumimoji="1" lang="ja-JP" altLang="en-US" sz="2400" dirty="0"/>
+          </a:p>
+        </p:txBody>
+      </p:sp>
+      <p:cxnSp>
+        <p:nvCxnSpPr>
+          <p:cNvPr id="7" name="直線コネクタ 6">
+            <a:extLst>
+              <a:ext uri="{FF2B5EF4-FFF2-40B4-BE49-F238E27FC236}">
+                <a16:creationId xmlns:a16="http://schemas.microsoft.com/office/drawing/2014/main" id="{AB1F6B62-188D-47BA-90DD-5E3C6356B069}"/>
+              </a:ext>
+            </a:extLst>
+          </p:cNvPr>
+          <p:cNvCxnSpPr>
+            <a:stCxn id="2" idx="6"/>
+            <a:endCxn id="3" idx="2"/>
+          </p:cNvCxnSpPr>
+          <p:nvPr/>
+        </p:nvCxnSpPr>
+        <p:spPr>
+          <a:xfrm>
+            <a:off x="1043608" y="1484784"/>
+            <a:ext cx="648072" cy="0"/>
+          </a:xfrm>
+          <a:prstGeom prst="line">
+            <a:avLst/>
+          </a:prstGeom>
+          <a:ln w="28575">
+            <a:solidFill>
+              <a:schemeClr val="tx1"/>
+            </a:solidFill>
+            <a:headEnd type="none"/>
+            <a:tailEnd type="none"/>
+          </a:ln>
+          <a:effectLst/>
+        </p:spPr>
+        <p:style>
+          <a:lnRef idx="2">
+            <a:schemeClr val="accent1"/>
+          </a:lnRef>
+          <a:fillRef idx="0">
+            <a:schemeClr val="accent1"/>
+          </a:fillRef>
+          <a:effectRef idx="1">
+            <a:schemeClr val="accent1"/>
+          </a:effectRef>
+          <a:fontRef idx="minor">
+            <a:schemeClr val="tx1"/>
+          </a:fontRef>
+        </p:style>
+      </p:cxnSp>
+      <p:cxnSp>
+        <p:nvCxnSpPr>
+          <p:cNvPr id="8" name="直線コネクタ 7">
+            <a:extLst>
+              <a:ext uri="{FF2B5EF4-FFF2-40B4-BE49-F238E27FC236}">
+                <a16:creationId xmlns:a16="http://schemas.microsoft.com/office/drawing/2014/main" id="{CAC21167-B877-46AA-9CE9-1CACED3E5812}"/>
+              </a:ext>
+            </a:extLst>
+          </p:cNvPr>
+          <p:cNvCxnSpPr>
+            <a:cxnSpLocks/>
+            <a:stCxn id="5" idx="2"/>
+            <a:endCxn id="3" idx="6"/>
+          </p:cNvCxnSpPr>
+          <p:nvPr/>
+        </p:nvCxnSpPr>
+        <p:spPr>
+          <a:xfrm flipH="1">
+            <a:off x="1979712" y="1484784"/>
+            <a:ext cx="648072" cy="0"/>
+          </a:xfrm>
+          <a:prstGeom prst="line">
+            <a:avLst/>
+          </a:prstGeom>
+          <a:ln w="28575">
+            <a:solidFill>
+              <a:srgbClr val="FF0000"/>
+            </a:solidFill>
+            <a:headEnd type="none"/>
+            <a:tailEnd type="none"/>
+          </a:ln>
+          <a:effectLst/>
+        </p:spPr>
+        <p:style>
+          <a:lnRef idx="2">
+            <a:schemeClr val="accent1"/>
+          </a:lnRef>
+          <a:fillRef idx="0">
+            <a:schemeClr val="accent1"/>
+          </a:fillRef>
+          <a:effectRef idx="1">
+            <a:schemeClr val="accent1"/>
+          </a:effectRef>
+          <a:fontRef idx="minor">
+            <a:schemeClr val="tx1"/>
+          </a:fontRef>
+        </p:style>
+      </p:cxnSp>
+      <p:cxnSp>
+        <p:nvCxnSpPr>
+          <p:cNvPr id="11" name="直線コネクタ 10">
+            <a:extLst>
+              <a:ext uri="{FF2B5EF4-FFF2-40B4-BE49-F238E27FC236}">
+                <a16:creationId xmlns:a16="http://schemas.microsoft.com/office/drawing/2014/main" id="{EB379DDD-6964-4674-9ED7-D3B02AA5218F}"/>
+              </a:ext>
+            </a:extLst>
+          </p:cNvPr>
+          <p:cNvCxnSpPr>
+            <a:cxnSpLocks/>
+            <a:stCxn id="5" idx="3"/>
+            <a:endCxn id="4" idx="7"/>
+          </p:cNvCxnSpPr>
+          <p:nvPr/>
+        </p:nvCxnSpPr>
+        <p:spPr>
+          <a:xfrm flipH="1">
+            <a:off x="1937531" y="1586619"/>
+            <a:ext cx="732434" cy="588418"/>
+          </a:xfrm>
+          <a:prstGeom prst="line">
+            <a:avLst/>
+          </a:prstGeom>
+          <a:ln w="28575">
+            <a:solidFill>
+              <a:srgbClr val="FF0000"/>
+            </a:solidFill>
+            <a:headEnd type="none"/>
+            <a:tailEnd type="none"/>
+          </a:ln>
+          <a:effectLst/>
+        </p:spPr>
+        <p:style>
+          <a:lnRef idx="2">
+            <a:schemeClr val="accent1"/>
+          </a:lnRef>
+          <a:fillRef idx="0">
+            <a:schemeClr val="accent1"/>
+          </a:fillRef>
+          <a:effectRef idx="1">
+            <a:schemeClr val="accent1"/>
+          </a:effectRef>
+          <a:fontRef idx="minor">
+            <a:schemeClr val="tx1"/>
+          </a:fontRef>
+        </p:style>
+      </p:cxnSp>
+      <p:cxnSp>
+        <p:nvCxnSpPr>
+          <p:cNvPr id="14" name="直線コネクタ 13">
+            <a:extLst>
+              <a:ext uri="{FF2B5EF4-FFF2-40B4-BE49-F238E27FC236}">
+                <a16:creationId xmlns:a16="http://schemas.microsoft.com/office/drawing/2014/main" id="{7652AF55-D792-4FFB-9A34-C2EC2C35640F}"/>
+              </a:ext>
+            </a:extLst>
+          </p:cNvPr>
+          <p:cNvCxnSpPr>
+            <a:cxnSpLocks/>
+            <a:stCxn id="2" idx="5"/>
+            <a:endCxn id="4" idx="1"/>
+          </p:cNvCxnSpPr>
+          <p:nvPr/>
+        </p:nvCxnSpPr>
+        <p:spPr>
+          <a:xfrm>
+            <a:off x="1001427" y="1586619"/>
+            <a:ext cx="732434" cy="588418"/>
+          </a:xfrm>
+          <a:prstGeom prst="line">
+            <a:avLst/>
+          </a:prstGeom>
+          <a:ln w="28575">
+            <a:solidFill>
+              <a:schemeClr val="tx1"/>
+            </a:solidFill>
+            <a:headEnd type="none"/>
+            <a:tailEnd type="none"/>
+          </a:ln>
+          <a:effectLst/>
+        </p:spPr>
+        <p:style>
+          <a:lnRef idx="2">
+            <a:schemeClr val="accent1"/>
+          </a:lnRef>
+          <a:fillRef idx="0">
+            <a:schemeClr val="accent1"/>
+          </a:fillRef>
+          <a:effectRef idx="1">
+            <a:schemeClr val="accent1"/>
+          </a:effectRef>
+          <a:fontRef idx="minor">
+            <a:schemeClr val="tx1"/>
+          </a:fontRef>
+        </p:style>
+      </p:cxnSp>
+      <p:sp>
+        <p:nvSpPr>
+          <p:cNvPr id="18" name="テキスト ボックス 17">
+            <a:extLst>
+              <a:ext uri="{FF2B5EF4-FFF2-40B4-BE49-F238E27FC236}">
+                <a16:creationId xmlns:a16="http://schemas.microsoft.com/office/drawing/2014/main" id="{D22D66A6-0994-4639-B292-7AA87EB737DE}"/>
+              </a:ext>
+            </a:extLst>
+          </p:cNvPr>
+          <p:cNvSpPr txBox="1"/>
+          <p:nvPr/>
+        </p:nvSpPr>
+        <p:spPr>
+          <a:xfrm>
+            <a:off x="467544" y="980728"/>
+            <a:ext cx="936104" cy="307777"/>
+          </a:xfrm>
+          <a:prstGeom prst="rect">
+            <a:avLst/>
+          </a:prstGeom>
+          <a:noFill/>
+        </p:spPr>
+        <p:txBody>
+          <a:bodyPr wrap="square">
+            <a:spAutoFit/>
+          </a:bodyPr>
+          <a:lstStyle/>
+          <a:p>
+            <a:r>
+              <a:rPr lang="en-US" sz="1400">
+                <a:latin typeface="Consolas" panose="020B0609020204030204" pitchFamily="49" charset="0"/>
+              </a:rPr>
+              <a:t>6db4350</a:t>
+            </a:r>
+          </a:p>
+        </p:txBody>
+      </p:sp>
+      <p:sp>
+        <p:nvSpPr>
+          <p:cNvPr id="19" name="テキスト ボックス 18">
+            <a:extLst>
+              <a:ext uri="{FF2B5EF4-FFF2-40B4-BE49-F238E27FC236}">
+                <a16:creationId xmlns:a16="http://schemas.microsoft.com/office/drawing/2014/main" id="{06188427-DC2B-4279-A63B-29709B07B909}"/>
+              </a:ext>
+            </a:extLst>
+          </p:cNvPr>
+          <p:cNvSpPr txBox="1"/>
+          <p:nvPr/>
+        </p:nvSpPr>
+        <p:spPr>
+          <a:xfrm>
+            <a:off x="1403648" y="980728"/>
+            <a:ext cx="936104" cy="307777"/>
+          </a:xfrm>
+          <a:prstGeom prst="rect">
+            <a:avLst/>
+          </a:prstGeom>
+          <a:noFill/>
+        </p:spPr>
+        <p:txBody>
+          <a:bodyPr wrap="square">
+            <a:spAutoFit/>
+          </a:bodyPr>
+          <a:lstStyle/>
+          <a:p>
+            <a:r>
+              <a:rPr lang="en-US" sz="1400">
+                <a:latin typeface="Consolas" panose="020B0609020204030204" pitchFamily="49" charset="0"/>
+              </a:rPr>
+              <a:t>953cb60</a:t>
+            </a:r>
+          </a:p>
+        </p:txBody>
+      </p:sp>
+      <p:sp>
+        <p:nvSpPr>
+          <p:cNvPr id="20" name="テキスト ボックス 19">
+            <a:extLst>
+              <a:ext uri="{FF2B5EF4-FFF2-40B4-BE49-F238E27FC236}">
+                <a16:creationId xmlns:a16="http://schemas.microsoft.com/office/drawing/2014/main" id="{D6801510-84DD-4184-97EB-3AF9DB73738D}"/>
+              </a:ext>
+            </a:extLst>
+          </p:cNvPr>
+          <p:cNvSpPr txBox="1"/>
+          <p:nvPr/>
+        </p:nvSpPr>
+        <p:spPr>
+          <a:xfrm>
+            <a:off x="2339752" y="980728"/>
+            <a:ext cx="936104" cy="307777"/>
+          </a:xfrm>
+          <a:prstGeom prst="rect">
+            <a:avLst/>
+          </a:prstGeom>
+          <a:noFill/>
+        </p:spPr>
+        <p:txBody>
+          <a:bodyPr wrap="square">
+            <a:spAutoFit/>
+          </a:bodyPr>
+          <a:lstStyle/>
+          <a:p>
+            <a:r>
+              <a:rPr lang="en-US" sz="1400">
+                <a:latin typeface="Consolas" panose="020B0609020204030204" pitchFamily="49" charset="0"/>
+              </a:rPr>
+              <a:t>f4baa05</a:t>
+            </a:r>
+          </a:p>
+        </p:txBody>
+      </p:sp>
+      <p:sp>
+        <p:nvSpPr>
+          <p:cNvPr id="27" name="テキスト ボックス 26">
+            <a:extLst>
+              <a:ext uri="{FF2B5EF4-FFF2-40B4-BE49-F238E27FC236}">
+                <a16:creationId xmlns:a16="http://schemas.microsoft.com/office/drawing/2014/main" id="{1E46479B-610E-4456-AAC2-C6231B75B8D4}"/>
+              </a:ext>
+            </a:extLst>
+          </p:cNvPr>
+          <p:cNvSpPr txBox="1"/>
+          <p:nvPr/>
+        </p:nvSpPr>
+        <p:spPr>
+          <a:xfrm>
+            <a:off x="1403648" y="2420888"/>
+            <a:ext cx="936104" cy="307777"/>
+          </a:xfrm>
+          <a:prstGeom prst="rect">
+            <a:avLst/>
+          </a:prstGeom>
+          <a:noFill/>
+        </p:spPr>
+        <p:txBody>
+          <a:bodyPr wrap="square">
+            <a:spAutoFit/>
+          </a:bodyPr>
+          <a:lstStyle/>
+          <a:p>
+            <a:r>
+              <a:rPr lang="en-US" sz="1400">
+                <a:latin typeface="Consolas" panose="020B0609020204030204" pitchFamily="49" charset="0"/>
+              </a:rPr>
+              <a:t>6aecd68</a:t>
+            </a:r>
+          </a:p>
+        </p:txBody>
+      </p:sp>
+      <p:sp>
+        <p:nvSpPr>
+          <p:cNvPr id="28" name="四角形: 角を丸くする 27">
+            <a:extLst>
+              <a:ext uri="{FF2B5EF4-FFF2-40B4-BE49-F238E27FC236}">
+                <a16:creationId xmlns:a16="http://schemas.microsoft.com/office/drawing/2014/main" id="{077C3550-9DDB-4A2E-BA14-BE2FA220C6B8}"/>
+              </a:ext>
+            </a:extLst>
+          </p:cNvPr>
+          <p:cNvSpPr/>
+          <p:nvPr/>
+        </p:nvSpPr>
+        <p:spPr>
+          <a:xfrm>
+            <a:off x="4211960" y="1052736"/>
+            <a:ext cx="1656184" cy="2016224"/>
+          </a:xfrm>
+          <a:prstGeom prst="roundRect">
+            <a:avLst/>
+          </a:prstGeom>
+          <a:ln>
+            <a:solidFill>
+              <a:schemeClr val="tx1"/>
+            </a:solidFill>
+            <a:prstDash val="dash"/>
+          </a:ln>
+        </p:spPr>
+        <p:txBody>
+          <a:bodyPr wrap="square" rtlCol="0" anchor="ctr">
+            <a:spAutoFit/>
+          </a:bodyPr>
+          <a:lstStyle/>
+          <a:p>
+            <a:pPr algn="ctr"/>
+            <a:endParaRPr kumimoji="1" lang="ja-JP" altLang="en-US" sz="2400" dirty="0"/>
+          </a:p>
+        </p:txBody>
+      </p:sp>
+      <p:sp>
+        <p:nvSpPr>
+          <p:cNvPr id="29" name="楕円 28">
+            <a:extLst>
+              <a:ext uri="{FF2B5EF4-FFF2-40B4-BE49-F238E27FC236}">
+                <a16:creationId xmlns:a16="http://schemas.microsoft.com/office/drawing/2014/main" id="{A1E513F5-285B-4E0D-BF70-7EEAB1244DD6}"/>
+              </a:ext>
+            </a:extLst>
+          </p:cNvPr>
+          <p:cNvSpPr/>
+          <p:nvPr/>
+        </p:nvSpPr>
+        <p:spPr>
+          <a:xfrm>
+            <a:off x="3995936" y="836712"/>
+            <a:ext cx="432048" cy="432048"/>
+          </a:xfrm>
+          <a:prstGeom prst="ellipse">
+            <a:avLst/>
+          </a:prstGeom>
+          <a:solidFill>
+            <a:srgbClr val="FF0000"/>
+          </a:solidFill>
+          <a:ln>
+            <a:solidFill>
+              <a:schemeClr val="tx1"/>
+            </a:solidFill>
+          </a:ln>
+        </p:spPr>
+        <p:txBody>
+          <a:bodyPr wrap="square" rtlCol="0" anchor="ctr">
+            <a:spAutoFit/>
+          </a:bodyPr>
+          <a:lstStyle/>
+          <a:p>
+            <a:pPr algn="ctr"/>
+            <a:endParaRPr kumimoji="1" lang="ja-JP" altLang="en-US" sz="2400" dirty="0"/>
+          </a:p>
+        </p:txBody>
+      </p:sp>
+      <p:pic>
+        <p:nvPicPr>
+          <p:cNvPr id="30" name="Picture 16" descr="四角い付箋のイラスト「淡黄色」">
+            <a:extLst>
+              <a:ext uri="{FF2B5EF4-FFF2-40B4-BE49-F238E27FC236}">
+                <a16:creationId xmlns:a16="http://schemas.microsoft.com/office/drawing/2014/main" id="{D0E504B8-D821-4784-AB64-87A9B12F9E32}"/>
+              </a:ext>
+            </a:extLst>
+          </p:cNvPr>
+          <p:cNvPicPr>
+            <a:picLocks noChangeAspect="1" noChangeArrowheads="1"/>
+          </p:cNvPicPr>
+          <p:nvPr/>
+        </p:nvPicPr>
+        <p:blipFill>
+          <a:blip r:embed="rId2">
+            <a:extLst>
+              <a:ext uri="{28A0092B-C50C-407E-A947-70E740481C1C}">
+                <a14:useLocalDpi xmlns:a14="http://schemas.microsoft.com/office/drawing/2010/main" val="0"/>
+              </a:ext>
+            </a:extLst>
+          </a:blip>
+          <a:srcRect/>
+          <a:stretch>
+            <a:fillRect/>
+          </a:stretch>
+        </p:blipFill>
+        <p:spPr bwMode="auto">
+          <a:xfrm>
+            <a:off x="4490130" y="2510652"/>
+            <a:ext cx="400044" cy="360040"/>
+          </a:xfrm>
+          <a:prstGeom prst="rect">
+            <a:avLst/>
+          </a:prstGeom>
+          <a:noFill/>
+          <a:extLst>
+            <a:ext uri="{909E8E84-426E-40DD-AFC4-6F175D3DCCD1}">
+              <a14:hiddenFill xmlns:a14="http://schemas.microsoft.com/office/drawing/2010/main">
+                <a:solidFill>
+                  <a:srgbClr val="FFFFFF"/>
+                </a:solidFill>
+              </a14:hiddenFill>
+            </a:ext>
+          </a:extLst>
+        </p:spPr>
+      </p:pic>
+      <p:pic>
+        <p:nvPicPr>
+          <p:cNvPr id="31" name="Picture 8" descr="木のイラスト（横から）">
+            <a:extLst>
+              <a:ext uri="{FF2B5EF4-FFF2-40B4-BE49-F238E27FC236}">
+                <a16:creationId xmlns:a16="http://schemas.microsoft.com/office/drawing/2014/main" id="{9B530004-89FE-43FE-93F6-47D986F115B0}"/>
+              </a:ext>
+            </a:extLst>
+          </p:cNvPr>
+          <p:cNvPicPr>
+            <a:picLocks noChangeAspect="1" noChangeArrowheads="1"/>
+          </p:cNvPicPr>
+          <p:nvPr/>
+        </p:nvPicPr>
+        <p:blipFill>
+          <a:blip r:embed="rId3">
+            <a:extLst>
+              <a:ext uri="{28A0092B-C50C-407E-A947-70E740481C1C}">
+                <a14:useLocalDpi xmlns:a14="http://schemas.microsoft.com/office/drawing/2010/main" val="0"/>
+              </a:ext>
+            </a:extLst>
+          </a:blip>
+          <a:srcRect/>
+          <a:stretch>
+            <a:fillRect/>
+          </a:stretch>
+        </p:blipFill>
+        <p:spPr bwMode="auto">
+          <a:xfrm>
+            <a:off x="4472373" y="1124744"/>
+            <a:ext cx="354321" cy="426159"/>
+          </a:xfrm>
+          <a:prstGeom prst="rect">
+            <a:avLst/>
+          </a:prstGeom>
+          <a:noFill/>
+          <a:extLst>
+            <a:ext uri="{909E8E84-426E-40DD-AFC4-6F175D3DCCD1}">
+              <a14:hiddenFill xmlns:a14="http://schemas.microsoft.com/office/drawing/2010/main">
+                <a:solidFill>
+                  <a:srgbClr val="FFFFFF"/>
+                </a:solidFill>
+              </a14:hiddenFill>
+            </a:ext>
+          </a:extLst>
+        </p:spPr>
+      </p:pic>
+      <p:sp>
+        <p:nvSpPr>
+          <p:cNvPr id="32" name="楕円 31">
+            <a:extLst>
+              <a:ext uri="{FF2B5EF4-FFF2-40B4-BE49-F238E27FC236}">
+                <a16:creationId xmlns:a16="http://schemas.microsoft.com/office/drawing/2014/main" id="{13F905D9-9923-4F7F-B255-FE34382876EC}"/>
+              </a:ext>
+            </a:extLst>
+          </p:cNvPr>
+          <p:cNvSpPr/>
+          <p:nvPr/>
+        </p:nvSpPr>
+        <p:spPr>
+          <a:xfrm>
+            <a:off x="4499991" y="1628800"/>
+            <a:ext cx="288032" cy="288032"/>
+          </a:xfrm>
+          <a:prstGeom prst="ellipse">
+            <a:avLst/>
+          </a:prstGeom>
+          <a:solidFill>
+            <a:srgbClr val="FFC000"/>
+          </a:solidFill>
+          <a:ln>
+            <a:solidFill>
+              <a:schemeClr val="tx1"/>
+            </a:solidFill>
+          </a:ln>
+        </p:spPr>
+        <p:txBody>
+          <a:bodyPr wrap="square" rtlCol="0" anchor="ctr">
+            <a:spAutoFit/>
+          </a:bodyPr>
+          <a:lstStyle/>
+          <a:p>
+            <a:pPr algn="ctr"/>
+            <a:endParaRPr kumimoji="1" lang="ja-JP" altLang="en-US" sz="2400" dirty="0"/>
+          </a:p>
+        </p:txBody>
+      </p:sp>
+      <p:sp>
+        <p:nvSpPr>
+          <p:cNvPr id="33" name="テキスト ボックス 32">
+            <a:extLst>
+              <a:ext uri="{FF2B5EF4-FFF2-40B4-BE49-F238E27FC236}">
+                <a16:creationId xmlns:a16="http://schemas.microsoft.com/office/drawing/2014/main" id="{91196548-A22D-4947-A57B-E3ACE915915D}"/>
+              </a:ext>
+            </a:extLst>
+          </p:cNvPr>
+          <p:cNvSpPr txBox="1"/>
+          <p:nvPr/>
+        </p:nvSpPr>
+        <p:spPr>
+          <a:xfrm>
+            <a:off x="3851920" y="476672"/>
+            <a:ext cx="970137" cy="338554"/>
+          </a:xfrm>
+          <a:prstGeom prst="rect">
+            <a:avLst/>
+          </a:prstGeom>
+          <a:noFill/>
+        </p:spPr>
+        <p:txBody>
+          <a:bodyPr wrap="none" rtlCol="0">
+            <a:spAutoFit/>
+          </a:bodyPr>
+          <a:lstStyle/>
+          <a:p>
+            <a:r>
+              <a:rPr lang="en-US" sz="1600">
+                <a:latin typeface="Consolas" panose="020B0609020204030204" pitchFamily="49" charset="0"/>
+              </a:rPr>
+              <a:t>f4baa05</a:t>
+            </a:r>
+          </a:p>
+        </p:txBody>
+      </p:sp>
+      <p:sp>
+        <p:nvSpPr>
+          <p:cNvPr id="34" name="テキスト ボックス 33">
+            <a:extLst>
+              <a:ext uri="{FF2B5EF4-FFF2-40B4-BE49-F238E27FC236}">
+                <a16:creationId xmlns:a16="http://schemas.microsoft.com/office/drawing/2014/main" id="{3CF989B3-3E06-4F9A-ACFF-263F6E866C5E}"/>
+              </a:ext>
+            </a:extLst>
+          </p:cNvPr>
+          <p:cNvSpPr txBox="1"/>
+          <p:nvPr/>
+        </p:nvSpPr>
+        <p:spPr>
+          <a:xfrm>
+            <a:off x="4788024" y="1628800"/>
+            <a:ext cx="970137" cy="338554"/>
+          </a:xfrm>
+          <a:prstGeom prst="rect">
+            <a:avLst/>
+          </a:prstGeom>
+          <a:noFill/>
+        </p:spPr>
+        <p:txBody>
+          <a:bodyPr wrap="none" rtlCol="0">
+            <a:spAutoFit/>
+          </a:bodyPr>
+          <a:lstStyle/>
+          <a:p>
+            <a:r>
+              <a:rPr lang="en-US" sz="1600">
+                <a:latin typeface="Consolas" panose="020B0609020204030204" pitchFamily="49" charset="0"/>
+              </a:rPr>
+              <a:t>953cb60</a:t>
+            </a:r>
+          </a:p>
+        </p:txBody>
+      </p:sp>
+      <p:sp>
+        <p:nvSpPr>
+          <p:cNvPr id="35" name="テキスト ボックス 34">
+            <a:extLst>
+              <a:ext uri="{FF2B5EF4-FFF2-40B4-BE49-F238E27FC236}">
+                <a16:creationId xmlns:a16="http://schemas.microsoft.com/office/drawing/2014/main" id="{33554AB7-3B73-44DB-9FFC-ECBBE388287D}"/>
+              </a:ext>
+            </a:extLst>
+          </p:cNvPr>
+          <p:cNvSpPr txBox="1"/>
+          <p:nvPr/>
+        </p:nvSpPr>
+        <p:spPr>
+          <a:xfrm>
+            <a:off x="4788024" y="1196752"/>
+            <a:ext cx="1008112" cy="338554"/>
+          </a:xfrm>
+          <a:prstGeom prst="rect">
+            <a:avLst/>
+          </a:prstGeom>
+          <a:noFill/>
+        </p:spPr>
+        <p:txBody>
+          <a:bodyPr wrap="square">
+            <a:spAutoFit/>
+          </a:bodyPr>
+          <a:lstStyle/>
+          <a:p>
+            <a:r>
+              <a:rPr lang="en-US" sz="1600">
+                <a:latin typeface="Consolas" panose="020B0609020204030204" pitchFamily="49" charset="0"/>
+              </a:rPr>
+              <a:t>706a174</a:t>
+            </a:r>
+          </a:p>
+        </p:txBody>
+      </p:sp>
+      <p:sp>
+        <p:nvSpPr>
+          <p:cNvPr id="36" name="テキスト ボックス 35">
+            <a:extLst>
+              <a:ext uri="{FF2B5EF4-FFF2-40B4-BE49-F238E27FC236}">
+                <a16:creationId xmlns:a16="http://schemas.microsoft.com/office/drawing/2014/main" id="{C8EBC281-4867-4465-9C2F-F4ED762170C6}"/>
+              </a:ext>
+            </a:extLst>
+          </p:cNvPr>
+          <p:cNvSpPr txBox="1"/>
+          <p:nvPr/>
+        </p:nvSpPr>
+        <p:spPr>
+          <a:xfrm>
+            <a:off x="4860032" y="2492896"/>
+            <a:ext cx="856325" cy="400110"/>
+          </a:xfrm>
+          <a:prstGeom prst="rect">
+            <a:avLst/>
+          </a:prstGeom>
+          <a:noFill/>
+        </p:spPr>
+        <p:txBody>
+          <a:bodyPr wrap="none" rtlCol="0">
+            <a:spAutoFit/>
+          </a:bodyPr>
+          <a:lstStyle/>
+          <a:p>
+            <a:r>
+              <a:rPr lang="ja-JP" altLang="en-US" sz="1000">
+                <a:latin typeface="Consolas" panose="020B0609020204030204" pitchFamily="49" charset="0"/>
+              </a:rPr>
+              <a:t>コミット</a:t>
+            </a:r>
+            <a:endParaRPr lang="en-US" altLang="ja-JP" sz="1000">
+              <a:latin typeface="Consolas" panose="020B0609020204030204" pitchFamily="49" charset="0"/>
+            </a:endParaRPr>
+          </a:p>
+          <a:p>
+            <a:r>
+              <a:rPr lang="ja-JP" altLang="en-US" sz="1000">
+                <a:latin typeface="Consolas" panose="020B0609020204030204" pitchFamily="49" charset="0"/>
+              </a:rPr>
+              <a:t>メッセージ等</a:t>
+            </a:r>
+            <a:endParaRPr lang="en-US" sz="1000">
+              <a:latin typeface="Consolas" panose="020B0609020204030204" pitchFamily="49" charset="0"/>
+            </a:endParaRPr>
+          </a:p>
+        </p:txBody>
+      </p:sp>
+      <p:sp>
+        <p:nvSpPr>
+          <p:cNvPr id="37" name="楕円 36">
+            <a:extLst>
+              <a:ext uri="{FF2B5EF4-FFF2-40B4-BE49-F238E27FC236}">
+                <a16:creationId xmlns:a16="http://schemas.microsoft.com/office/drawing/2014/main" id="{9CED1C67-2CAC-4F18-8A5F-DEF707F142D8}"/>
+              </a:ext>
+            </a:extLst>
+          </p:cNvPr>
+          <p:cNvSpPr/>
+          <p:nvPr/>
+        </p:nvSpPr>
+        <p:spPr>
+          <a:xfrm>
+            <a:off x="4499992" y="2060848"/>
+            <a:ext cx="288032" cy="288032"/>
+          </a:xfrm>
+          <a:prstGeom prst="ellipse">
+            <a:avLst/>
+          </a:prstGeom>
+          <a:solidFill>
+            <a:srgbClr val="FFC000"/>
+          </a:solidFill>
+          <a:ln>
+            <a:solidFill>
+              <a:schemeClr val="tx1"/>
+            </a:solidFill>
+          </a:ln>
+        </p:spPr>
+        <p:txBody>
+          <a:bodyPr wrap="square" rtlCol="0" anchor="ctr">
+            <a:spAutoFit/>
+          </a:bodyPr>
+          <a:lstStyle/>
+          <a:p>
+            <a:pPr algn="ctr"/>
+            <a:endParaRPr kumimoji="1" lang="ja-JP" altLang="en-US" sz="2400" dirty="0"/>
+          </a:p>
+        </p:txBody>
+      </p:sp>
+      <p:sp>
+        <p:nvSpPr>
+          <p:cNvPr id="38" name="テキスト ボックス 37">
+            <a:extLst>
+              <a:ext uri="{FF2B5EF4-FFF2-40B4-BE49-F238E27FC236}">
+                <a16:creationId xmlns:a16="http://schemas.microsoft.com/office/drawing/2014/main" id="{74A829E9-F6EA-4AC9-AD21-D9DD4F04393F}"/>
+              </a:ext>
+            </a:extLst>
+          </p:cNvPr>
+          <p:cNvSpPr txBox="1"/>
+          <p:nvPr/>
+        </p:nvSpPr>
+        <p:spPr>
+          <a:xfrm>
+            <a:off x="4788025" y="2060848"/>
+            <a:ext cx="970137" cy="338554"/>
+          </a:xfrm>
+          <a:prstGeom prst="rect">
+            <a:avLst/>
+          </a:prstGeom>
+          <a:noFill/>
+        </p:spPr>
+        <p:txBody>
+          <a:bodyPr wrap="none" rtlCol="0">
+            <a:spAutoFit/>
+          </a:bodyPr>
+          <a:lstStyle/>
+          <a:p>
+            <a:r>
+              <a:rPr lang="en-US" sz="1600">
+                <a:latin typeface="Consolas" panose="020B0609020204030204" pitchFamily="49" charset="0"/>
+              </a:rPr>
+              <a:t>6aecd68</a:t>
+            </a:r>
+          </a:p>
+        </p:txBody>
+      </p:sp>
+      <p:cxnSp>
+        <p:nvCxnSpPr>
+          <p:cNvPr id="50" name="コネクタ: カギ線 49">
+            <a:extLst>
+              <a:ext uri="{FF2B5EF4-FFF2-40B4-BE49-F238E27FC236}">
+                <a16:creationId xmlns:a16="http://schemas.microsoft.com/office/drawing/2014/main" id="{88752B8A-2834-4D34-8F8E-A44EFCBBCFB5}"/>
+              </a:ext>
+            </a:extLst>
+          </p:cNvPr>
+          <p:cNvCxnSpPr>
+            <a:stCxn id="5" idx="6"/>
+            <a:endCxn id="29" idx="2"/>
+          </p:cNvCxnSpPr>
+          <p:nvPr/>
+        </p:nvCxnSpPr>
+        <p:spPr>
+          <a:xfrm flipV="1">
+            <a:off x="2915816" y="1052736"/>
+            <a:ext cx="1080120" cy="432048"/>
+          </a:xfrm>
+          <a:prstGeom prst="bentConnector3">
+            <a:avLst/>
+          </a:prstGeom>
+          <a:ln w="9525">
+            <a:solidFill>
+              <a:schemeClr val="tx1"/>
+            </a:solidFill>
+            <a:headEnd type="none"/>
+            <a:tailEnd type="triangle"/>
+          </a:ln>
+          <a:effectLst/>
+        </p:spPr>
+        <p:style>
+          <a:lnRef idx="2">
+            <a:schemeClr val="accent1"/>
+          </a:lnRef>
+          <a:fillRef idx="0">
+            <a:schemeClr val="accent1"/>
+          </a:fillRef>
+          <a:effectRef idx="1">
+            <a:schemeClr val="accent1"/>
+          </a:effectRef>
+          <a:fontRef idx="minor">
+            <a:schemeClr val="tx1"/>
+          </a:fontRef>
+        </p:style>
+      </p:cxnSp>
+    </p:spTree>
+    <p:extLst>
+      <p:ext uri="{BB962C8B-B14F-4D97-AF65-F5344CB8AC3E}">
+        <p14:creationId xmlns:p14="http://schemas.microsoft.com/office/powerpoint/2010/main" val="101630927"/>
+      </p:ext>
+    </p:extLst>
+  </p:cSld>
+  <p:clrMapOvr>
+    <a:masterClrMapping/>
+  </p:clrMapOvr>
+</p:sld>
+</file>
+
+<file path=ppt/slides/slide7.xml><?xml version="1.0" encoding="utf-8"?>
+<p:sld xmlns:a="http://schemas.openxmlformats.org/drawingml/2006/main" xmlns:r="http://schemas.openxmlformats.org/officeDocument/2006/relationships" xmlns:p="http://schemas.openxmlformats.org/presentationml/2006/main">
+  <p:cSld>
+    <p:spTree>
+      <p:nvGrpSpPr>
+        <p:cNvPr id="1" name=""/>
+        <p:cNvGrpSpPr/>
+        <p:nvPr/>
+      </p:nvGrpSpPr>
+      <p:grpSpPr>
+        <a:xfrm>
+          <a:off x="0" y="0"/>
+          <a:ext cx="0" cy="0"/>
+          <a:chOff x="0" y="0"/>
+          <a:chExt cx="0" cy="0"/>
+        </a:xfrm>
+      </p:grpSpPr>
+      <p:pic>
+        <p:nvPicPr>
+          <p:cNvPr id="2" name="Picture 2" descr="フォルダのイラスト">
+            <a:extLst>
+              <a:ext uri="{FF2B5EF4-FFF2-40B4-BE49-F238E27FC236}">
+                <a16:creationId xmlns:a16="http://schemas.microsoft.com/office/drawing/2014/main" id="{41DFD27A-6249-4480-8B76-A1355793EBA4}"/>
+              </a:ext>
+            </a:extLst>
+          </p:cNvPr>
+          <p:cNvPicPr>
+            <a:picLocks noChangeAspect="1" noChangeArrowheads="1"/>
+          </p:cNvPicPr>
+          <p:nvPr/>
+        </p:nvPicPr>
+        <p:blipFill>
+          <a:blip r:embed="rId2">
+            <a:extLst>
+              <a:ext uri="{28A0092B-C50C-407E-A947-70E740481C1C}">
+                <a14:useLocalDpi xmlns:a14="http://schemas.microsoft.com/office/drawing/2010/main" val="0"/>
+              </a:ext>
+            </a:extLst>
+          </a:blip>
+          <a:srcRect/>
+          <a:stretch>
+            <a:fillRect/>
+          </a:stretch>
+        </p:blipFill>
+        <p:spPr bwMode="auto">
+          <a:xfrm>
+            <a:off x="755576" y="1052736"/>
+            <a:ext cx="515878" cy="432048"/>
+          </a:xfrm>
+          <a:prstGeom prst="rect">
+            <a:avLst/>
+          </a:prstGeom>
+          <a:noFill/>
+          <a:extLst>
+            <a:ext uri="{909E8E84-426E-40DD-AFC4-6F175D3DCCD1}">
+              <a14:hiddenFill xmlns:a14="http://schemas.microsoft.com/office/drawing/2010/main">
+                <a:solidFill>
+                  <a:srgbClr val="FFFFFF"/>
+                </a:solidFill>
+              </a14:hiddenFill>
+            </a:ext>
+          </a:extLst>
+        </p:spPr>
+      </p:pic>
+      <p:pic>
+        <p:nvPicPr>
+          <p:cNvPr id="4" name="Picture 2" descr="ファイルアイコン（ブランク）">
+            <a:extLst>
+              <a:ext uri="{FF2B5EF4-FFF2-40B4-BE49-F238E27FC236}">
+                <a16:creationId xmlns:a16="http://schemas.microsoft.com/office/drawing/2014/main" id="{BD0CE555-715C-40AF-BDFB-28FC43285FB4}"/>
+              </a:ext>
+            </a:extLst>
+          </p:cNvPr>
+          <p:cNvPicPr>
+            <a:picLocks noChangeAspect="1" noChangeArrowheads="1"/>
+          </p:cNvPicPr>
+          <p:nvPr/>
+        </p:nvPicPr>
+        <p:blipFill>
+          <a:blip r:embed="rId3">
+            <a:extLst>
+              <a:ext uri="{28A0092B-C50C-407E-A947-70E740481C1C}">
+                <a14:useLocalDpi xmlns:a14="http://schemas.microsoft.com/office/drawing/2010/main" val="0"/>
+              </a:ext>
+            </a:extLst>
+          </a:blip>
+          <a:srcRect/>
+          <a:stretch>
+            <a:fillRect/>
+          </a:stretch>
+        </p:blipFill>
+        <p:spPr bwMode="auto">
+          <a:xfrm>
+            <a:off x="1547664" y="1052736"/>
+            <a:ext cx="381664" cy="443223"/>
+          </a:xfrm>
+          <a:prstGeom prst="rect">
+            <a:avLst/>
+          </a:prstGeom>
+          <a:noFill/>
+          <a:extLst>
+            <a:ext uri="{909E8E84-426E-40DD-AFC4-6F175D3DCCD1}">
+              <a14:hiddenFill xmlns:a14="http://schemas.microsoft.com/office/drawing/2010/main">
+                <a:solidFill>
+                  <a:srgbClr val="FFFFFF"/>
+                </a:solidFill>
+              </a14:hiddenFill>
+            </a:ext>
+          </a:extLst>
+        </p:spPr>
+      </p:pic>
+      <p:sp>
+        <p:nvSpPr>
+          <p:cNvPr id="5" name="テキスト ボックス 4">
+            <a:extLst>
+              <a:ext uri="{FF2B5EF4-FFF2-40B4-BE49-F238E27FC236}">
+                <a16:creationId xmlns:a16="http://schemas.microsoft.com/office/drawing/2014/main" id="{3A8AA06B-F7D8-45B6-A702-0353AF5370A4}"/>
+              </a:ext>
+            </a:extLst>
+          </p:cNvPr>
+          <p:cNvSpPr txBox="1"/>
+          <p:nvPr/>
+        </p:nvSpPr>
+        <p:spPr>
+          <a:xfrm>
+            <a:off x="1979712" y="1124744"/>
+            <a:ext cx="1324402" cy="369332"/>
+          </a:xfrm>
+          <a:prstGeom prst="rect">
+            <a:avLst/>
+          </a:prstGeom>
+          <a:noFill/>
+        </p:spPr>
+        <p:txBody>
+          <a:bodyPr wrap="none" rtlCol="0">
+            <a:spAutoFit/>
+          </a:bodyPr>
+          <a:lstStyle/>
+          <a:p>
+            <a:r>
+              <a:rPr kumimoji="1" lang="en-US" altLang="ja-JP">
+                <a:latin typeface="Consolas" panose="020B0609020204030204" pitchFamily="49" charset="0"/>
+              </a:rPr>
+              <a:t>README.md</a:t>
+            </a:r>
+            <a:endParaRPr kumimoji="1" lang="ja-JP" altLang="en-US" dirty="0">
+              <a:latin typeface="Consolas" panose="020B0609020204030204" pitchFamily="49" charset="0"/>
+            </a:endParaRPr>
+          </a:p>
+        </p:txBody>
+      </p:sp>
+      <p:cxnSp>
+        <p:nvCxnSpPr>
+          <p:cNvPr id="6" name="直線コネクタ 5">
+            <a:extLst>
+              <a:ext uri="{FF2B5EF4-FFF2-40B4-BE49-F238E27FC236}">
+                <a16:creationId xmlns:a16="http://schemas.microsoft.com/office/drawing/2014/main" id="{B784EB2C-ABD3-4FF9-AE4A-081B27B8F052}"/>
+              </a:ext>
+            </a:extLst>
+          </p:cNvPr>
+          <p:cNvCxnSpPr>
+            <a:stCxn id="2" idx="3"/>
+            <a:endCxn id="4" idx="1"/>
+          </p:cNvCxnSpPr>
+          <p:nvPr/>
+        </p:nvCxnSpPr>
+        <p:spPr>
+          <a:xfrm>
+            <a:off x="1271454" y="1268760"/>
+            <a:ext cx="276210" cy="5588"/>
+          </a:xfrm>
+          <a:prstGeom prst="line">
+            <a:avLst/>
+          </a:prstGeom>
+          <a:ln w="9525">
+            <a:solidFill>
+              <a:schemeClr val="tx1"/>
+            </a:solidFill>
+            <a:headEnd type="none"/>
+            <a:tailEnd type="none"/>
+          </a:ln>
+          <a:effectLst/>
+        </p:spPr>
+        <p:style>
+          <a:lnRef idx="2">
+            <a:schemeClr val="accent1"/>
+          </a:lnRef>
+          <a:fillRef idx="0">
+            <a:schemeClr val="accent1"/>
+          </a:fillRef>
+          <a:effectRef idx="1">
+            <a:schemeClr val="accent1"/>
+          </a:effectRef>
+          <a:fontRef idx="minor">
+            <a:schemeClr val="tx1"/>
+          </a:fontRef>
+        </p:style>
+      </p:cxnSp>
+      <p:sp>
+        <p:nvSpPr>
+          <p:cNvPr id="9" name="テキスト ボックス 8">
+            <a:extLst>
+              <a:ext uri="{FF2B5EF4-FFF2-40B4-BE49-F238E27FC236}">
+                <a16:creationId xmlns:a16="http://schemas.microsoft.com/office/drawing/2014/main" id="{0AD68AEE-E49F-453D-8B58-8C08001ED115}"/>
+              </a:ext>
+            </a:extLst>
+          </p:cNvPr>
+          <p:cNvSpPr txBox="1"/>
+          <p:nvPr/>
+        </p:nvSpPr>
+        <p:spPr>
+          <a:xfrm>
+            <a:off x="1403648" y="1988840"/>
+            <a:ext cx="691215" cy="369332"/>
+          </a:xfrm>
+          <a:prstGeom prst="rect">
+            <a:avLst/>
+          </a:prstGeom>
+          <a:noFill/>
+        </p:spPr>
+        <p:txBody>
+          <a:bodyPr wrap="none" rtlCol="0">
+            <a:spAutoFit/>
+          </a:bodyPr>
+          <a:lstStyle/>
+          <a:p>
+            <a:r>
+              <a:rPr kumimoji="1" lang="en-US" altLang="ja-JP">
+                <a:latin typeface="Consolas" panose="020B0609020204030204" pitchFamily="49" charset="0"/>
+              </a:rPr>
+              <a:t>dir1</a:t>
+            </a:r>
+            <a:endParaRPr kumimoji="1" lang="ja-JP" altLang="en-US" dirty="0">
+              <a:latin typeface="Consolas" panose="020B0609020204030204" pitchFamily="49" charset="0"/>
+            </a:endParaRPr>
+          </a:p>
+        </p:txBody>
+      </p:sp>
+      <p:pic>
+        <p:nvPicPr>
+          <p:cNvPr id="18" name="Picture 2" descr="フォルダのイラスト">
+            <a:extLst>
+              <a:ext uri="{FF2B5EF4-FFF2-40B4-BE49-F238E27FC236}">
+                <a16:creationId xmlns:a16="http://schemas.microsoft.com/office/drawing/2014/main" id="{8C97FF98-3E86-47B4-9E0C-39582DF322B3}"/>
+              </a:ext>
+            </a:extLst>
+          </p:cNvPr>
+          <p:cNvPicPr>
+            <a:picLocks noChangeAspect="1" noChangeArrowheads="1"/>
+          </p:cNvPicPr>
+          <p:nvPr/>
+        </p:nvPicPr>
+        <p:blipFill>
+          <a:blip r:embed="rId2">
+            <a:extLst>
+              <a:ext uri="{28A0092B-C50C-407E-A947-70E740481C1C}">
+                <a14:useLocalDpi xmlns:a14="http://schemas.microsoft.com/office/drawing/2010/main" val="0"/>
+              </a:ext>
+            </a:extLst>
+          </a:blip>
+          <a:srcRect/>
+          <a:stretch>
+            <a:fillRect/>
+          </a:stretch>
+        </p:blipFill>
+        <p:spPr bwMode="auto">
+          <a:xfrm>
+            <a:off x="1475656" y="1628800"/>
+            <a:ext cx="515878" cy="432048"/>
+          </a:xfrm>
+          <a:prstGeom prst="rect">
+            <a:avLst/>
+          </a:prstGeom>
+          <a:noFill/>
+          <a:extLst>
+            <a:ext uri="{909E8E84-426E-40DD-AFC4-6F175D3DCCD1}">
+              <a14:hiddenFill xmlns:a14="http://schemas.microsoft.com/office/drawing/2010/main">
+                <a:solidFill>
+                  <a:srgbClr val="FFFFFF"/>
+                </a:solidFill>
+              </a14:hiddenFill>
+            </a:ext>
+          </a:extLst>
+        </p:spPr>
+      </p:pic>
+      <p:pic>
+        <p:nvPicPr>
+          <p:cNvPr id="22" name="Picture 2" descr="フォルダのイラスト">
+            <a:extLst>
+              <a:ext uri="{FF2B5EF4-FFF2-40B4-BE49-F238E27FC236}">
+                <a16:creationId xmlns:a16="http://schemas.microsoft.com/office/drawing/2014/main" id="{F84C1DC2-A61E-402A-B833-F4CDF78DF6A2}"/>
+              </a:ext>
+            </a:extLst>
+          </p:cNvPr>
+          <p:cNvPicPr>
+            <a:picLocks noChangeAspect="1" noChangeArrowheads="1"/>
+          </p:cNvPicPr>
+          <p:nvPr/>
+        </p:nvPicPr>
+        <p:blipFill>
+          <a:blip r:embed="rId2">
+            <a:extLst>
+              <a:ext uri="{28A0092B-C50C-407E-A947-70E740481C1C}">
+                <a14:useLocalDpi xmlns:a14="http://schemas.microsoft.com/office/drawing/2010/main" val="0"/>
+              </a:ext>
+            </a:extLst>
+          </a:blip>
+          <a:srcRect/>
+          <a:stretch>
+            <a:fillRect/>
+          </a:stretch>
+        </p:blipFill>
+        <p:spPr bwMode="auto">
+          <a:xfrm>
+            <a:off x="1475656" y="2492896"/>
+            <a:ext cx="515878" cy="432048"/>
+          </a:xfrm>
+          <a:prstGeom prst="rect">
+            <a:avLst/>
+          </a:prstGeom>
+          <a:noFill/>
+          <a:extLst>
+            <a:ext uri="{909E8E84-426E-40DD-AFC4-6F175D3DCCD1}">
+              <a14:hiddenFill xmlns:a14="http://schemas.microsoft.com/office/drawing/2010/main">
+                <a:solidFill>
+                  <a:srgbClr val="FFFFFF"/>
+                </a:solidFill>
+              </a14:hiddenFill>
+            </a:ext>
+          </a:extLst>
+        </p:spPr>
+      </p:pic>
+      <p:sp>
+        <p:nvSpPr>
+          <p:cNvPr id="23" name="テキスト ボックス 22">
+            <a:extLst>
+              <a:ext uri="{FF2B5EF4-FFF2-40B4-BE49-F238E27FC236}">
+                <a16:creationId xmlns:a16="http://schemas.microsoft.com/office/drawing/2014/main" id="{1DDEE661-48EE-445A-972B-EF03A2750C30}"/>
+              </a:ext>
+            </a:extLst>
+          </p:cNvPr>
+          <p:cNvSpPr txBox="1"/>
+          <p:nvPr/>
+        </p:nvSpPr>
+        <p:spPr>
+          <a:xfrm>
+            <a:off x="1403648" y="2924944"/>
+            <a:ext cx="691215" cy="369332"/>
+          </a:xfrm>
+          <a:prstGeom prst="rect">
+            <a:avLst/>
+          </a:prstGeom>
+          <a:noFill/>
+        </p:spPr>
+        <p:txBody>
+          <a:bodyPr wrap="none" rtlCol="0">
+            <a:spAutoFit/>
+          </a:bodyPr>
+          <a:lstStyle/>
+          <a:p>
+            <a:r>
+              <a:rPr kumimoji="1" lang="en-US" altLang="ja-JP">
+                <a:latin typeface="Consolas" panose="020B0609020204030204" pitchFamily="49" charset="0"/>
+              </a:rPr>
+              <a:t>dir2</a:t>
+            </a:r>
+            <a:endParaRPr kumimoji="1" lang="ja-JP" altLang="en-US" dirty="0">
+              <a:latin typeface="Consolas" panose="020B0609020204030204" pitchFamily="49" charset="0"/>
+            </a:endParaRPr>
+          </a:p>
+        </p:txBody>
+      </p:sp>
+      <p:cxnSp>
+        <p:nvCxnSpPr>
+          <p:cNvPr id="25" name="コネクタ: カギ線 24">
+            <a:extLst>
+              <a:ext uri="{FF2B5EF4-FFF2-40B4-BE49-F238E27FC236}">
+                <a16:creationId xmlns:a16="http://schemas.microsoft.com/office/drawing/2014/main" id="{3A892EEF-E60A-45EE-880F-2754AE6CEEA0}"/>
+              </a:ext>
+            </a:extLst>
+          </p:cNvPr>
+          <p:cNvCxnSpPr>
+            <a:stCxn id="2" idx="3"/>
+            <a:endCxn id="18" idx="1"/>
+          </p:cNvCxnSpPr>
+          <p:nvPr/>
+        </p:nvCxnSpPr>
+        <p:spPr>
+          <a:xfrm>
+            <a:off x="1271454" y="1268760"/>
+            <a:ext cx="204202" cy="576064"/>
+          </a:xfrm>
+          <a:prstGeom prst="bentConnector3">
+            <a:avLst/>
+          </a:prstGeom>
+          <a:ln w="9525">
+            <a:solidFill>
+              <a:schemeClr val="tx1"/>
+            </a:solidFill>
+            <a:headEnd type="none"/>
+            <a:tailEnd type="none"/>
+          </a:ln>
+          <a:effectLst/>
+        </p:spPr>
+        <p:style>
+          <a:lnRef idx="2">
+            <a:schemeClr val="accent1"/>
+          </a:lnRef>
+          <a:fillRef idx="0">
+            <a:schemeClr val="accent1"/>
+          </a:fillRef>
+          <a:effectRef idx="1">
+            <a:schemeClr val="accent1"/>
+          </a:effectRef>
+          <a:fontRef idx="minor">
+            <a:schemeClr val="tx1"/>
+          </a:fontRef>
+        </p:style>
+      </p:cxnSp>
+      <p:cxnSp>
+        <p:nvCxnSpPr>
+          <p:cNvPr id="27" name="コネクタ: カギ線 26">
+            <a:extLst>
+              <a:ext uri="{FF2B5EF4-FFF2-40B4-BE49-F238E27FC236}">
+                <a16:creationId xmlns:a16="http://schemas.microsoft.com/office/drawing/2014/main" id="{D8CE27CB-31E6-44C5-8753-00EDCAF29F7C}"/>
+              </a:ext>
+            </a:extLst>
+          </p:cNvPr>
+          <p:cNvCxnSpPr>
+            <a:stCxn id="2" idx="3"/>
+            <a:endCxn id="22" idx="1"/>
+          </p:cNvCxnSpPr>
+          <p:nvPr/>
+        </p:nvCxnSpPr>
+        <p:spPr>
+          <a:xfrm>
+            <a:off x="1271454" y="1268760"/>
+            <a:ext cx="204202" cy="1440160"/>
+          </a:xfrm>
+          <a:prstGeom prst="bentConnector3">
+            <a:avLst/>
+          </a:prstGeom>
+          <a:ln w="9525">
+            <a:solidFill>
+              <a:schemeClr val="tx1"/>
+            </a:solidFill>
+            <a:headEnd type="none"/>
+            <a:tailEnd type="none"/>
+          </a:ln>
+          <a:effectLst/>
+        </p:spPr>
+        <p:style>
+          <a:lnRef idx="2">
+            <a:schemeClr val="accent1"/>
+          </a:lnRef>
+          <a:fillRef idx="0">
+            <a:schemeClr val="accent1"/>
+          </a:fillRef>
+          <a:effectRef idx="1">
+            <a:schemeClr val="accent1"/>
+          </a:effectRef>
+          <a:fontRef idx="minor">
+            <a:schemeClr val="tx1"/>
+          </a:fontRef>
+        </p:style>
+      </p:cxnSp>
+      <p:pic>
+        <p:nvPicPr>
+          <p:cNvPr id="28" name="Picture 2" descr="ファイルアイコン（ブランク）">
+            <a:extLst>
+              <a:ext uri="{FF2B5EF4-FFF2-40B4-BE49-F238E27FC236}">
+                <a16:creationId xmlns:a16="http://schemas.microsoft.com/office/drawing/2014/main" id="{F22AC48E-9B08-4BD0-AFC8-21E531EAFEA1}"/>
+              </a:ext>
+            </a:extLst>
+          </p:cNvPr>
+          <p:cNvPicPr>
+            <a:picLocks noChangeAspect="1" noChangeArrowheads="1"/>
+          </p:cNvPicPr>
+          <p:nvPr/>
+        </p:nvPicPr>
+        <p:blipFill>
+          <a:blip r:embed="rId3">
+            <a:extLst>
+              <a:ext uri="{28A0092B-C50C-407E-A947-70E740481C1C}">
+                <a14:useLocalDpi xmlns:a14="http://schemas.microsoft.com/office/drawing/2010/main" val="0"/>
+              </a:ext>
+            </a:extLst>
+          </a:blip>
+          <a:srcRect/>
+          <a:stretch>
+            <a:fillRect/>
+          </a:stretch>
+        </p:blipFill>
+        <p:spPr bwMode="auto">
+          <a:xfrm>
+            <a:off x="2267744" y="1628800"/>
+            <a:ext cx="381664" cy="443223"/>
+          </a:xfrm>
+          <a:prstGeom prst="rect">
+            <a:avLst/>
+          </a:prstGeom>
+          <a:noFill/>
+          <a:extLst>
+            <a:ext uri="{909E8E84-426E-40DD-AFC4-6F175D3DCCD1}">
+              <a14:hiddenFill xmlns:a14="http://schemas.microsoft.com/office/drawing/2010/main">
+                <a:solidFill>
+                  <a:srgbClr val="FFFFFF"/>
+                </a:solidFill>
+              </a14:hiddenFill>
+            </a:ext>
+          </a:extLst>
+        </p:spPr>
+      </p:pic>
+      <p:pic>
+        <p:nvPicPr>
+          <p:cNvPr id="31" name="Picture 2" descr="ファイルアイコン（ブランク）">
+            <a:extLst>
+              <a:ext uri="{FF2B5EF4-FFF2-40B4-BE49-F238E27FC236}">
+                <a16:creationId xmlns:a16="http://schemas.microsoft.com/office/drawing/2014/main" id="{E460D0B2-2E9A-4870-9AE8-4F02E4F5D4C6}"/>
+              </a:ext>
+            </a:extLst>
+          </p:cNvPr>
+          <p:cNvPicPr>
+            <a:picLocks noChangeAspect="1" noChangeArrowheads="1"/>
+          </p:cNvPicPr>
+          <p:nvPr/>
+        </p:nvPicPr>
+        <p:blipFill>
+          <a:blip r:embed="rId3">
+            <a:extLst>
+              <a:ext uri="{28A0092B-C50C-407E-A947-70E740481C1C}">
+                <a14:useLocalDpi xmlns:a14="http://schemas.microsoft.com/office/drawing/2010/main" val="0"/>
+              </a:ext>
+            </a:extLst>
+          </a:blip>
+          <a:srcRect/>
+          <a:stretch>
+            <a:fillRect/>
+          </a:stretch>
+        </p:blipFill>
+        <p:spPr bwMode="auto">
+          <a:xfrm>
+            <a:off x="2267744" y="2492896"/>
+            <a:ext cx="381664" cy="443223"/>
+          </a:xfrm>
+          <a:prstGeom prst="rect">
+            <a:avLst/>
+          </a:prstGeom>
+          <a:noFill/>
+          <a:extLst>
+            <a:ext uri="{909E8E84-426E-40DD-AFC4-6F175D3DCCD1}">
+              <a14:hiddenFill xmlns:a14="http://schemas.microsoft.com/office/drawing/2010/main">
+                <a:solidFill>
+                  <a:srgbClr val="FFFFFF"/>
+                </a:solidFill>
+              </a14:hiddenFill>
+            </a:ext>
+          </a:extLst>
+        </p:spPr>
+      </p:pic>
+      <p:cxnSp>
+        <p:nvCxnSpPr>
+          <p:cNvPr id="32" name="直線コネクタ 31">
+            <a:extLst>
+              <a:ext uri="{FF2B5EF4-FFF2-40B4-BE49-F238E27FC236}">
+                <a16:creationId xmlns:a16="http://schemas.microsoft.com/office/drawing/2014/main" id="{239A0F62-C6B8-4DA7-AA11-F853A2590DFB}"/>
+              </a:ext>
+            </a:extLst>
+          </p:cNvPr>
+          <p:cNvCxnSpPr>
+            <a:cxnSpLocks/>
+            <a:stCxn id="22" idx="3"/>
+          </p:cNvCxnSpPr>
+          <p:nvPr/>
+        </p:nvCxnSpPr>
+        <p:spPr>
+          <a:xfrm>
+            <a:off x="1991534" y="2708920"/>
+            <a:ext cx="276210" cy="0"/>
+          </a:xfrm>
+          <a:prstGeom prst="line">
+            <a:avLst/>
+          </a:prstGeom>
+          <a:ln w="9525">
+            <a:solidFill>
+              <a:schemeClr val="tx1"/>
+            </a:solidFill>
+            <a:headEnd type="none"/>
+            <a:tailEnd type="none"/>
+          </a:ln>
+          <a:effectLst/>
+        </p:spPr>
+        <p:style>
+          <a:lnRef idx="2">
+            <a:schemeClr val="accent1"/>
+          </a:lnRef>
+          <a:fillRef idx="0">
+            <a:schemeClr val="accent1"/>
+          </a:fillRef>
+          <a:effectRef idx="1">
+            <a:schemeClr val="accent1"/>
+          </a:effectRef>
+          <a:fontRef idx="minor">
+            <a:schemeClr val="tx1"/>
+          </a:fontRef>
+        </p:style>
+      </p:cxnSp>
+      <p:cxnSp>
+        <p:nvCxnSpPr>
+          <p:cNvPr id="37" name="直線コネクタ 36">
+            <a:extLst>
+              <a:ext uri="{FF2B5EF4-FFF2-40B4-BE49-F238E27FC236}">
+                <a16:creationId xmlns:a16="http://schemas.microsoft.com/office/drawing/2014/main" id="{56EB139A-39ED-4DEC-B6B9-C3A97927586D}"/>
+              </a:ext>
+            </a:extLst>
+          </p:cNvPr>
+          <p:cNvCxnSpPr>
+            <a:cxnSpLocks/>
+          </p:cNvCxnSpPr>
+          <p:nvPr/>
+        </p:nvCxnSpPr>
+        <p:spPr>
+          <a:xfrm>
+            <a:off x="1979712" y="1844824"/>
+            <a:ext cx="276210" cy="0"/>
+          </a:xfrm>
+          <a:prstGeom prst="line">
+            <a:avLst/>
+          </a:prstGeom>
+          <a:ln w="9525">
+            <a:solidFill>
+              <a:schemeClr val="tx1"/>
+            </a:solidFill>
+            <a:headEnd type="none"/>
+            <a:tailEnd type="none"/>
+          </a:ln>
+          <a:effectLst/>
+        </p:spPr>
+        <p:style>
+          <a:lnRef idx="2">
+            <a:schemeClr val="accent1"/>
+          </a:lnRef>
+          <a:fillRef idx="0">
+            <a:schemeClr val="accent1"/>
+          </a:fillRef>
+          <a:effectRef idx="1">
+            <a:schemeClr val="accent1"/>
+          </a:effectRef>
+          <a:fontRef idx="minor">
+            <a:schemeClr val="tx1"/>
+          </a:fontRef>
+        </p:style>
+      </p:cxnSp>
+      <p:sp>
+        <p:nvSpPr>
+          <p:cNvPr id="38" name="テキスト ボックス 37">
+            <a:extLst>
+              <a:ext uri="{FF2B5EF4-FFF2-40B4-BE49-F238E27FC236}">
+                <a16:creationId xmlns:a16="http://schemas.microsoft.com/office/drawing/2014/main" id="{37D10D47-E8CF-4F0B-9F7C-834179AF3012}"/>
+              </a:ext>
+            </a:extLst>
+          </p:cNvPr>
+          <p:cNvSpPr txBox="1"/>
+          <p:nvPr/>
+        </p:nvSpPr>
+        <p:spPr>
+          <a:xfrm>
+            <a:off x="2699792" y="1700808"/>
+            <a:ext cx="1324402" cy="369332"/>
+          </a:xfrm>
+          <a:prstGeom prst="rect">
+            <a:avLst/>
+          </a:prstGeom>
+          <a:noFill/>
+        </p:spPr>
+        <p:txBody>
+          <a:bodyPr wrap="none" rtlCol="0">
+            <a:spAutoFit/>
+          </a:bodyPr>
+          <a:lstStyle/>
+          <a:p>
+            <a:r>
+              <a:rPr kumimoji="1" lang="en-US" altLang="ja-JP">
+                <a:latin typeface="Consolas" panose="020B0609020204030204" pitchFamily="49" charset="0"/>
+              </a:rPr>
+              <a:t>file1.txt</a:t>
+            </a:r>
+            <a:endParaRPr kumimoji="1" lang="ja-JP" altLang="en-US" dirty="0">
+              <a:latin typeface="Consolas" panose="020B0609020204030204" pitchFamily="49" charset="0"/>
+            </a:endParaRPr>
+          </a:p>
+        </p:txBody>
+      </p:sp>
+      <p:sp>
+        <p:nvSpPr>
+          <p:cNvPr id="39" name="テキスト ボックス 38">
+            <a:extLst>
+              <a:ext uri="{FF2B5EF4-FFF2-40B4-BE49-F238E27FC236}">
+                <a16:creationId xmlns:a16="http://schemas.microsoft.com/office/drawing/2014/main" id="{783A0B37-B834-4D65-B820-843BA1414979}"/>
+              </a:ext>
+            </a:extLst>
+          </p:cNvPr>
+          <p:cNvSpPr txBox="1"/>
+          <p:nvPr/>
+        </p:nvSpPr>
+        <p:spPr>
+          <a:xfrm>
+            <a:off x="2699792" y="2564904"/>
+            <a:ext cx="1324402" cy="369332"/>
+          </a:xfrm>
+          <a:prstGeom prst="rect">
+            <a:avLst/>
+          </a:prstGeom>
+          <a:noFill/>
+        </p:spPr>
+        <p:txBody>
+          <a:bodyPr wrap="none" rtlCol="0">
+            <a:spAutoFit/>
+          </a:bodyPr>
+          <a:lstStyle/>
+          <a:p>
+            <a:r>
+              <a:rPr kumimoji="1" lang="en-US" altLang="ja-JP">
+                <a:latin typeface="Consolas" panose="020B0609020204030204" pitchFamily="49" charset="0"/>
+              </a:rPr>
+              <a:t>file2.txt</a:t>
+            </a:r>
+            <a:endParaRPr kumimoji="1" lang="ja-JP" altLang="en-US" dirty="0">
+              <a:latin typeface="Consolas" panose="020B0609020204030204" pitchFamily="49" charset="0"/>
+            </a:endParaRPr>
+          </a:p>
+        </p:txBody>
+      </p:sp>
+      <p:sp>
+        <p:nvSpPr>
+          <p:cNvPr id="40" name="四角形: 角を丸くする 39">
+            <a:extLst>
+              <a:ext uri="{FF2B5EF4-FFF2-40B4-BE49-F238E27FC236}">
+                <a16:creationId xmlns:a16="http://schemas.microsoft.com/office/drawing/2014/main" id="{1183508D-FD99-48DF-A5F0-117A1C655C9B}"/>
+              </a:ext>
+            </a:extLst>
+          </p:cNvPr>
+          <p:cNvSpPr/>
+          <p:nvPr/>
+        </p:nvSpPr>
+        <p:spPr>
+          <a:xfrm>
+            <a:off x="1043608" y="4149080"/>
+            <a:ext cx="1656184" cy="1008112"/>
+          </a:xfrm>
+          <a:prstGeom prst="roundRect">
+            <a:avLst/>
+          </a:prstGeom>
+          <a:ln>
+            <a:solidFill>
+              <a:schemeClr val="tx1"/>
+            </a:solidFill>
+            <a:prstDash val="dash"/>
+          </a:ln>
+        </p:spPr>
+        <p:txBody>
+          <a:bodyPr wrap="square" rtlCol="0" anchor="ctr">
+            <a:spAutoFit/>
+          </a:bodyPr>
+          <a:lstStyle/>
+          <a:p>
+            <a:pPr algn="ctr"/>
+            <a:endParaRPr kumimoji="1" lang="ja-JP" altLang="en-US" sz="2400" dirty="0"/>
+          </a:p>
+        </p:txBody>
+      </p:sp>
+      <p:sp>
+        <p:nvSpPr>
+          <p:cNvPr id="41" name="楕円 40">
+            <a:extLst>
+              <a:ext uri="{FF2B5EF4-FFF2-40B4-BE49-F238E27FC236}">
+                <a16:creationId xmlns:a16="http://schemas.microsoft.com/office/drawing/2014/main" id="{E9721918-0999-4747-B944-3FEE839E64A8}"/>
+              </a:ext>
+            </a:extLst>
+          </p:cNvPr>
+          <p:cNvSpPr/>
+          <p:nvPr/>
+        </p:nvSpPr>
+        <p:spPr>
+          <a:xfrm>
+            <a:off x="827584" y="3933056"/>
+            <a:ext cx="432048" cy="432048"/>
+          </a:xfrm>
+          <a:prstGeom prst="ellipse">
+            <a:avLst/>
+          </a:prstGeom>
+          <a:solidFill>
+            <a:srgbClr val="0070C0"/>
+          </a:solidFill>
+          <a:ln>
+            <a:solidFill>
+              <a:schemeClr val="tx1"/>
+            </a:solidFill>
+          </a:ln>
+        </p:spPr>
+        <p:txBody>
+          <a:bodyPr wrap="square" rtlCol="0" anchor="ctr">
+            <a:spAutoFit/>
+          </a:bodyPr>
+          <a:lstStyle/>
+          <a:p>
+            <a:pPr algn="ctr"/>
+            <a:endParaRPr kumimoji="1" lang="ja-JP" altLang="en-US" sz="2400" dirty="0"/>
+          </a:p>
+        </p:txBody>
+      </p:sp>
+      <p:pic>
+        <p:nvPicPr>
+          <p:cNvPr id="42" name="Picture 16" descr="四角い付箋のイラスト「淡黄色」">
+            <a:extLst>
+              <a:ext uri="{FF2B5EF4-FFF2-40B4-BE49-F238E27FC236}">
+                <a16:creationId xmlns:a16="http://schemas.microsoft.com/office/drawing/2014/main" id="{9B992CD9-89F0-4139-9958-33DDC0FF8FDB}"/>
+              </a:ext>
+            </a:extLst>
+          </p:cNvPr>
+          <p:cNvPicPr>
+            <a:picLocks noChangeAspect="1" noChangeArrowheads="1"/>
+          </p:cNvPicPr>
+          <p:nvPr/>
+        </p:nvPicPr>
+        <p:blipFill>
+          <a:blip r:embed="rId4">
+            <a:extLst>
+              <a:ext uri="{28A0092B-C50C-407E-A947-70E740481C1C}">
+                <a14:useLocalDpi xmlns:a14="http://schemas.microsoft.com/office/drawing/2010/main" val="0"/>
+              </a:ext>
+            </a:extLst>
+          </a:blip>
+          <a:srcRect/>
+          <a:stretch>
+            <a:fillRect/>
+          </a:stretch>
+        </p:blipFill>
+        <p:spPr bwMode="auto">
+          <a:xfrm>
+            <a:off x="1331640" y="4725144"/>
+            <a:ext cx="400044" cy="360040"/>
+          </a:xfrm>
+          <a:prstGeom prst="rect">
+            <a:avLst/>
+          </a:prstGeom>
+          <a:noFill/>
+          <a:extLst>
+            <a:ext uri="{909E8E84-426E-40DD-AFC4-6F175D3DCCD1}">
+              <a14:hiddenFill xmlns:a14="http://schemas.microsoft.com/office/drawing/2010/main">
+                <a:solidFill>
+                  <a:srgbClr val="FFFFFF"/>
+                </a:solidFill>
+              </a14:hiddenFill>
+            </a:ext>
+          </a:extLst>
+        </p:spPr>
+      </p:pic>
+      <p:pic>
+        <p:nvPicPr>
+          <p:cNvPr id="43" name="Picture 8" descr="木のイラスト（横から）">
+            <a:extLst>
+              <a:ext uri="{FF2B5EF4-FFF2-40B4-BE49-F238E27FC236}">
+                <a16:creationId xmlns:a16="http://schemas.microsoft.com/office/drawing/2014/main" id="{512E30D3-B7C5-488E-8D50-06B048F89946}"/>
+              </a:ext>
+            </a:extLst>
+          </p:cNvPr>
+          <p:cNvPicPr>
+            <a:picLocks noChangeAspect="1" noChangeArrowheads="1"/>
+          </p:cNvPicPr>
+          <p:nvPr/>
+        </p:nvPicPr>
+        <p:blipFill>
+          <a:blip r:embed="rId5">
+            <a:extLst>
+              <a:ext uri="{28A0092B-C50C-407E-A947-70E740481C1C}">
+                <a14:useLocalDpi xmlns:a14="http://schemas.microsoft.com/office/drawing/2010/main" val="0"/>
+              </a:ext>
+            </a:extLst>
+          </a:blip>
+          <a:srcRect/>
+          <a:stretch>
+            <a:fillRect/>
+          </a:stretch>
+        </p:blipFill>
+        <p:spPr bwMode="auto">
+          <a:xfrm>
+            <a:off x="1304021" y="4221088"/>
+            <a:ext cx="354321" cy="426159"/>
+          </a:xfrm>
+          <a:prstGeom prst="rect">
+            <a:avLst/>
+          </a:prstGeom>
+          <a:noFill/>
+          <a:extLst>
+            <a:ext uri="{909E8E84-426E-40DD-AFC4-6F175D3DCCD1}">
+              <a14:hiddenFill xmlns:a14="http://schemas.microsoft.com/office/drawing/2010/main">
+                <a:solidFill>
+                  <a:srgbClr val="FFFFFF"/>
+                </a:solidFill>
+              </a14:hiddenFill>
+            </a:ext>
+          </a:extLst>
+        </p:spPr>
+      </p:pic>
+      <p:sp>
+        <p:nvSpPr>
+          <p:cNvPr id="45" name="テキスト ボックス 44">
+            <a:extLst>
+              <a:ext uri="{FF2B5EF4-FFF2-40B4-BE49-F238E27FC236}">
+                <a16:creationId xmlns:a16="http://schemas.microsoft.com/office/drawing/2014/main" id="{70642B8D-CD83-4BCE-98AE-A7FCEFB0F80D}"/>
+              </a:ext>
+            </a:extLst>
+          </p:cNvPr>
+          <p:cNvSpPr txBox="1"/>
+          <p:nvPr/>
+        </p:nvSpPr>
+        <p:spPr>
+          <a:xfrm>
+            <a:off x="683568" y="3573016"/>
+            <a:ext cx="970137" cy="338554"/>
+          </a:xfrm>
+          <a:prstGeom prst="rect">
+            <a:avLst/>
+          </a:prstGeom>
+          <a:noFill/>
+        </p:spPr>
+        <p:txBody>
+          <a:bodyPr wrap="none" rtlCol="0">
+            <a:spAutoFit/>
+          </a:bodyPr>
+          <a:lstStyle/>
+          <a:p>
+            <a:r>
+              <a:rPr lang="en-US" sz="1600">
+                <a:latin typeface="Consolas" panose="020B0609020204030204" pitchFamily="49" charset="0"/>
+              </a:rPr>
+              <a:t>662458a</a:t>
+            </a:r>
+          </a:p>
+        </p:txBody>
+      </p:sp>
+      <p:sp>
+        <p:nvSpPr>
+          <p:cNvPr id="47" name="テキスト ボックス 46">
+            <a:extLst>
+              <a:ext uri="{FF2B5EF4-FFF2-40B4-BE49-F238E27FC236}">
+                <a16:creationId xmlns:a16="http://schemas.microsoft.com/office/drawing/2014/main" id="{22A5C404-1F78-4E73-98A1-80A302DF19CC}"/>
+              </a:ext>
+            </a:extLst>
+          </p:cNvPr>
+          <p:cNvSpPr txBox="1"/>
+          <p:nvPr/>
+        </p:nvSpPr>
+        <p:spPr>
+          <a:xfrm>
+            <a:off x="1619672" y="4293096"/>
+            <a:ext cx="1008112" cy="338554"/>
+          </a:xfrm>
+          <a:prstGeom prst="rect">
+            <a:avLst/>
+          </a:prstGeom>
+          <a:noFill/>
+        </p:spPr>
+        <p:txBody>
+          <a:bodyPr wrap="square">
+            <a:spAutoFit/>
+          </a:bodyPr>
+          <a:lstStyle/>
+          <a:p>
+            <a:r>
+              <a:rPr lang="en-US" sz="1600">
+                <a:latin typeface="Consolas" panose="020B0609020204030204" pitchFamily="49" charset="0"/>
+              </a:rPr>
+              <a:t>193fea0</a:t>
+            </a:r>
+          </a:p>
+        </p:txBody>
+      </p:sp>
+      <p:sp>
+        <p:nvSpPr>
+          <p:cNvPr id="48" name="テキスト ボックス 47">
+            <a:extLst>
+              <a:ext uri="{FF2B5EF4-FFF2-40B4-BE49-F238E27FC236}">
+                <a16:creationId xmlns:a16="http://schemas.microsoft.com/office/drawing/2014/main" id="{532497A0-41D0-4FC7-BBB3-693D239DE574}"/>
+              </a:ext>
+            </a:extLst>
+          </p:cNvPr>
+          <p:cNvSpPr txBox="1"/>
+          <p:nvPr/>
+        </p:nvSpPr>
+        <p:spPr>
+          <a:xfrm>
+            <a:off x="1691680" y="4725144"/>
+            <a:ext cx="856325" cy="400110"/>
+          </a:xfrm>
+          <a:prstGeom prst="rect">
+            <a:avLst/>
+          </a:prstGeom>
+          <a:noFill/>
+        </p:spPr>
+        <p:txBody>
+          <a:bodyPr wrap="none" rtlCol="0">
+            <a:spAutoFit/>
+          </a:bodyPr>
+          <a:lstStyle/>
+          <a:p>
+            <a:r>
+              <a:rPr lang="ja-JP" altLang="en-US" sz="1000">
+                <a:latin typeface="Consolas" panose="020B0609020204030204" pitchFamily="49" charset="0"/>
+              </a:rPr>
+              <a:t>コミット</a:t>
+            </a:r>
+            <a:endParaRPr lang="en-US" altLang="ja-JP" sz="1000">
+              <a:latin typeface="Consolas" panose="020B0609020204030204" pitchFamily="49" charset="0"/>
+            </a:endParaRPr>
+          </a:p>
+          <a:p>
+            <a:r>
+              <a:rPr lang="ja-JP" altLang="en-US" sz="1000">
+                <a:latin typeface="Consolas" panose="020B0609020204030204" pitchFamily="49" charset="0"/>
+              </a:rPr>
+              <a:t>メッセージ等</a:t>
+            </a:r>
+            <a:endParaRPr lang="en-US" sz="1000">
+              <a:latin typeface="Consolas" panose="020B0609020204030204" pitchFamily="49" charset="0"/>
+            </a:endParaRPr>
+          </a:p>
+        </p:txBody>
+      </p:sp>
+      <p:sp>
+        <p:nvSpPr>
+          <p:cNvPr id="49" name="四角形: 角を丸くする 48">
+            <a:extLst>
+              <a:ext uri="{FF2B5EF4-FFF2-40B4-BE49-F238E27FC236}">
+                <a16:creationId xmlns:a16="http://schemas.microsoft.com/office/drawing/2014/main" id="{36B12ADB-4170-40D6-BC48-8BA071E4D838}"/>
+              </a:ext>
+            </a:extLst>
+          </p:cNvPr>
+          <p:cNvSpPr/>
+          <p:nvPr/>
+        </p:nvSpPr>
+        <p:spPr>
+          <a:xfrm>
+            <a:off x="3131840" y="4149080"/>
+            <a:ext cx="1728192" cy="1584176"/>
+          </a:xfrm>
+          <a:prstGeom prst="roundRect">
+            <a:avLst/>
+          </a:prstGeom>
+          <a:ln>
+            <a:solidFill>
+              <a:schemeClr val="tx1"/>
+            </a:solidFill>
+            <a:prstDash val="dash"/>
+          </a:ln>
+        </p:spPr>
+        <p:txBody>
+          <a:bodyPr wrap="square" rtlCol="0" anchor="ctr">
+            <a:spAutoFit/>
+          </a:bodyPr>
+          <a:lstStyle/>
+          <a:p>
+            <a:pPr algn="ctr"/>
+            <a:endParaRPr kumimoji="1" lang="ja-JP" altLang="en-US" sz="2400" dirty="0"/>
+          </a:p>
+        </p:txBody>
+      </p:sp>
+      <p:pic>
+        <p:nvPicPr>
+          <p:cNvPr id="50" name="Picture 8" descr="木のイラスト（横から）">
+            <a:extLst>
+              <a:ext uri="{FF2B5EF4-FFF2-40B4-BE49-F238E27FC236}">
+                <a16:creationId xmlns:a16="http://schemas.microsoft.com/office/drawing/2014/main" id="{035E1390-AC4E-4E44-B2DA-58C8E2163FFD}"/>
+              </a:ext>
+            </a:extLst>
+          </p:cNvPr>
+          <p:cNvPicPr>
+            <a:picLocks noChangeAspect="1" noChangeArrowheads="1"/>
+          </p:cNvPicPr>
+          <p:nvPr/>
+        </p:nvPicPr>
+        <p:blipFill>
+          <a:blip r:embed="rId5">
+            <a:extLst>
+              <a:ext uri="{28A0092B-C50C-407E-A947-70E740481C1C}">
+                <a14:useLocalDpi xmlns:a14="http://schemas.microsoft.com/office/drawing/2010/main" val="0"/>
+              </a:ext>
+            </a:extLst>
+          </a:blip>
+          <a:srcRect/>
+          <a:stretch>
+            <a:fillRect/>
+          </a:stretch>
+        </p:blipFill>
+        <p:spPr bwMode="auto">
+          <a:xfrm>
+            <a:off x="2987824" y="3933056"/>
+            <a:ext cx="354321" cy="426159"/>
+          </a:xfrm>
+          <a:prstGeom prst="rect">
+            <a:avLst/>
+          </a:prstGeom>
+          <a:noFill/>
+          <a:extLst>
+            <a:ext uri="{909E8E84-426E-40DD-AFC4-6F175D3DCCD1}">
+              <a14:hiddenFill xmlns:a14="http://schemas.microsoft.com/office/drawing/2010/main">
+                <a:solidFill>
+                  <a:srgbClr val="FFFFFF"/>
+                </a:solidFill>
+              </a14:hiddenFill>
+            </a:ext>
+          </a:extLst>
+        </p:spPr>
+      </p:pic>
+      <p:pic>
+        <p:nvPicPr>
+          <p:cNvPr id="51" name="Picture 14" descr="ファイルアイコン（ブランク）">
+            <a:extLst>
+              <a:ext uri="{FF2B5EF4-FFF2-40B4-BE49-F238E27FC236}">
+                <a16:creationId xmlns:a16="http://schemas.microsoft.com/office/drawing/2014/main" id="{95202748-214D-46EE-9D72-822C1FE8A77A}"/>
+              </a:ext>
+            </a:extLst>
+          </p:cNvPr>
+          <p:cNvPicPr>
+            <a:picLocks noChangeAspect="1" noChangeArrowheads="1"/>
+          </p:cNvPicPr>
+          <p:nvPr/>
+        </p:nvPicPr>
+        <p:blipFill>
+          <a:blip r:embed="rId6">
+            <a:extLst>
+              <a:ext uri="{28A0092B-C50C-407E-A947-70E740481C1C}">
+                <a14:useLocalDpi xmlns:a14="http://schemas.microsoft.com/office/drawing/2010/main" val="0"/>
+              </a:ext>
+            </a:extLst>
+          </a:blip>
+          <a:srcRect/>
+          <a:stretch>
+            <a:fillRect/>
+          </a:stretch>
+        </p:blipFill>
+        <p:spPr bwMode="auto">
+          <a:xfrm>
+            <a:off x="3275856" y="4293097"/>
+            <a:ext cx="310033" cy="360039"/>
+          </a:xfrm>
+          <a:prstGeom prst="rect">
+            <a:avLst/>
+          </a:prstGeom>
+          <a:noFill/>
+          <a:extLst>
+            <a:ext uri="{909E8E84-426E-40DD-AFC4-6F175D3DCCD1}">
+              <a14:hiddenFill xmlns:a14="http://schemas.microsoft.com/office/drawing/2010/main">
+                <a:solidFill>
+                  <a:srgbClr val="FFFFFF"/>
+                </a:solidFill>
+              </a14:hiddenFill>
+            </a:ext>
+          </a:extLst>
+        </p:spPr>
+      </p:pic>
+      <p:sp>
+        <p:nvSpPr>
+          <p:cNvPr id="52" name="テキスト ボックス 51">
+            <a:extLst>
+              <a:ext uri="{FF2B5EF4-FFF2-40B4-BE49-F238E27FC236}">
+                <a16:creationId xmlns:a16="http://schemas.microsoft.com/office/drawing/2014/main" id="{DE579235-BED5-4C7B-A750-763DF832740B}"/>
+              </a:ext>
+            </a:extLst>
+          </p:cNvPr>
+          <p:cNvSpPr txBox="1"/>
+          <p:nvPr/>
+        </p:nvSpPr>
+        <p:spPr>
+          <a:xfrm>
+            <a:off x="2843808" y="3594502"/>
+            <a:ext cx="1008112" cy="338554"/>
+          </a:xfrm>
+          <a:prstGeom prst="rect">
+            <a:avLst/>
+          </a:prstGeom>
+          <a:noFill/>
+        </p:spPr>
+        <p:txBody>
+          <a:bodyPr wrap="square">
+            <a:spAutoFit/>
+          </a:bodyPr>
+          <a:lstStyle/>
+          <a:p>
+            <a:r>
+              <a:rPr lang="en-US" sz="1600">
+                <a:latin typeface="Consolas" panose="020B0609020204030204" pitchFamily="49" charset="0"/>
+              </a:rPr>
+              <a:t>193fea0</a:t>
+            </a:r>
+          </a:p>
+        </p:txBody>
+      </p:sp>
+      <p:sp>
+        <p:nvSpPr>
+          <p:cNvPr id="53" name="テキスト ボックス 52">
+            <a:extLst>
+              <a:ext uri="{FF2B5EF4-FFF2-40B4-BE49-F238E27FC236}">
+                <a16:creationId xmlns:a16="http://schemas.microsoft.com/office/drawing/2014/main" id="{E48E37E9-E9C7-4FA2-95C6-D8DCCE0FE90A}"/>
+              </a:ext>
+            </a:extLst>
+          </p:cNvPr>
+          <p:cNvSpPr txBox="1"/>
+          <p:nvPr/>
+        </p:nvSpPr>
+        <p:spPr>
+          <a:xfrm>
+            <a:off x="3563888" y="4293096"/>
+            <a:ext cx="1194558" cy="338554"/>
+          </a:xfrm>
+          <a:prstGeom prst="rect">
+            <a:avLst/>
+          </a:prstGeom>
+          <a:noFill/>
+        </p:spPr>
+        <p:txBody>
+          <a:bodyPr wrap="none" rtlCol="0">
+            <a:spAutoFit/>
+          </a:bodyPr>
+          <a:lstStyle/>
+          <a:p>
+            <a:r>
+              <a:rPr lang="en-US" sz="1600">
+                <a:latin typeface="Consolas" panose="020B0609020204030204" pitchFamily="49" charset="0"/>
+              </a:rPr>
+              <a:t>README.md</a:t>
+            </a:r>
+          </a:p>
+        </p:txBody>
+      </p:sp>
+      <p:pic>
+        <p:nvPicPr>
+          <p:cNvPr id="54" name="Picture 8" descr="木のイラスト（横から）">
+            <a:extLst>
+              <a:ext uri="{FF2B5EF4-FFF2-40B4-BE49-F238E27FC236}">
+                <a16:creationId xmlns:a16="http://schemas.microsoft.com/office/drawing/2014/main" id="{EAC9EDF9-349D-4C6F-88B5-C592FD5C9960}"/>
+              </a:ext>
+            </a:extLst>
+          </p:cNvPr>
+          <p:cNvPicPr>
+            <a:picLocks noChangeAspect="1" noChangeArrowheads="1"/>
+          </p:cNvPicPr>
+          <p:nvPr/>
+        </p:nvPicPr>
+        <p:blipFill>
+          <a:blip r:embed="rId5">
+            <a:extLst>
+              <a:ext uri="{28A0092B-C50C-407E-A947-70E740481C1C}">
+                <a14:useLocalDpi xmlns:a14="http://schemas.microsoft.com/office/drawing/2010/main" val="0"/>
+              </a:ext>
+            </a:extLst>
+          </a:blip>
+          <a:srcRect/>
+          <a:stretch>
+            <a:fillRect/>
+          </a:stretch>
+        </p:blipFill>
+        <p:spPr bwMode="auto">
+          <a:xfrm>
+            <a:off x="3275856" y="4725144"/>
+            <a:ext cx="354321" cy="426159"/>
+          </a:xfrm>
+          <a:prstGeom prst="rect">
+            <a:avLst/>
+          </a:prstGeom>
+          <a:noFill/>
+          <a:extLst>
+            <a:ext uri="{909E8E84-426E-40DD-AFC4-6F175D3DCCD1}">
+              <a14:hiddenFill xmlns:a14="http://schemas.microsoft.com/office/drawing/2010/main">
+                <a:solidFill>
+                  <a:srgbClr val="FFFFFF"/>
+                </a:solidFill>
+              </a14:hiddenFill>
+            </a:ext>
+          </a:extLst>
+        </p:spPr>
+      </p:pic>
+      <p:pic>
+        <p:nvPicPr>
+          <p:cNvPr id="55" name="Picture 8" descr="木のイラスト（横から）">
+            <a:extLst>
+              <a:ext uri="{FF2B5EF4-FFF2-40B4-BE49-F238E27FC236}">
+                <a16:creationId xmlns:a16="http://schemas.microsoft.com/office/drawing/2014/main" id="{8D27F6E0-6124-409D-A838-701CB7E8D3F5}"/>
+              </a:ext>
+            </a:extLst>
+          </p:cNvPr>
+          <p:cNvPicPr>
+            <a:picLocks noChangeAspect="1" noChangeArrowheads="1"/>
+          </p:cNvPicPr>
+          <p:nvPr/>
+        </p:nvPicPr>
+        <p:blipFill>
+          <a:blip r:embed="rId5">
+            <a:extLst>
+              <a:ext uri="{28A0092B-C50C-407E-A947-70E740481C1C}">
+                <a14:useLocalDpi xmlns:a14="http://schemas.microsoft.com/office/drawing/2010/main" val="0"/>
+              </a:ext>
+            </a:extLst>
+          </a:blip>
+          <a:srcRect/>
+          <a:stretch>
+            <a:fillRect/>
+          </a:stretch>
+        </p:blipFill>
+        <p:spPr bwMode="auto">
+          <a:xfrm>
+            <a:off x="3275856" y="5229200"/>
+            <a:ext cx="354321" cy="426159"/>
+          </a:xfrm>
+          <a:prstGeom prst="rect">
+            <a:avLst/>
+          </a:prstGeom>
+          <a:noFill/>
+          <a:extLst>
+            <a:ext uri="{909E8E84-426E-40DD-AFC4-6F175D3DCCD1}">
+              <a14:hiddenFill xmlns:a14="http://schemas.microsoft.com/office/drawing/2010/main">
+                <a:solidFill>
+                  <a:srgbClr val="FFFFFF"/>
+                </a:solidFill>
+              </a14:hiddenFill>
+            </a:ext>
+          </a:extLst>
+        </p:spPr>
+      </p:pic>
+      <p:sp>
+        <p:nvSpPr>
+          <p:cNvPr id="56" name="テキスト ボックス 55">
+            <a:extLst>
+              <a:ext uri="{FF2B5EF4-FFF2-40B4-BE49-F238E27FC236}">
+                <a16:creationId xmlns:a16="http://schemas.microsoft.com/office/drawing/2014/main" id="{D58A7824-1BB8-43D8-9C32-9D4DD734F098}"/>
+              </a:ext>
+            </a:extLst>
+          </p:cNvPr>
+          <p:cNvSpPr txBox="1"/>
+          <p:nvPr/>
+        </p:nvSpPr>
+        <p:spPr>
+          <a:xfrm>
+            <a:off x="3635896" y="4797152"/>
+            <a:ext cx="633507" cy="338554"/>
+          </a:xfrm>
+          <a:prstGeom prst="rect">
+            <a:avLst/>
+          </a:prstGeom>
+          <a:noFill/>
+        </p:spPr>
+        <p:txBody>
+          <a:bodyPr wrap="none" rtlCol="0">
+            <a:spAutoFit/>
+          </a:bodyPr>
+          <a:lstStyle/>
+          <a:p>
+            <a:r>
+              <a:rPr lang="en-US" sz="1600">
+                <a:latin typeface="Consolas" panose="020B0609020204030204" pitchFamily="49" charset="0"/>
+              </a:rPr>
+              <a:t>dir1</a:t>
+            </a:r>
+          </a:p>
+        </p:txBody>
+      </p:sp>
+      <p:sp>
+        <p:nvSpPr>
+          <p:cNvPr id="57" name="テキスト ボックス 56">
+            <a:extLst>
+              <a:ext uri="{FF2B5EF4-FFF2-40B4-BE49-F238E27FC236}">
+                <a16:creationId xmlns:a16="http://schemas.microsoft.com/office/drawing/2014/main" id="{C4BACB98-4CCB-42C3-BB7A-7DF268186EC2}"/>
+              </a:ext>
+            </a:extLst>
+          </p:cNvPr>
+          <p:cNvSpPr txBox="1"/>
+          <p:nvPr/>
+        </p:nvSpPr>
+        <p:spPr>
+          <a:xfrm>
+            <a:off x="3635896" y="5250686"/>
+            <a:ext cx="633507" cy="338554"/>
+          </a:xfrm>
+          <a:prstGeom prst="rect">
+            <a:avLst/>
+          </a:prstGeom>
+          <a:noFill/>
+        </p:spPr>
+        <p:txBody>
+          <a:bodyPr wrap="none" rtlCol="0">
+            <a:spAutoFit/>
+          </a:bodyPr>
+          <a:lstStyle/>
+          <a:p>
+            <a:r>
+              <a:rPr lang="en-US" sz="1600">
+                <a:latin typeface="Consolas" panose="020B0609020204030204" pitchFamily="49" charset="0"/>
+              </a:rPr>
+              <a:t>dir2</a:t>
+            </a:r>
+          </a:p>
+        </p:txBody>
+      </p:sp>
+      <p:pic>
+        <p:nvPicPr>
+          <p:cNvPr id="58" name="Picture 8" descr="木のイラスト（横から）">
+            <a:extLst>
+              <a:ext uri="{FF2B5EF4-FFF2-40B4-BE49-F238E27FC236}">
+                <a16:creationId xmlns:a16="http://schemas.microsoft.com/office/drawing/2014/main" id="{183D5BE1-CBE6-4F68-8F60-717EC15EBB83}"/>
+              </a:ext>
+            </a:extLst>
+          </p:cNvPr>
+          <p:cNvPicPr>
+            <a:picLocks noChangeAspect="1" noChangeArrowheads="1"/>
+          </p:cNvPicPr>
+          <p:nvPr/>
+        </p:nvPicPr>
+        <p:blipFill>
+          <a:blip r:embed="rId5">
+            <a:extLst>
+              <a:ext uri="{28A0092B-C50C-407E-A947-70E740481C1C}">
+                <a14:useLocalDpi xmlns:a14="http://schemas.microsoft.com/office/drawing/2010/main" val="0"/>
+              </a:ext>
+            </a:extLst>
+          </a:blip>
+          <a:srcRect/>
+          <a:stretch>
+            <a:fillRect/>
+          </a:stretch>
+        </p:blipFill>
+        <p:spPr bwMode="auto">
+          <a:xfrm>
+            <a:off x="5148064" y="3933056"/>
+            <a:ext cx="354321" cy="426159"/>
+          </a:xfrm>
+          <a:prstGeom prst="rect">
+            <a:avLst/>
+          </a:prstGeom>
+          <a:noFill/>
+          <a:extLst>
+            <a:ext uri="{909E8E84-426E-40DD-AFC4-6F175D3DCCD1}">
+              <a14:hiddenFill xmlns:a14="http://schemas.microsoft.com/office/drawing/2010/main">
+                <a:solidFill>
+                  <a:srgbClr val="FFFFFF"/>
+                </a:solidFill>
+              </a14:hiddenFill>
+            </a:ext>
+          </a:extLst>
+        </p:spPr>
+      </p:pic>
+      <p:sp>
+        <p:nvSpPr>
+          <p:cNvPr id="59" name="四角形: 角を丸くする 58">
+            <a:extLst>
+              <a:ext uri="{FF2B5EF4-FFF2-40B4-BE49-F238E27FC236}">
+                <a16:creationId xmlns:a16="http://schemas.microsoft.com/office/drawing/2014/main" id="{7883BF67-74C7-4C12-A751-9FCAA1019D30}"/>
+              </a:ext>
+            </a:extLst>
+          </p:cNvPr>
+          <p:cNvSpPr/>
+          <p:nvPr/>
+        </p:nvSpPr>
+        <p:spPr>
+          <a:xfrm>
+            <a:off x="5292080" y="4149080"/>
+            <a:ext cx="1512168" cy="720080"/>
+          </a:xfrm>
+          <a:prstGeom prst="roundRect">
+            <a:avLst/>
+          </a:prstGeom>
+          <a:ln>
+            <a:solidFill>
+              <a:schemeClr val="tx1"/>
+            </a:solidFill>
+            <a:prstDash val="dash"/>
+          </a:ln>
+        </p:spPr>
+        <p:txBody>
+          <a:bodyPr wrap="square" rtlCol="0" anchor="ctr">
+            <a:spAutoFit/>
+          </a:bodyPr>
+          <a:lstStyle/>
+          <a:p>
+            <a:pPr algn="ctr"/>
+            <a:endParaRPr kumimoji="1" lang="ja-JP" altLang="en-US" sz="2400" dirty="0"/>
+          </a:p>
+        </p:txBody>
+      </p:sp>
+      <p:pic>
+        <p:nvPicPr>
+          <p:cNvPr id="60" name="Picture 14" descr="ファイルアイコン（ブランク）">
+            <a:extLst>
+              <a:ext uri="{FF2B5EF4-FFF2-40B4-BE49-F238E27FC236}">
+                <a16:creationId xmlns:a16="http://schemas.microsoft.com/office/drawing/2014/main" id="{8575E58C-539B-42F0-AF84-CB01B6469A12}"/>
+              </a:ext>
+            </a:extLst>
+          </p:cNvPr>
+          <p:cNvPicPr>
+            <a:picLocks noChangeAspect="1" noChangeArrowheads="1"/>
+          </p:cNvPicPr>
+          <p:nvPr/>
+        </p:nvPicPr>
+        <p:blipFill>
+          <a:blip r:embed="rId6">
+            <a:extLst>
+              <a:ext uri="{28A0092B-C50C-407E-A947-70E740481C1C}">
+                <a14:useLocalDpi xmlns:a14="http://schemas.microsoft.com/office/drawing/2010/main" val="0"/>
+              </a:ext>
+            </a:extLst>
+          </a:blip>
+          <a:srcRect/>
+          <a:stretch>
+            <a:fillRect/>
+          </a:stretch>
+        </p:blipFill>
+        <p:spPr bwMode="auto">
+          <a:xfrm>
+            <a:off x="5364088" y="4365105"/>
+            <a:ext cx="310033" cy="360039"/>
+          </a:xfrm>
+          <a:prstGeom prst="rect">
+            <a:avLst/>
+          </a:prstGeom>
+          <a:noFill/>
+          <a:extLst>
+            <a:ext uri="{909E8E84-426E-40DD-AFC4-6F175D3DCCD1}">
+              <a14:hiddenFill xmlns:a14="http://schemas.microsoft.com/office/drawing/2010/main">
+                <a:solidFill>
+                  <a:srgbClr val="FFFFFF"/>
+                </a:solidFill>
+              </a14:hiddenFill>
+            </a:ext>
+          </a:extLst>
+        </p:spPr>
+      </p:pic>
+      <p:sp>
+        <p:nvSpPr>
+          <p:cNvPr id="61" name="テキスト ボックス 60">
+            <a:extLst>
+              <a:ext uri="{FF2B5EF4-FFF2-40B4-BE49-F238E27FC236}">
+                <a16:creationId xmlns:a16="http://schemas.microsoft.com/office/drawing/2014/main" id="{DDD46CDB-7F58-49FB-B104-EB53C0E8412E}"/>
+              </a:ext>
+            </a:extLst>
+          </p:cNvPr>
+          <p:cNvSpPr txBox="1"/>
+          <p:nvPr/>
+        </p:nvSpPr>
+        <p:spPr>
+          <a:xfrm>
+            <a:off x="5652120" y="4365104"/>
+            <a:ext cx="1194558" cy="338554"/>
+          </a:xfrm>
+          <a:prstGeom prst="rect">
+            <a:avLst/>
+          </a:prstGeom>
+          <a:noFill/>
+        </p:spPr>
+        <p:txBody>
+          <a:bodyPr wrap="none" rtlCol="0">
+            <a:spAutoFit/>
+          </a:bodyPr>
+          <a:lstStyle/>
+          <a:p>
+            <a:r>
+              <a:rPr lang="en-US" sz="1600">
+                <a:latin typeface="Consolas" panose="020B0609020204030204" pitchFamily="49" charset="0"/>
+              </a:rPr>
+              <a:t>file1.txt</a:t>
+            </a:r>
+          </a:p>
+        </p:txBody>
+      </p:sp>
+      <p:pic>
+        <p:nvPicPr>
+          <p:cNvPr id="62" name="Picture 8" descr="木のイラスト（横から）">
+            <a:extLst>
+              <a:ext uri="{FF2B5EF4-FFF2-40B4-BE49-F238E27FC236}">
+                <a16:creationId xmlns:a16="http://schemas.microsoft.com/office/drawing/2014/main" id="{13AD712B-B30D-4015-A70F-FA2E04248E3A}"/>
+              </a:ext>
+            </a:extLst>
+          </p:cNvPr>
+          <p:cNvPicPr>
+            <a:picLocks noChangeAspect="1" noChangeArrowheads="1"/>
+          </p:cNvPicPr>
+          <p:nvPr/>
+        </p:nvPicPr>
+        <p:blipFill>
+          <a:blip r:embed="rId5">
+            <a:extLst>
+              <a:ext uri="{28A0092B-C50C-407E-A947-70E740481C1C}">
+                <a14:useLocalDpi xmlns:a14="http://schemas.microsoft.com/office/drawing/2010/main" val="0"/>
+              </a:ext>
+            </a:extLst>
+          </a:blip>
+          <a:srcRect/>
+          <a:stretch>
+            <a:fillRect/>
+          </a:stretch>
+        </p:blipFill>
+        <p:spPr bwMode="auto">
+          <a:xfrm>
+            <a:off x="5148064" y="5229200"/>
+            <a:ext cx="354321" cy="426159"/>
+          </a:xfrm>
+          <a:prstGeom prst="rect">
+            <a:avLst/>
+          </a:prstGeom>
+          <a:noFill/>
+          <a:extLst>
+            <a:ext uri="{909E8E84-426E-40DD-AFC4-6F175D3DCCD1}">
+              <a14:hiddenFill xmlns:a14="http://schemas.microsoft.com/office/drawing/2010/main">
+                <a:solidFill>
+                  <a:srgbClr val="FFFFFF"/>
+                </a:solidFill>
+              </a14:hiddenFill>
+            </a:ext>
+          </a:extLst>
+        </p:spPr>
+      </p:pic>
+      <p:sp>
+        <p:nvSpPr>
+          <p:cNvPr id="63" name="四角形: 角を丸くする 62">
+            <a:extLst>
+              <a:ext uri="{FF2B5EF4-FFF2-40B4-BE49-F238E27FC236}">
+                <a16:creationId xmlns:a16="http://schemas.microsoft.com/office/drawing/2014/main" id="{8A0F975E-999F-4234-AAEC-FECC03634325}"/>
+              </a:ext>
+            </a:extLst>
+          </p:cNvPr>
+          <p:cNvSpPr/>
+          <p:nvPr/>
+        </p:nvSpPr>
+        <p:spPr>
+          <a:xfrm>
+            <a:off x="5292080" y="5445224"/>
+            <a:ext cx="1512168" cy="720080"/>
+          </a:xfrm>
+          <a:prstGeom prst="roundRect">
+            <a:avLst/>
+          </a:prstGeom>
+          <a:ln>
+            <a:solidFill>
+              <a:schemeClr val="tx1"/>
+            </a:solidFill>
+            <a:prstDash val="dash"/>
+          </a:ln>
+        </p:spPr>
+        <p:txBody>
+          <a:bodyPr wrap="square" rtlCol="0" anchor="ctr">
+            <a:spAutoFit/>
+          </a:bodyPr>
+          <a:lstStyle/>
+          <a:p>
+            <a:pPr algn="ctr"/>
+            <a:endParaRPr kumimoji="1" lang="ja-JP" altLang="en-US" sz="2400" dirty="0"/>
+          </a:p>
+        </p:txBody>
+      </p:sp>
+      <p:pic>
+        <p:nvPicPr>
+          <p:cNvPr id="64" name="Picture 14" descr="ファイルアイコン（ブランク）">
+            <a:extLst>
+              <a:ext uri="{FF2B5EF4-FFF2-40B4-BE49-F238E27FC236}">
+                <a16:creationId xmlns:a16="http://schemas.microsoft.com/office/drawing/2014/main" id="{264CF8D1-9535-4482-954B-9EFE86E3EA08}"/>
+              </a:ext>
+            </a:extLst>
+          </p:cNvPr>
+          <p:cNvPicPr>
+            <a:picLocks noChangeAspect="1" noChangeArrowheads="1"/>
+          </p:cNvPicPr>
+          <p:nvPr/>
+        </p:nvPicPr>
+        <p:blipFill>
+          <a:blip r:embed="rId6">
+            <a:extLst>
+              <a:ext uri="{28A0092B-C50C-407E-A947-70E740481C1C}">
+                <a14:useLocalDpi xmlns:a14="http://schemas.microsoft.com/office/drawing/2010/main" val="0"/>
+              </a:ext>
+            </a:extLst>
+          </a:blip>
+          <a:srcRect/>
+          <a:stretch>
+            <a:fillRect/>
+          </a:stretch>
+        </p:blipFill>
+        <p:spPr bwMode="auto">
+          <a:xfrm>
+            <a:off x="5364088" y="5661249"/>
+            <a:ext cx="310033" cy="360039"/>
+          </a:xfrm>
+          <a:prstGeom prst="rect">
+            <a:avLst/>
+          </a:prstGeom>
+          <a:noFill/>
+          <a:extLst>
+            <a:ext uri="{909E8E84-426E-40DD-AFC4-6F175D3DCCD1}">
+              <a14:hiddenFill xmlns:a14="http://schemas.microsoft.com/office/drawing/2010/main">
+                <a:solidFill>
+                  <a:srgbClr val="FFFFFF"/>
+                </a:solidFill>
+              </a14:hiddenFill>
+            </a:ext>
+          </a:extLst>
+        </p:spPr>
+      </p:pic>
+      <p:sp>
+        <p:nvSpPr>
+          <p:cNvPr id="65" name="テキスト ボックス 64">
+            <a:extLst>
+              <a:ext uri="{FF2B5EF4-FFF2-40B4-BE49-F238E27FC236}">
+                <a16:creationId xmlns:a16="http://schemas.microsoft.com/office/drawing/2014/main" id="{334DD1C5-7A57-45BD-930F-9EE453003E8E}"/>
+              </a:ext>
+            </a:extLst>
+          </p:cNvPr>
+          <p:cNvSpPr txBox="1"/>
+          <p:nvPr/>
+        </p:nvSpPr>
+        <p:spPr>
+          <a:xfrm>
+            <a:off x="5652120" y="5661248"/>
+            <a:ext cx="1194558" cy="338554"/>
+          </a:xfrm>
+          <a:prstGeom prst="rect">
+            <a:avLst/>
+          </a:prstGeom>
+          <a:noFill/>
+        </p:spPr>
+        <p:txBody>
+          <a:bodyPr wrap="none" rtlCol="0">
+            <a:spAutoFit/>
+          </a:bodyPr>
+          <a:lstStyle/>
+          <a:p>
+            <a:r>
+              <a:rPr lang="en-US" sz="1600">
+                <a:latin typeface="Consolas" panose="020B0609020204030204" pitchFamily="49" charset="0"/>
+              </a:rPr>
+              <a:t>file2.txt</a:t>
+            </a:r>
+          </a:p>
+        </p:txBody>
+      </p:sp>
+      <p:sp>
+        <p:nvSpPr>
+          <p:cNvPr id="66" name="テキスト ボックス 65">
+            <a:extLst>
+              <a:ext uri="{FF2B5EF4-FFF2-40B4-BE49-F238E27FC236}">
+                <a16:creationId xmlns:a16="http://schemas.microsoft.com/office/drawing/2014/main" id="{4F7AD604-4F5D-45CA-84C9-215D71BCE5CB}"/>
+              </a:ext>
+            </a:extLst>
+          </p:cNvPr>
+          <p:cNvSpPr txBox="1"/>
+          <p:nvPr/>
+        </p:nvSpPr>
+        <p:spPr>
+          <a:xfrm>
+            <a:off x="4860032" y="3645024"/>
+            <a:ext cx="1008112" cy="338554"/>
+          </a:xfrm>
+          <a:prstGeom prst="rect">
+            <a:avLst/>
+          </a:prstGeom>
+          <a:noFill/>
+        </p:spPr>
+        <p:txBody>
+          <a:bodyPr wrap="square">
+            <a:spAutoFit/>
+          </a:bodyPr>
+          <a:lstStyle/>
+          <a:p>
+            <a:r>
+              <a:rPr lang="en-US" sz="1600">
+                <a:latin typeface="Consolas" panose="020B0609020204030204" pitchFamily="49" charset="0"/>
+              </a:rPr>
+              <a:t>0b9f291</a:t>
+            </a:r>
+          </a:p>
+        </p:txBody>
+      </p:sp>
+      <p:sp>
+        <p:nvSpPr>
+          <p:cNvPr id="67" name="テキスト ボックス 66">
+            <a:extLst>
+              <a:ext uri="{FF2B5EF4-FFF2-40B4-BE49-F238E27FC236}">
+                <a16:creationId xmlns:a16="http://schemas.microsoft.com/office/drawing/2014/main" id="{ECFE7D3F-FF6D-4D59-BF83-6967FF9DDACA}"/>
+              </a:ext>
+            </a:extLst>
+          </p:cNvPr>
+          <p:cNvSpPr txBox="1"/>
+          <p:nvPr/>
+        </p:nvSpPr>
+        <p:spPr>
+          <a:xfrm>
+            <a:off x="4932040" y="4869160"/>
+            <a:ext cx="1008112" cy="338554"/>
+          </a:xfrm>
+          <a:prstGeom prst="rect">
+            <a:avLst/>
+          </a:prstGeom>
+          <a:noFill/>
+        </p:spPr>
+        <p:txBody>
+          <a:bodyPr wrap="square">
+            <a:spAutoFit/>
+          </a:bodyPr>
+          <a:lstStyle/>
+          <a:p>
+            <a:r>
+              <a:rPr lang="en-US" sz="1600">
+                <a:latin typeface="Consolas" panose="020B0609020204030204" pitchFamily="49" charset="0"/>
+              </a:rPr>
+              <a:t>345699c</a:t>
+            </a:r>
+          </a:p>
+        </p:txBody>
+      </p:sp>
+      <p:cxnSp>
+        <p:nvCxnSpPr>
+          <p:cNvPr id="71" name="コネクタ: カギ線 70">
+            <a:extLst>
+              <a:ext uri="{FF2B5EF4-FFF2-40B4-BE49-F238E27FC236}">
+                <a16:creationId xmlns:a16="http://schemas.microsoft.com/office/drawing/2014/main" id="{9F0C0857-4C9E-4953-B864-EEC977B799FA}"/>
+              </a:ext>
+            </a:extLst>
+          </p:cNvPr>
+          <p:cNvCxnSpPr>
+            <a:stCxn id="56" idx="3"/>
+            <a:endCxn id="58" idx="1"/>
+          </p:cNvCxnSpPr>
+          <p:nvPr/>
+        </p:nvCxnSpPr>
+        <p:spPr>
+          <a:xfrm flipV="1">
+            <a:off x="4269403" y="4146136"/>
+            <a:ext cx="878661" cy="820293"/>
+          </a:xfrm>
+          <a:prstGeom prst="bentConnector3">
+            <a:avLst>
+              <a:gd name="adj1" fmla="val 78290"/>
+            </a:avLst>
+          </a:prstGeom>
+          <a:ln w="9525">
+            <a:solidFill>
+              <a:schemeClr val="tx1"/>
+            </a:solidFill>
+            <a:headEnd type="none"/>
+            <a:tailEnd type="triangle"/>
+          </a:ln>
+          <a:effectLst/>
+        </p:spPr>
+        <p:style>
+          <a:lnRef idx="2">
+            <a:schemeClr val="accent1"/>
+          </a:lnRef>
+          <a:fillRef idx="0">
+            <a:schemeClr val="accent1"/>
+          </a:fillRef>
+          <a:effectRef idx="1">
+            <a:schemeClr val="accent1"/>
+          </a:effectRef>
+          <a:fontRef idx="minor">
+            <a:schemeClr val="tx1"/>
+          </a:fontRef>
+        </p:style>
+      </p:cxnSp>
+      <p:cxnSp>
+        <p:nvCxnSpPr>
+          <p:cNvPr id="75" name="直線矢印コネクタ 74">
+            <a:extLst>
+              <a:ext uri="{FF2B5EF4-FFF2-40B4-BE49-F238E27FC236}">
+                <a16:creationId xmlns:a16="http://schemas.microsoft.com/office/drawing/2014/main" id="{56554057-41C3-4011-8986-73B8424A5B8B}"/>
+              </a:ext>
+            </a:extLst>
+          </p:cNvPr>
+          <p:cNvCxnSpPr>
+            <a:cxnSpLocks/>
+          </p:cNvCxnSpPr>
+          <p:nvPr/>
+        </p:nvCxnSpPr>
+        <p:spPr>
+          <a:xfrm>
+            <a:off x="4283968" y="5445224"/>
+            <a:ext cx="864096" cy="0"/>
+          </a:xfrm>
+          <a:prstGeom prst="straightConnector1">
+            <a:avLst/>
+          </a:prstGeom>
+          <a:ln w="9525">
+            <a:solidFill>
+              <a:schemeClr val="tx1"/>
+            </a:solidFill>
+            <a:headEnd type="none"/>
+            <a:tailEnd type="triangle"/>
+          </a:ln>
+          <a:effectLst/>
+        </p:spPr>
+        <p:style>
+          <a:lnRef idx="2">
+            <a:schemeClr val="accent1"/>
+          </a:lnRef>
+          <a:fillRef idx="0">
+            <a:schemeClr val="accent1"/>
+          </a:fillRef>
+          <a:effectRef idx="1">
+            <a:schemeClr val="accent1"/>
+          </a:effectRef>
+          <a:fontRef idx="minor">
+            <a:schemeClr val="tx1"/>
+          </a:fontRef>
+        </p:style>
+      </p:cxnSp>
+      <p:cxnSp>
+        <p:nvCxnSpPr>
+          <p:cNvPr id="79" name="コネクタ: カギ線 78">
+            <a:extLst>
+              <a:ext uri="{FF2B5EF4-FFF2-40B4-BE49-F238E27FC236}">
+                <a16:creationId xmlns:a16="http://schemas.microsoft.com/office/drawing/2014/main" id="{BB396332-CA43-40DF-8930-DA2DA1B5AF86}"/>
+              </a:ext>
+            </a:extLst>
+          </p:cNvPr>
+          <p:cNvCxnSpPr>
+            <a:stCxn id="47" idx="3"/>
+            <a:endCxn id="50" idx="1"/>
+          </p:cNvCxnSpPr>
+          <p:nvPr/>
+        </p:nvCxnSpPr>
+        <p:spPr>
+          <a:xfrm flipV="1">
+            <a:off x="2627784" y="4146136"/>
+            <a:ext cx="360040" cy="316237"/>
+          </a:xfrm>
+          <a:prstGeom prst="bentConnector3">
+            <a:avLst/>
+          </a:prstGeom>
+          <a:ln w="9525">
+            <a:solidFill>
+              <a:schemeClr val="tx1"/>
+            </a:solidFill>
+            <a:headEnd type="none"/>
+            <a:tailEnd type="triangle"/>
+          </a:ln>
+          <a:effectLst/>
+        </p:spPr>
+        <p:style>
+          <a:lnRef idx="2">
+            <a:schemeClr val="accent1"/>
+          </a:lnRef>
+          <a:fillRef idx="0">
+            <a:schemeClr val="accent1"/>
+          </a:fillRef>
+          <a:effectRef idx="1">
+            <a:schemeClr val="accent1"/>
+          </a:effectRef>
+          <a:fontRef idx="minor">
+            <a:schemeClr val="tx1"/>
+          </a:fontRef>
+        </p:style>
+      </p:cxnSp>
+    </p:spTree>
+    <p:extLst>
+      <p:ext uri="{BB962C8B-B14F-4D97-AF65-F5344CB8AC3E}">
+        <p14:creationId xmlns:p14="http://schemas.microsoft.com/office/powerpoint/2010/main" val="1318526304"/>
       </p:ext>
     </p:extLst>
   </p:cSld>

--- a/articles/objects_of_git/fig.pptx
+++ b/articles/objects_of_git/fig.pptx
@@ -5,7 +5,7 @@
     <p:sldMasterId id="2147483648" r:id="rId1"/>
   </p:sldMasterIdLst>
   <p:notesMasterIdLst>
-    <p:notesMasterId r:id="rId9"/>
+    <p:notesMasterId r:id="rId10"/>
   </p:notesMasterIdLst>
   <p:sldIdLst>
     <p:sldId id="259" r:id="rId2"/>
@@ -15,6 +15,7 @@
     <p:sldId id="263" r:id="rId6"/>
     <p:sldId id="264" r:id="rId7"/>
     <p:sldId id="265" r:id="rId8"/>
+    <p:sldId id="266" r:id="rId9"/>
   </p:sldIdLst>
   <p:sldSz cx="9144000" cy="6858000" type="screen4x3"/>
   <p:notesSz cx="6858000" cy="9144000"/>
@@ -9628,6 +9629,1620 @@
     <p:extLst>
       <p:ext uri="{BB962C8B-B14F-4D97-AF65-F5344CB8AC3E}">
         <p14:creationId xmlns:p14="http://schemas.microsoft.com/office/powerpoint/2010/main" val="1318526304"/>
+      </p:ext>
+    </p:extLst>
+  </p:cSld>
+  <p:clrMapOvr>
+    <a:masterClrMapping/>
+  </p:clrMapOvr>
+</p:sld>
+</file>
+
+<file path=ppt/slides/slide8.xml><?xml version="1.0" encoding="utf-8"?>
+<p:sld xmlns:a="http://schemas.openxmlformats.org/drawingml/2006/main" xmlns:r="http://schemas.openxmlformats.org/officeDocument/2006/relationships" xmlns:p="http://schemas.openxmlformats.org/presentationml/2006/main">
+  <p:cSld>
+    <p:spTree>
+      <p:nvGrpSpPr>
+        <p:cNvPr id="1" name=""/>
+        <p:cNvGrpSpPr/>
+        <p:nvPr/>
+      </p:nvGrpSpPr>
+      <p:grpSpPr>
+        <a:xfrm>
+          <a:off x="0" y="0"/>
+          <a:ext cx="0" cy="0"/>
+          <a:chOff x="0" y="0"/>
+          <a:chExt cx="0" cy="0"/>
+        </a:xfrm>
+      </p:grpSpPr>
+      <p:sp>
+        <p:nvSpPr>
+          <p:cNvPr id="2" name="楕円 1">
+            <a:extLst>
+              <a:ext uri="{FF2B5EF4-FFF2-40B4-BE49-F238E27FC236}">
+                <a16:creationId xmlns:a16="http://schemas.microsoft.com/office/drawing/2014/main" id="{527EF090-CD5E-4015-A9FE-EEB34EBF9230}"/>
+              </a:ext>
+            </a:extLst>
+          </p:cNvPr>
+          <p:cNvSpPr/>
+          <p:nvPr/>
+        </p:nvSpPr>
+        <p:spPr>
+          <a:xfrm>
+            <a:off x="1187624" y="2492896"/>
+            <a:ext cx="432048" cy="432048"/>
+          </a:xfrm>
+          <a:prstGeom prst="ellipse">
+            <a:avLst/>
+          </a:prstGeom>
+          <a:solidFill>
+            <a:srgbClr val="0070C0"/>
+          </a:solidFill>
+          <a:ln>
+            <a:solidFill>
+              <a:schemeClr val="tx1"/>
+            </a:solidFill>
+          </a:ln>
+        </p:spPr>
+        <p:txBody>
+          <a:bodyPr wrap="square" rtlCol="0" anchor="ctr">
+            <a:spAutoFit/>
+          </a:bodyPr>
+          <a:lstStyle/>
+          <a:p>
+            <a:pPr algn="ctr"/>
+            <a:endParaRPr kumimoji="1" lang="ja-JP" altLang="en-US" sz="2400" dirty="0"/>
+          </a:p>
+        </p:txBody>
+      </p:sp>
+      <p:cxnSp>
+        <p:nvCxnSpPr>
+          <p:cNvPr id="3" name="直線矢印コネクタ 2">
+            <a:extLst>
+              <a:ext uri="{FF2B5EF4-FFF2-40B4-BE49-F238E27FC236}">
+                <a16:creationId xmlns:a16="http://schemas.microsoft.com/office/drawing/2014/main" id="{AD04D53C-D727-4FE7-93B9-224EE788F5F4}"/>
+              </a:ext>
+            </a:extLst>
+          </p:cNvPr>
+          <p:cNvCxnSpPr>
+            <a:endCxn id="2" idx="0"/>
+          </p:cNvCxnSpPr>
+          <p:nvPr/>
+        </p:nvCxnSpPr>
+        <p:spPr>
+          <a:xfrm>
+            <a:off x="1403648" y="2040781"/>
+            <a:ext cx="0" cy="452115"/>
+          </a:xfrm>
+          <a:prstGeom prst="straightConnector1">
+            <a:avLst/>
+          </a:prstGeom>
+          <a:ln w="9525">
+            <a:solidFill>
+              <a:schemeClr val="tx1"/>
+            </a:solidFill>
+            <a:headEnd type="none"/>
+            <a:tailEnd type="triangle"/>
+          </a:ln>
+          <a:effectLst/>
+        </p:spPr>
+        <p:style>
+          <a:lnRef idx="2">
+            <a:schemeClr val="accent1"/>
+          </a:lnRef>
+          <a:fillRef idx="0">
+            <a:schemeClr val="accent1"/>
+          </a:fillRef>
+          <a:effectRef idx="1">
+            <a:schemeClr val="accent1"/>
+          </a:effectRef>
+          <a:fontRef idx="minor">
+            <a:schemeClr val="tx1"/>
+          </a:fontRef>
+        </p:style>
+      </p:cxnSp>
+      <p:sp>
+        <p:nvSpPr>
+          <p:cNvPr id="4" name="四角形: 1 つの角を切り取り 1 つの角を丸める 3">
+            <a:extLst>
+              <a:ext uri="{FF2B5EF4-FFF2-40B4-BE49-F238E27FC236}">
+                <a16:creationId xmlns:a16="http://schemas.microsoft.com/office/drawing/2014/main" id="{6593A400-409F-4B60-ADCE-0D55A9CD01D4}"/>
+              </a:ext>
+            </a:extLst>
+          </p:cNvPr>
+          <p:cNvSpPr/>
+          <p:nvPr/>
+        </p:nvSpPr>
+        <p:spPr>
+          <a:xfrm>
+            <a:off x="683568" y="1700808"/>
+            <a:ext cx="1584176" cy="354925"/>
+          </a:xfrm>
+          <a:prstGeom prst="snipRoundRect">
+            <a:avLst/>
+          </a:prstGeom>
+          <a:solidFill>
+            <a:schemeClr val="accent3">
+              <a:lumMod val="20000"/>
+              <a:lumOff val="80000"/>
+            </a:schemeClr>
+          </a:solidFill>
+          <a:ln>
+            <a:solidFill>
+              <a:schemeClr val="tx1"/>
+            </a:solidFill>
+          </a:ln>
+        </p:spPr>
+        <p:txBody>
+          <a:bodyPr wrap="square" rtlCol="0" anchor="ctr">
+            <a:spAutoFit/>
+          </a:bodyPr>
+          <a:lstStyle/>
+          <a:p>
+            <a:pPr algn="ctr"/>
+            <a:r>
+              <a:rPr kumimoji="1" lang="en-US" altLang="ja-JP" sz="1600"/>
+              <a:t>lightweight_tag</a:t>
+            </a:r>
+            <a:endParaRPr kumimoji="1" lang="ja-JP" altLang="en-US" sz="1600" dirty="0"/>
+          </a:p>
+        </p:txBody>
+      </p:sp>
+      <p:sp>
+        <p:nvSpPr>
+          <p:cNvPr id="5" name="四角形: 1 つの角を切り取り 1 つの角を丸める 4">
+            <a:extLst>
+              <a:ext uri="{FF2B5EF4-FFF2-40B4-BE49-F238E27FC236}">
+                <a16:creationId xmlns:a16="http://schemas.microsoft.com/office/drawing/2014/main" id="{DBFA002D-C37A-46B9-BE07-E128FEF9841C}"/>
+              </a:ext>
+            </a:extLst>
+          </p:cNvPr>
+          <p:cNvSpPr/>
+          <p:nvPr/>
+        </p:nvSpPr>
+        <p:spPr>
+          <a:xfrm>
+            <a:off x="611560" y="3501008"/>
+            <a:ext cx="1584176" cy="354925"/>
+          </a:xfrm>
+          <a:prstGeom prst="snipRoundRect">
+            <a:avLst/>
+          </a:prstGeom>
+          <a:solidFill>
+            <a:schemeClr val="accent3">
+              <a:lumMod val="20000"/>
+              <a:lumOff val="80000"/>
+            </a:schemeClr>
+          </a:solidFill>
+          <a:ln>
+            <a:solidFill>
+              <a:schemeClr val="tx1"/>
+            </a:solidFill>
+          </a:ln>
+        </p:spPr>
+        <p:txBody>
+          <a:bodyPr wrap="square" rtlCol="0" anchor="ctr">
+            <a:spAutoFit/>
+          </a:bodyPr>
+          <a:lstStyle/>
+          <a:p>
+            <a:pPr algn="ctr"/>
+            <a:r>
+              <a:rPr lang="en-US" altLang="ja-JP" sz="1600"/>
+              <a:t>annotated</a:t>
+            </a:r>
+            <a:r>
+              <a:rPr kumimoji="1" lang="en-US" altLang="ja-JP" sz="1600"/>
+              <a:t>_tag</a:t>
+            </a:r>
+            <a:endParaRPr kumimoji="1" lang="ja-JP" altLang="en-US" sz="1600" dirty="0"/>
+          </a:p>
+        </p:txBody>
+      </p:sp>
+      <p:cxnSp>
+        <p:nvCxnSpPr>
+          <p:cNvPr id="6" name="直線矢印コネクタ 5">
+            <a:extLst>
+              <a:ext uri="{FF2B5EF4-FFF2-40B4-BE49-F238E27FC236}">
+                <a16:creationId xmlns:a16="http://schemas.microsoft.com/office/drawing/2014/main" id="{AD66A3C6-6FAA-48FC-9819-5449366AEA0C}"/>
+              </a:ext>
+            </a:extLst>
+          </p:cNvPr>
+          <p:cNvCxnSpPr>
+            <a:cxnSpLocks/>
+            <a:stCxn id="5" idx="3"/>
+            <a:endCxn id="2" idx="4"/>
+          </p:cNvCxnSpPr>
+          <p:nvPr/>
+        </p:nvCxnSpPr>
+        <p:spPr>
+          <a:xfrm flipV="1">
+            <a:off x="1403648" y="2924944"/>
+            <a:ext cx="0" cy="576064"/>
+          </a:xfrm>
+          <a:prstGeom prst="straightConnector1">
+            <a:avLst/>
+          </a:prstGeom>
+          <a:ln w="9525">
+            <a:solidFill>
+              <a:schemeClr val="tx1"/>
+            </a:solidFill>
+            <a:headEnd type="none"/>
+            <a:tailEnd type="triangle"/>
+          </a:ln>
+          <a:effectLst/>
+        </p:spPr>
+        <p:style>
+          <a:lnRef idx="2">
+            <a:schemeClr val="accent1"/>
+          </a:lnRef>
+          <a:fillRef idx="0">
+            <a:schemeClr val="accent1"/>
+          </a:fillRef>
+          <a:effectRef idx="1">
+            <a:schemeClr val="accent1"/>
+          </a:effectRef>
+          <a:fontRef idx="minor">
+            <a:schemeClr val="tx1"/>
+          </a:fontRef>
+        </p:style>
+      </p:cxnSp>
+      <p:sp>
+        <p:nvSpPr>
+          <p:cNvPr id="10" name="テキスト ボックス 9">
+            <a:extLst>
+              <a:ext uri="{FF2B5EF4-FFF2-40B4-BE49-F238E27FC236}">
+                <a16:creationId xmlns:a16="http://schemas.microsoft.com/office/drawing/2014/main" id="{7F8FC96A-A981-47D7-B25A-4E5E1A474851}"/>
+              </a:ext>
+            </a:extLst>
+          </p:cNvPr>
+          <p:cNvSpPr txBox="1"/>
+          <p:nvPr/>
+        </p:nvSpPr>
+        <p:spPr>
+          <a:xfrm>
+            <a:off x="179512" y="2564904"/>
+            <a:ext cx="1133872" cy="369332"/>
+          </a:xfrm>
+          <a:prstGeom prst="rect">
+            <a:avLst/>
+          </a:prstGeom>
+          <a:noFill/>
+        </p:spPr>
+        <p:txBody>
+          <a:bodyPr wrap="square">
+            <a:spAutoFit/>
+          </a:bodyPr>
+          <a:lstStyle/>
+          <a:p>
+            <a:r>
+              <a:rPr lang="en-US">
+                <a:latin typeface="Consolas" panose="020B0609020204030204" pitchFamily="49" charset="0"/>
+              </a:rPr>
+              <a:t>ca686d2</a:t>
+            </a:r>
+          </a:p>
+        </p:txBody>
+      </p:sp>
+      <p:pic>
+        <p:nvPicPr>
+          <p:cNvPr id="11" name="Picture 2" descr="フォルダのイラスト">
+            <a:extLst>
+              <a:ext uri="{FF2B5EF4-FFF2-40B4-BE49-F238E27FC236}">
+                <a16:creationId xmlns:a16="http://schemas.microsoft.com/office/drawing/2014/main" id="{38DB774F-44AB-4AAF-8D57-72B7D3E35F94}"/>
+              </a:ext>
+            </a:extLst>
+          </p:cNvPr>
+          <p:cNvPicPr>
+            <a:picLocks noChangeAspect="1" noChangeArrowheads="1"/>
+          </p:cNvPicPr>
+          <p:nvPr/>
+        </p:nvPicPr>
+        <p:blipFill>
+          <a:blip r:embed="rId2">
+            <a:extLst>
+              <a:ext uri="{28A0092B-C50C-407E-A947-70E740481C1C}">
+                <a14:useLocalDpi xmlns:a14="http://schemas.microsoft.com/office/drawing/2010/main" val="0"/>
+              </a:ext>
+            </a:extLst>
+          </a:blip>
+          <a:srcRect/>
+          <a:stretch>
+            <a:fillRect/>
+          </a:stretch>
+        </p:blipFill>
+        <p:spPr bwMode="auto">
+          <a:xfrm>
+            <a:off x="251520" y="404664"/>
+            <a:ext cx="680864" cy="570224"/>
+          </a:xfrm>
+          <a:prstGeom prst="rect">
+            <a:avLst/>
+          </a:prstGeom>
+          <a:noFill/>
+          <a:extLst>
+            <a:ext uri="{909E8E84-426E-40DD-AFC4-6F175D3DCCD1}">
+              <a14:hiddenFill xmlns:a14="http://schemas.microsoft.com/office/drawing/2010/main">
+                <a:solidFill>
+                  <a:srgbClr val="FFFFFF"/>
+                </a:solidFill>
+              </a14:hiddenFill>
+            </a:ext>
+          </a:extLst>
+        </p:spPr>
+      </p:pic>
+      <p:sp>
+        <p:nvSpPr>
+          <p:cNvPr id="12" name="テキスト ボックス 11">
+            <a:extLst>
+              <a:ext uri="{FF2B5EF4-FFF2-40B4-BE49-F238E27FC236}">
+                <a16:creationId xmlns:a16="http://schemas.microsoft.com/office/drawing/2014/main" id="{F232363D-C980-4572-9B4A-64003AB1E6A8}"/>
+              </a:ext>
+            </a:extLst>
+          </p:cNvPr>
+          <p:cNvSpPr txBox="1"/>
+          <p:nvPr/>
+        </p:nvSpPr>
+        <p:spPr>
+          <a:xfrm>
+            <a:off x="179512" y="980728"/>
+            <a:ext cx="691215" cy="369332"/>
+          </a:xfrm>
+          <a:prstGeom prst="rect">
+            <a:avLst/>
+          </a:prstGeom>
+          <a:noFill/>
+        </p:spPr>
+        <p:txBody>
+          <a:bodyPr wrap="none" rtlCol="0">
+            <a:spAutoFit/>
+          </a:bodyPr>
+          <a:lstStyle/>
+          <a:p>
+            <a:r>
+              <a:rPr kumimoji="1" lang="en-US" altLang="ja-JP">
+                <a:latin typeface="Consolas" panose="020B0609020204030204" pitchFamily="49" charset="0"/>
+              </a:rPr>
+              <a:t>.git</a:t>
+            </a:r>
+            <a:endParaRPr kumimoji="1" lang="ja-JP" altLang="en-US" dirty="0">
+              <a:latin typeface="Consolas" panose="020B0609020204030204" pitchFamily="49" charset="0"/>
+            </a:endParaRPr>
+          </a:p>
+        </p:txBody>
+      </p:sp>
+      <p:pic>
+        <p:nvPicPr>
+          <p:cNvPr id="13" name="Picture 2" descr="フォルダのイラスト">
+            <a:extLst>
+              <a:ext uri="{FF2B5EF4-FFF2-40B4-BE49-F238E27FC236}">
+                <a16:creationId xmlns:a16="http://schemas.microsoft.com/office/drawing/2014/main" id="{AA893F23-D94A-4746-AE2C-21E12BA5D5D3}"/>
+              </a:ext>
+            </a:extLst>
+          </p:cNvPr>
+          <p:cNvPicPr>
+            <a:picLocks noChangeAspect="1" noChangeArrowheads="1"/>
+          </p:cNvPicPr>
+          <p:nvPr/>
+        </p:nvPicPr>
+        <p:blipFill>
+          <a:blip r:embed="rId2">
+            <a:extLst>
+              <a:ext uri="{28A0092B-C50C-407E-A947-70E740481C1C}">
+                <a14:useLocalDpi xmlns:a14="http://schemas.microsoft.com/office/drawing/2010/main" val="0"/>
+              </a:ext>
+            </a:extLst>
+          </a:blip>
+          <a:srcRect/>
+          <a:stretch>
+            <a:fillRect/>
+          </a:stretch>
+        </p:blipFill>
+        <p:spPr bwMode="auto">
+          <a:xfrm>
+            <a:off x="1187624" y="404664"/>
+            <a:ext cx="680864" cy="570224"/>
+          </a:xfrm>
+          <a:prstGeom prst="rect">
+            <a:avLst/>
+          </a:prstGeom>
+          <a:noFill/>
+          <a:extLst>
+            <a:ext uri="{909E8E84-426E-40DD-AFC4-6F175D3DCCD1}">
+              <a14:hiddenFill xmlns:a14="http://schemas.microsoft.com/office/drawing/2010/main">
+                <a:solidFill>
+                  <a:srgbClr val="FFFFFF"/>
+                </a:solidFill>
+              </a14:hiddenFill>
+            </a:ext>
+          </a:extLst>
+        </p:spPr>
+      </p:pic>
+      <p:sp>
+        <p:nvSpPr>
+          <p:cNvPr id="15" name="テキスト ボックス 14">
+            <a:extLst>
+              <a:ext uri="{FF2B5EF4-FFF2-40B4-BE49-F238E27FC236}">
+                <a16:creationId xmlns:a16="http://schemas.microsoft.com/office/drawing/2014/main" id="{4BBF46BE-2D0D-4F01-B6D2-F981B33D7C2C}"/>
+              </a:ext>
+            </a:extLst>
+          </p:cNvPr>
+          <p:cNvSpPr txBox="1"/>
+          <p:nvPr/>
+        </p:nvSpPr>
+        <p:spPr>
+          <a:xfrm>
+            <a:off x="1187624" y="980728"/>
+            <a:ext cx="691215" cy="369332"/>
+          </a:xfrm>
+          <a:prstGeom prst="rect">
+            <a:avLst/>
+          </a:prstGeom>
+          <a:noFill/>
+        </p:spPr>
+        <p:txBody>
+          <a:bodyPr wrap="none" rtlCol="0">
+            <a:spAutoFit/>
+          </a:bodyPr>
+          <a:lstStyle/>
+          <a:p>
+            <a:r>
+              <a:rPr kumimoji="1" lang="en-US" altLang="ja-JP">
+                <a:latin typeface="Consolas" panose="020B0609020204030204" pitchFamily="49" charset="0"/>
+              </a:rPr>
+              <a:t>refs</a:t>
+            </a:r>
+            <a:endParaRPr kumimoji="1" lang="ja-JP" altLang="en-US" dirty="0">
+              <a:latin typeface="Consolas" panose="020B0609020204030204" pitchFamily="49" charset="0"/>
+            </a:endParaRPr>
+          </a:p>
+        </p:txBody>
+      </p:sp>
+      <p:cxnSp>
+        <p:nvCxnSpPr>
+          <p:cNvPr id="18" name="直線コネクタ 17">
+            <a:extLst>
+              <a:ext uri="{FF2B5EF4-FFF2-40B4-BE49-F238E27FC236}">
+                <a16:creationId xmlns:a16="http://schemas.microsoft.com/office/drawing/2014/main" id="{3C97FC9B-FFFF-4E03-A57F-A6885807D786}"/>
+              </a:ext>
+            </a:extLst>
+          </p:cNvPr>
+          <p:cNvCxnSpPr>
+            <a:stCxn id="11" idx="3"/>
+            <a:endCxn id="13" idx="1"/>
+          </p:cNvCxnSpPr>
+          <p:nvPr/>
+        </p:nvCxnSpPr>
+        <p:spPr>
+          <a:xfrm>
+            <a:off x="932384" y="689776"/>
+            <a:ext cx="255240" cy="0"/>
+          </a:xfrm>
+          <a:prstGeom prst="line">
+            <a:avLst/>
+          </a:prstGeom>
+          <a:ln w="9525">
+            <a:solidFill>
+              <a:schemeClr val="tx1"/>
+            </a:solidFill>
+            <a:headEnd type="none"/>
+            <a:tailEnd type="none"/>
+          </a:ln>
+          <a:effectLst/>
+        </p:spPr>
+        <p:style>
+          <a:lnRef idx="2">
+            <a:schemeClr val="accent1"/>
+          </a:lnRef>
+          <a:fillRef idx="0">
+            <a:schemeClr val="accent1"/>
+          </a:fillRef>
+          <a:effectRef idx="1">
+            <a:schemeClr val="accent1"/>
+          </a:effectRef>
+          <a:fontRef idx="minor">
+            <a:schemeClr val="tx1"/>
+          </a:fontRef>
+        </p:style>
+      </p:cxnSp>
+      <p:pic>
+        <p:nvPicPr>
+          <p:cNvPr id="21" name="Picture 2" descr="フォルダのイラスト">
+            <a:extLst>
+              <a:ext uri="{FF2B5EF4-FFF2-40B4-BE49-F238E27FC236}">
+                <a16:creationId xmlns:a16="http://schemas.microsoft.com/office/drawing/2014/main" id="{35FEB0E3-67C0-4EA3-894B-264392188C54}"/>
+              </a:ext>
+            </a:extLst>
+          </p:cNvPr>
+          <p:cNvPicPr>
+            <a:picLocks noChangeAspect="1" noChangeArrowheads="1"/>
+          </p:cNvPicPr>
+          <p:nvPr/>
+        </p:nvPicPr>
+        <p:blipFill>
+          <a:blip r:embed="rId2">
+            <a:extLst>
+              <a:ext uri="{28A0092B-C50C-407E-A947-70E740481C1C}">
+                <a14:useLocalDpi xmlns:a14="http://schemas.microsoft.com/office/drawing/2010/main" val="0"/>
+              </a:ext>
+            </a:extLst>
+          </a:blip>
+          <a:srcRect/>
+          <a:stretch>
+            <a:fillRect/>
+          </a:stretch>
+        </p:blipFill>
+        <p:spPr bwMode="auto">
+          <a:xfrm>
+            <a:off x="2123728" y="404664"/>
+            <a:ext cx="680864" cy="570224"/>
+          </a:xfrm>
+          <a:prstGeom prst="rect">
+            <a:avLst/>
+          </a:prstGeom>
+          <a:noFill/>
+          <a:extLst>
+            <a:ext uri="{909E8E84-426E-40DD-AFC4-6F175D3DCCD1}">
+              <a14:hiddenFill xmlns:a14="http://schemas.microsoft.com/office/drawing/2010/main">
+                <a:solidFill>
+                  <a:srgbClr val="FFFFFF"/>
+                </a:solidFill>
+              </a14:hiddenFill>
+            </a:ext>
+          </a:extLst>
+        </p:spPr>
+      </p:pic>
+      <p:cxnSp>
+        <p:nvCxnSpPr>
+          <p:cNvPr id="22" name="直線コネクタ 21">
+            <a:extLst>
+              <a:ext uri="{FF2B5EF4-FFF2-40B4-BE49-F238E27FC236}">
+                <a16:creationId xmlns:a16="http://schemas.microsoft.com/office/drawing/2014/main" id="{4989F7BC-3106-4435-BA5B-D7A129FE0268}"/>
+              </a:ext>
+            </a:extLst>
+          </p:cNvPr>
+          <p:cNvCxnSpPr>
+            <a:endCxn id="21" idx="1"/>
+          </p:cNvCxnSpPr>
+          <p:nvPr/>
+        </p:nvCxnSpPr>
+        <p:spPr>
+          <a:xfrm>
+            <a:off x="1868488" y="689776"/>
+            <a:ext cx="255240" cy="0"/>
+          </a:xfrm>
+          <a:prstGeom prst="line">
+            <a:avLst/>
+          </a:prstGeom>
+          <a:ln w="9525">
+            <a:solidFill>
+              <a:schemeClr val="tx1"/>
+            </a:solidFill>
+            <a:headEnd type="none"/>
+            <a:tailEnd type="none"/>
+          </a:ln>
+          <a:effectLst/>
+        </p:spPr>
+        <p:style>
+          <a:lnRef idx="2">
+            <a:schemeClr val="accent1"/>
+          </a:lnRef>
+          <a:fillRef idx="0">
+            <a:schemeClr val="accent1"/>
+          </a:fillRef>
+          <a:effectRef idx="1">
+            <a:schemeClr val="accent1"/>
+          </a:effectRef>
+          <a:fontRef idx="minor">
+            <a:schemeClr val="tx1"/>
+          </a:fontRef>
+        </p:style>
+      </p:cxnSp>
+      <p:sp>
+        <p:nvSpPr>
+          <p:cNvPr id="23" name="テキスト ボックス 22">
+            <a:extLst>
+              <a:ext uri="{FF2B5EF4-FFF2-40B4-BE49-F238E27FC236}">
+                <a16:creationId xmlns:a16="http://schemas.microsoft.com/office/drawing/2014/main" id="{603867F1-6015-46E1-8DBE-588676053363}"/>
+              </a:ext>
+            </a:extLst>
+          </p:cNvPr>
+          <p:cNvSpPr txBox="1"/>
+          <p:nvPr/>
+        </p:nvSpPr>
+        <p:spPr>
+          <a:xfrm>
+            <a:off x="2123728" y="980728"/>
+            <a:ext cx="691215" cy="369332"/>
+          </a:xfrm>
+          <a:prstGeom prst="rect">
+            <a:avLst/>
+          </a:prstGeom>
+          <a:noFill/>
+        </p:spPr>
+        <p:txBody>
+          <a:bodyPr wrap="none" rtlCol="0">
+            <a:spAutoFit/>
+          </a:bodyPr>
+          <a:lstStyle/>
+          <a:p>
+            <a:r>
+              <a:rPr kumimoji="1" lang="en-US" altLang="ja-JP">
+                <a:latin typeface="Consolas" panose="020B0609020204030204" pitchFamily="49" charset="0"/>
+              </a:rPr>
+              <a:t>tags</a:t>
+            </a:r>
+            <a:endParaRPr kumimoji="1" lang="ja-JP" altLang="en-US" dirty="0">
+              <a:latin typeface="Consolas" panose="020B0609020204030204" pitchFamily="49" charset="0"/>
+            </a:endParaRPr>
+          </a:p>
+        </p:txBody>
+      </p:sp>
+      <p:sp>
+        <p:nvSpPr>
+          <p:cNvPr id="24" name="四角形: 1 つの角を切り取り 1 つの角を丸める 23">
+            <a:extLst>
+              <a:ext uri="{FF2B5EF4-FFF2-40B4-BE49-F238E27FC236}">
+                <a16:creationId xmlns:a16="http://schemas.microsoft.com/office/drawing/2014/main" id="{4225A909-9083-45F8-B955-1EEB7F6CCEA5}"/>
+              </a:ext>
+            </a:extLst>
+          </p:cNvPr>
+          <p:cNvSpPr/>
+          <p:nvPr/>
+        </p:nvSpPr>
+        <p:spPr>
+          <a:xfrm>
+            <a:off x="3203848" y="476672"/>
+            <a:ext cx="1584176" cy="354925"/>
+          </a:xfrm>
+          <a:prstGeom prst="snipRoundRect">
+            <a:avLst/>
+          </a:prstGeom>
+          <a:solidFill>
+            <a:schemeClr val="accent3">
+              <a:lumMod val="20000"/>
+              <a:lumOff val="80000"/>
+            </a:schemeClr>
+          </a:solidFill>
+          <a:ln>
+            <a:solidFill>
+              <a:schemeClr val="tx1"/>
+            </a:solidFill>
+          </a:ln>
+        </p:spPr>
+        <p:txBody>
+          <a:bodyPr wrap="square" rtlCol="0" anchor="ctr">
+            <a:spAutoFit/>
+          </a:bodyPr>
+          <a:lstStyle/>
+          <a:p>
+            <a:pPr algn="ctr"/>
+            <a:r>
+              <a:rPr kumimoji="1" lang="en-US" altLang="ja-JP" sz="1600"/>
+              <a:t>lightweight_tag</a:t>
+            </a:r>
+            <a:endParaRPr kumimoji="1" lang="ja-JP" altLang="en-US" sz="1600" dirty="0"/>
+          </a:p>
+        </p:txBody>
+      </p:sp>
+      <p:sp>
+        <p:nvSpPr>
+          <p:cNvPr id="25" name="四角形: 1 つの角を切り取り 1 つの角を丸める 24">
+            <a:extLst>
+              <a:ext uri="{FF2B5EF4-FFF2-40B4-BE49-F238E27FC236}">
+                <a16:creationId xmlns:a16="http://schemas.microsoft.com/office/drawing/2014/main" id="{440B614D-A875-4BF1-9387-07AE1269D422}"/>
+              </a:ext>
+            </a:extLst>
+          </p:cNvPr>
+          <p:cNvSpPr/>
+          <p:nvPr/>
+        </p:nvSpPr>
+        <p:spPr>
+          <a:xfrm>
+            <a:off x="3203848" y="1124744"/>
+            <a:ext cx="1584176" cy="354925"/>
+          </a:xfrm>
+          <a:prstGeom prst="snipRoundRect">
+            <a:avLst/>
+          </a:prstGeom>
+          <a:solidFill>
+            <a:schemeClr val="accent3">
+              <a:lumMod val="20000"/>
+              <a:lumOff val="80000"/>
+            </a:schemeClr>
+          </a:solidFill>
+          <a:ln>
+            <a:solidFill>
+              <a:schemeClr val="tx1"/>
+            </a:solidFill>
+          </a:ln>
+        </p:spPr>
+        <p:txBody>
+          <a:bodyPr wrap="square" rtlCol="0" anchor="ctr">
+            <a:spAutoFit/>
+          </a:bodyPr>
+          <a:lstStyle/>
+          <a:p>
+            <a:pPr algn="ctr"/>
+            <a:r>
+              <a:rPr lang="en-US" altLang="ja-JP" sz="1600"/>
+              <a:t>annotated</a:t>
+            </a:r>
+            <a:r>
+              <a:rPr kumimoji="1" lang="en-US" altLang="ja-JP" sz="1600"/>
+              <a:t>_tag</a:t>
+            </a:r>
+            <a:endParaRPr kumimoji="1" lang="ja-JP" altLang="en-US" sz="1600" dirty="0"/>
+          </a:p>
+        </p:txBody>
+      </p:sp>
+      <p:cxnSp>
+        <p:nvCxnSpPr>
+          <p:cNvPr id="27" name="直線コネクタ 26">
+            <a:extLst>
+              <a:ext uri="{FF2B5EF4-FFF2-40B4-BE49-F238E27FC236}">
+                <a16:creationId xmlns:a16="http://schemas.microsoft.com/office/drawing/2014/main" id="{5C3C6ED2-4A13-4439-9FA0-E7F247C28DE2}"/>
+              </a:ext>
+            </a:extLst>
+          </p:cNvPr>
+          <p:cNvCxnSpPr>
+            <a:stCxn id="21" idx="3"/>
+          </p:cNvCxnSpPr>
+          <p:nvPr/>
+        </p:nvCxnSpPr>
+        <p:spPr>
+          <a:xfrm>
+            <a:off x="2804592" y="689776"/>
+            <a:ext cx="399256" cy="2920"/>
+          </a:xfrm>
+          <a:prstGeom prst="line">
+            <a:avLst/>
+          </a:prstGeom>
+          <a:ln w="9525">
+            <a:solidFill>
+              <a:schemeClr val="tx1"/>
+            </a:solidFill>
+            <a:headEnd type="none"/>
+            <a:tailEnd type="none"/>
+          </a:ln>
+          <a:effectLst/>
+        </p:spPr>
+        <p:style>
+          <a:lnRef idx="2">
+            <a:schemeClr val="accent1"/>
+          </a:lnRef>
+          <a:fillRef idx="0">
+            <a:schemeClr val="accent1"/>
+          </a:fillRef>
+          <a:effectRef idx="1">
+            <a:schemeClr val="accent1"/>
+          </a:effectRef>
+          <a:fontRef idx="minor">
+            <a:schemeClr val="tx1"/>
+          </a:fontRef>
+        </p:style>
+      </p:cxnSp>
+      <p:cxnSp>
+        <p:nvCxnSpPr>
+          <p:cNvPr id="29" name="コネクタ: カギ線 28">
+            <a:extLst>
+              <a:ext uri="{FF2B5EF4-FFF2-40B4-BE49-F238E27FC236}">
+                <a16:creationId xmlns:a16="http://schemas.microsoft.com/office/drawing/2014/main" id="{AA524E1C-EE00-4421-969D-520747EC69BF}"/>
+              </a:ext>
+            </a:extLst>
+          </p:cNvPr>
+          <p:cNvCxnSpPr>
+            <a:stCxn id="21" idx="3"/>
+            <a:endCxn id="25" idx="2"/>
+          </p:cNvCxnSpPr>
+          <p:nvPr/>
+        </p:nvCxnSpPr>
+        <p:spPr>
+          <a:xfrm>
+            <a:off x="2804592" y="689776"/>
+            <a:ext cx="399256" cy="612431"/>
+          </a:xfrm>
+          <a:prstGeom prst="bentConnector3">
+            <a:avLst/>
+          </a:prstGeom>
+          <a:ln w="9525">
+            <a:solidFill>
+              <a:schemeClr val="tx1"/>
+            </a:solidFill>
+            <a:headEnd type="none"/>
+            <a:tailEnd type="none"/>
+          </a:ln>
+          <a:effectLst/>
+        </p:spPr>
+        <p:style>
+          <a:lnRef idx="2">
+            <a:schemeClr val="accent1"/>
+          </a:lnRef>
+          <a:fillRef idx="0">
+            <a:schemeClr val="accent1"/>
+          </a:fillRef>
+          <a:effectRef idx="1">
+            <a:schemeClr val="accent1"/>
+          </a:effectRef>
+          <a:fontRef idx="minor">
+            <a:schemeClr val="tx1"/>
+          </a:fontRef>
+        </p:style>
+      </p:cxnSp>
+      <p:sp>
+        <p:nvSpPr>
+          <p:cNvPr id="30" name="テキスト ボックス 29">
+            <a:extLst>
+              <a:ext uri="{FF2B5EF4-FFF2-40B4-BE49-F238E27FC236}">
+                <a16:creationId xmlns:a16="http://schemas.microsoft.com/office/drawing/2014/main" id="{7DF6B081-5027-4796-AC1A-F0B3BC5A7015}"/>
+              </a:ext>
+            </a:extLst>
+          </p:cNvPr>
+          <p:cNvSpPr txBox="1"/>
+          <p:nvPr/>
+        </p:nvSpPr>
+        <p:spPr>
+          <a:xfrm>
+            <a:off x="5004048" y="476672"/>
+            <a:ext cx="1133872" cy="369332"/>
+          </a:xfrm>
+          <a:prstGeom prst="rect">
+            <a:avLst/>
+          </a:prstGeom>
+          <a:noFill/>
+        </p:spPr>
+        <p:txBody>
+          <a:bodyPr wrap="square">
+            <a:spAutoFit/>
+          </a:bodyPr>
+          <a:lstStyle/>
+          <a:p>
+            <a:r>
+              <a:rPr lang="en-US">
+                <a:latin typeface="Consolas" panose="020B0609020204030204" pitchFamily="49" charset="0"/>
+              </a:rPr>
+              <a:t>ca686d2</a:t>
+            </a:r>
+          </a:p>
+        </p:txBody>
+      </p:sp>
+      <p:cxnSp>
+        <p:nvCxnSpPr>
+          <p:cNvPr id="32" name="直線矢印コネクタ 31">
+            <a:extLst>
+              <a:ext uri="{FF2B5EF4-FFF2-40B4-BE49-F238E27FC236}">
+                <a16:creationId xmlns:a16="http://schemas.microsoft.com/office/drawing/2014/main" id="{A79E965D-B04E-4341-AA14-C87D63BCCC23}"/>
+              </a:ext>
+            </a:extLst>
+          </p:cNvPr>
+          <p:cNvCxnSpPr>
+            <a:stCxn id="24" idx="0"/>
+            <a:endCxn id="30" idx="1"/>
+          </p:cNvCxnSpPr>
+          <p:nvPr/>
+        </p:nvCxnSpPr>
+        <p:spPr>
+          <a:xfrm>
+            <a:off x="4788024" y="654135"/>
+            <a:ext cx="216024" cy="7203"/>
+          </a:xfrm>
+          <a:prstGeom prst="straightConnector1">
+            <a:avLst/>
+          </a:prstGeom>
+          <a:ln w="9525">
+            <a:solidFill>
+              <a:schemeClr val="tx1"/>
+            </a:solidFill>
+            <a:headEnd type="none"/>
+            <a:tailEnd type="triangle"/>
+          </a:ln>
+          <a:effectLst/>
+        </p:spPr>
+        <p:style>
+          <a:lnRef idx="2">
+            <a:schemeClr val="accent1"/>
+          </a:lnRef>
+          <a:fillRef idx="0">
+            <a:schemeClr val="accent1"/>
+          </a:fillRef>
+          <a:effectRef idx="1">
+            <a:schemeClr val="accent1"/>
+          </a:effectRef>
+          <a:fontRef idx="minor">
+            <a:schemeClr val="tx1"/>
+          </a:fontRef>
+        </p:style>
+      </p:cxnSp>
+      <p:sp>
+        <p:nvSpPr>
+          <p:cNvPr id="34" name="テキスト ボックス 33">
+            <a:extLst>
+              <a:ext uri="{FF2B5EF4-FFF2-40B4-BE49-F238E27FC236}">
+                <a16:creationId xmlns:a16="http://schemas.microsoft.com/office/drawing/2014/main" id="{FF8EEB8F-B3E8-463A-ACB8-394597599862}"/>
+              </a:ext>
+            </a:extLst>
+          </p:cNvPr>
+          <p:cNvSpPr txBox="1"/>
+          <p:nvPr/>
+        </p:nvSpPr>
+        <p:spPr>
+          <a:xfrm>
+            <a:off x="5004048" y="1124744"/>
+            <a:ext cx="1133872" cy="369332"/>
+          </a:xfrm>
+          <a:prstGeom prst="rect">
+            <a:avLst/>
+          </a:prstGeom>
+          <a:noFill/>
+        </p:spPr>
+        <p:txBody>
+          <a:bodyPr wrap="square">
+            <a:spAutoFit/>
+          </a:bodyPr>
+          <a:lstStyle/>
+          <a:p>
+            <a:r>
+              <a:rPr lang="en-US">
+                <a:latin typeface="Consolas" panose="020B0609020204030204" pitchFamily="49" charset="0"/>
+              </a:rPr>
+              <a:t>a6e23bf</a:t>
+            </a:r>
+          </a:p>
+        </p:txBody>
+      </p:sp>
+      <p:cxnSp>
+        <p:nvCxnSpPr>
+          <p:cNvPr id="35" name="直線矢印コネクタ 34">
+            <a:extLst>
+              <a:ext uri="{FF2B5EF4-FFF2-40B4-BE49-F238E27FC236}">
+                <a16:creationId xmlns:a16="http://schemas.microsoft.com/office/drawing/2014/main" id="{1A49D74A-4393-4DF5-82E2-CC848F3987A0}"/>
+              </a:ext>
+            </a:extLst>
+          </p:cNvPr>
+          <p:cNvCxnSpPr/>
+          <p:nvPr/>
+        </p:nvCxnSpPr>
+        <p:spPr>
+          <a:xfrm>
+            <a:off x="4788024" y="1340768"/>
+            <a:ext cx="216024" cy="7203"/>
+          </a:xfrm>
+          <a:prstGeom prst="straightConnector1">
+            <a:avLst/>
+          </a:prstGeom>
+          <a:ln w="9525">
+            <a:solidFill>
+              <a:schemeClr val="tx1"/>
+            </a:solidFill>
+            <a:headEnd type="none"/>
+            <a:tailEnd type="triangle"/>
+          </a:ln>
+          <a:effectLst/>
+        </p:spPr>
+        <p:style>
+          <a:lnRef idx="2">
+            <a:schemeClr val="accent1"/>
+          </a:lnRef>
+          <a:fillRef idx="0">
+            <a:schemeClr val="accent1"/>
+          </a:fillRef>
+          <a:effectRef idx="1">
+            <a:schemeClr val="accent1"/>
+          </a:effectRef>
+          <a:fontRef idx="minor">
+            <a:schemeClr val="tx1"/>
+          </a:fontRef>
+        </p:style>
+      </p:cxnSp>
+      <p:sp>
+        <p:nvSpPr>
+          <p:cNvPr id="36" name="四角形: 角を丸くする 35">
+            <a:extLst>
+              <a:ext uri="{FF2B5EF4-FFF2-40B4-BE49-F238E27FC236}">
+                <a16:creationId xmlns:a16="http://schemas.microsoft.com/office/drawing/2014/main" id="{BF826554-667D-43D1-9E04-3AD4D16212EF}"/>
+              </a:ext>
+            </a:extLst>
+          </p:cNvPr>
+          <p:cNvSpPr/>
+          <p:nvPr/>
+        </p:nvSpPr>
+        <p:spPr>
+          <a:xfrm>
+            <a:off x="6948264" y="2420888"/>
+            <a:ext cx="1656184" cy="1080120"/>
+          </a:xfrm>
+          <a:prstGeom prst="roundRect">
+            <a:avLst/>
+          </a:prstGeom>
+          <a:ln>
+            <a:solidFill>
+              <a:schemeClr val="tx1"/>
+            </a:solidFill>
+            <a:prstDash val="dash"/>
+          </a:ln>
+        </p:spPr>
+        <p:txBody>
+          <a:bodyPr wrap="square" rtlCol="0" anchor="ctr">
+            <a:spAutoFit/>
+          </a:bodyPr>
+          <a:lstStyle/>
+          <a:p>
+            <a:pPr algn="ctr"/>
+            <a:endParaRPr kumimoji="1" lang="ja-JP" altLang="en-US" sz="2400" dirty="0"/>
+          </a:p>
+        </p:txBody>
+      </p:sp>
+      <p:pic>
+        <p:nvPicPr>
+          <p:cNvPr id="37" name="Picture 16" descr="四角い付箋のイラスト「淡黄色」">
+            <a:extLst>
+              <a:ext uri="{FF2B5EF4-FFF2-40B4-BE49-F238E27FC236}">
+                <a16:creationId xmlns:a16="http://schemas.microsoft.com/office/drawing/2014/main" id="{F1AA938E-660C-4DBB-A47C-B697C0AF9BC9}"/>
+              </a:ext>
+            </a:extLst>
+          </p:cNvPr>
+          <p:cNvPicPr>
+            <a:picLocks noChangeAspect="1" noChangeArrowheads="1"/>
+          </p:cNvPicPr>
+          <p:nvPr/>
+        </p:nvPicPr>
+        <p:blipFill>
+          <a:blip r:embed="rId3">
+            <a:extLst>
+              <a:ext uri="{28A0092B-C50C-407E-A947-70E740481C1C}">
+                <a14:useLocalDpi xmlns:a14="http://schemas.microsoft.com/office/drawing/2010/main" val="0"/>
+              </a:ext>
+            </a:extLst>
+          </a:blip>
+          <a:srcRect/>
+          <a:stretch>
+            <a:fillRect/>
+          </a:stretch>
+        </p:blipFill>
+        <p:spPr bwMode="auto">
+          <a:xfrm>
+            <a:off x="7064663" y="3068960"/>
+            <a:ext cx="400044" cy="360040"/>
+          </a:xfrm>
+          <a:prstGeom prst="rect">
+            <a:avLst/>
+          </a:prstGeom>
+          <a:noFill/>
+          <a:extLst>
+            <a:ext uri="{909E8E84-426E-40DD-AFC4-6F175D3DCCD1}">
+              <a14:hiddenFill xmlns:a14="http://schemas.microsoft.com/office/drawing/2010/main">
+                <a:solidFill>
+                  <a:srgbClr val="FFFFFF"/>
+                </a:solidFill>
+              </a14:hiddenFill>
+            </a:ext>
+          </a:extLst>
+        </p:spPr>
+      </p:pic>
+      <p:sp>
+        <p:nvSpPr>
+          <p:cNvPr id="38" name="楕円 37">
+            <a:extLst>
+              <a:ext uri="{FF2B5EF4-FFF2-40B4-BE49-F238E27FC236}">
+                <a16:creationId xmlns:a16="http://schemas.microsoft.com/office/drawing/2014/main" id="{74298B25-A7B1-46B5-B93C-7094E75ACA94}"/>
+              </a:ext>
+            </a:extLst>
+          </p:cNvPr>
+          <p:cNvSpPr/>
+          <p:nvPr/>
+        </p:nvSpPr>
+        <p:spPr>
+          <a:xfrm>
+            <a:off x="7092280" y="2708920"/>
+            <a:ext cx="288032" cy="288032"/>
+          </a:xfrm>
+          <a:prstGeom prst="ellipse">
+            <a:avLst/>
+          </a:prstGeom>
+          <a:solidFill>
+            <a:srgbClr val="0070C0"/>
+          </a:solidFill>
+          <a:ln>
+            <a:solidFill>
+              <a:schemeClr val="tx1"/>
+            </a:solidFill>
+          </a:ln>
+        </p:spPr>
+        <p:txBody>
+          <a:bodyPr wrap="square" rtlCol="0" anchor="ctr">
+            <a:spAutoFit/>
+          </a:bodyPr>
+          <a:lstStyle/>
+          <a:p>
+            <a:pPr algn="ctr"/>
+            <a:endParaRPr kumimoji="1" lang="ja-JP" altLang="en-US" sz="2400" dirty="0"/>
+          </a:p>
+        </p:txBody>
+      </p:sp>
+      <p:grpSp>
+        <p:nvGrpSpPr>
+          <p:cNvPr id="39" name="グループ化 38">
+            <a:extLst>
+              <a:ext uri="{FF2B5EF4-FFF2-40B4-BE49-F238E27FC236}">
+                <a16:creationId xmlns:a16="http://schemas.microsoft.com/office/drawing/2014/main" id="{EA053D3F-5839-4851-B7CA-5D556E2741B8}"/>
+              </a:ext>
+            </a:extLst>
+          </p:cNvPr>
+          <p:cNvGrpSpPr/>
+          <p:nvPr/>
+        </p:nvGrpSpPr>
+        <p:grpSpPr>
+          <a:xfrm>
+            <a:off x="6732240" y="2276872"/>
+            <a:ext cx="555822" cy="288032"/>
+            <a:chOff x="3851920" y="1988840"/>
+            <a:chExt cx="972688" cy="504056"/>
+          </a:xfrm>
+        </p:grpSpPr>
+        <p:sp>
+          <p:nvSpPr>
+            <p:cNvPr id="40" name="フローチャート: 他ページ結合子 39">
+              <a:extLst>
+                <a:ext uri="{FF2B5EF4-FFF2-40B4-BE49-F238E27FC236}">
+                  <a16:creationId xmlns:a16="http://schemas.microsoft.com/office/drawing/2014/main" id="{A3D3F995-7D34-4154-8043-E2D7B6E68570}"/>
+                </a:ext>
+              </a:extLst>
+            </p:cNvPr>
+            <p:cNvSpPr/>
+            <p:nvPr/>
+          </p:nvSpPr>
+          <p:spPr>
+            <a:xfrm rot="5400000">
+              <a:off x="4086236" y="1754524"/>
+              <a:ext cx="504056" cy="972688"/>
+            </a:xfrm>
+            <a:prstGeom prst="flowChartOffpageConnector">
+              <a:avLst/>
+            </a:prstGeom>
+            <a:solidFill>
+              <a:schemeClr val="bg2">
+                <a:lumMod val="90000"/>
+              </a:schemeClr>
+            </a:solidFill>
+            <a:ln>
+              <a:solidFill>
+                <a:schemeClr val="tx1"/>
+              </a:solidFill>
+            </a:ln>
+          </p:spPr>
+          <p:txBody>
+            <a:bodyPr wrap="square" rtlCol="0" anchor="ctr">
+              <a:spAutoFit/>
+            </a:bodyPr>
+            <a:lstStyle/>
+            <a:p>
+              <a:pPr algn="ctr"/>
+              <a:endParaRPr kumimoji="1" lang="ja-JP" altLang="en-US" sz="2400" dirty="0"/>
+            </a:p>
+          </p:txBody>
+        </p:sp>
+        <p:sp>
+          <p:nvSpPr>
+            <p:cNvPr id="41" name="楕円 40">
+              <a:extLst>
+                <a:ext uri="{FF2B5EF4-FFF2-40B4-BE49-F238E27FC236}">
+                  <a16:creationId xmlns:a16="http://schemas.microsoft.com/office/drawing/2014/main" id="{2B171D9A-0CAE-4881-A549-FE1CA2EF8E55}"/>
+                </a:ext>
+              </a:extLst>
+            </p:cNvPr>
+            <p:cNvSpPr/>
+            <p:nvPr/>
+          </p:nvSpPr>
+          <p:spPr>
+            <a:xfrm>
+              <a:off x="3995936" y="2179712"/>
+              <a:ext cx="122312" cy="122312"/>
+            </a:xfrm>
+            <a:prstGeom prst="ellipse">
+              <a:avLst/>
+            </a:prstGeom>
+            <a:solidFill>
+              <a:schemeClr val="bg1"/>
+            </a:solidFill>
+            <a:ln>
+              <a:solidFill>
+                <a:schemeClr val="tx1"/>
+              </a:solidFill>
+            </a:ln>
+          </p:spPr>
+          <p:txBody>
+            <a:bodyPr wrap="square" rtlCol="0" anchor="ctr">
+              <a:spAutoFit/>
+            </a:bodyPr>
+            <a:lstStyle/>
+            <a:p>
+              <a:pPr algn="ctr"/>
+              <a:endParaRPr kumimoji="1" lang="ja-JP" altLang="en-US" sz="2400" dirty="0"/>
+            </a:p>
+          </p:txBody>
+        </p:sp>
+      </p:grpSp>
+      <p:sp>
+        <p:nvSpPr>
+          <p:cNvPr id="42" name="テキスト ボックス 41">
+            <a:extLst>
+              <a:ext uri="{FF2B5EF4-FFF2-40B4-BE49-F238E27FC236}">
+                <a16:creationId xmlns:a16="http://schemas.microsoft.com/office/drawing/2014/main" id="{B8CB03BA-0839-4D48-9708-85AC3CC5E857}"/>
+              </a:ext>
+            </a:extLst>
+          </p:cNvPr>
+          <p:cNvSpPr txBox="1"/>
+          <p:nvPr/>
+        </p:nvSpPr>
+        <p:spPr>
+          <a:xfrm>
+            <a:off x="6588224" y="1916832"/>
+            <a:ext cx="1133872" cy="369332"/>
+          </a:xfrm>
+          <a:prstGeom prst="rect">
+            <a:avLst/>
+          </a:prstGeom>
+          <a:noFill/>
+        </p:spPr>
+        <p:txBody>
+          <a:bodyPr wrap="square">
+            <a:spAutoFit/>
+          </a:bodyPr>
+          <a:lstStyle/>
+          <a:p>
+            <a:r>
+              <a:rPr lang="en-US">
+                <a:latin typeface="Consolas" panose="020B0609020204030204" pitchFamily="49" charset="0"/>
+              </a:rPr>
+              <a:t>a6e23bf</a:t>
+            </a:r>
+          </a:p>
+        </p:txBody>
+      </p:sp>
+      <p:sp>
+        <p:nvSpPr>
+          <p:cNvPr id="43" name="テキスト ボックス 42">
+            <a:extLst>
+              <a:ext uri="{FF2B5EF4-FFF2-40B4-BE49-F238E27FC236}">
+                <a16:creationId xmlns:a16="http://schemas.microsoft.com/office/drawing/2014/main" id="{E9BF51CD-2C78-41B8-87AC-C55180BA1E77}"/>
+              </a:ext>
+            </a:extLst>
+          </p:cNvPr>
+          <p:cNvSpPr txBox="1"/>
+          <p:nvPr/>
+        </p:nvSpPr>
+        <p:spPr>
+          <a:xfrm>
+            <a:off x="7380312" y="2636912"/>
+            <a:ext cx="1133872" cy="369332"/>
+          </a:xfrm>
+          <a:prstGeom prst="rect">
+            <a:avLst/>
+          </a:prstGeom>
+          <a:noFill/>
+        </p:spPr>
+        <p:txBody>
+          <a:bodyPr wrap="square">
+            <a:spAutoFit/>
+          </a:bodyPr>
+          <a:lstStyle/>
+          <a:p>
+            <a:r>
+              <a:rPr lang="en-US">
+                <a:latin typeface="Consolas" panose="020B0609020204030204" pitchFamily="49" charset="0"/>
+              </a:rPr>
+              <a:t>ca686d2</a:t>
+            </a:r>
+          </a:p>
+        </p:txBody>
+      </p:sp>
+      <p:sp>
+        <p:nvSpPr>
+          <p:cNvPr id="44" name="四角形: 角を丸くする 43">
+            <a:extLst>
+              <a:ext uri="{FF2B5EF4-FFF2-40B4-BE49-F238E27FC236}">
+                <a16:creationId xmlns:a16="http://schemas.microsoft.com/office/drawing/2014/main" id="{60BDF15B-1F94-44F3-A19E-CB0D2747654D}"/>
+              </a:ext>
+            </a:extLst>
+          </p:cNvPr>
+          <p:cNvSpPr/>
+          <p:nvPr/>
+        </p:nvSpPr>
+        <p:spPr>
+          <a:xfrm>
+            <a:off x="6948264" y="764704"/>
+            <a:ext cx="1584176" cy="1008112"/>
+          </a:xfrm>
+          <a:prstGeom prst="roundRect">
+            <a:avLst/>
+          </a:prstGeom>
+          <a:ln>
+            <a:solidFill>
+              <a:schemeClr val="tx1"/>
+            </a:solidFill>
+            <a:prstDash val="dash"/>
+          </a:ln>
+        </p:spPr>
+        <p:txBody>
+          <a:bodyPr wrap="square" rtlCol="0" anchor="ctr">
+            <a:spAutoFit/>
+          </a:bodyPr>
+          <a:lstStyle/>
+          <a:p>
+            <a:pPr algn="ctr"/>
+            <a:endParaRPr kumimoji="1" lang="ja-JP" altLang="en-US" sz="2400" dirty="0"/>
+          </a:p>
+        </p:txBody>
+      </p:sp>
+      <p:sp>
+        <p:nvSpPr>
+          <p:cNvPr id="45" name="楕円 44">
+            <a:extLst>
+              <a:ext uri="{FF2B5EF4-FFF2-40B4-BE49-F238E27FC236}">
+                <a16:creationId xmlns:a16="http://schemas.microsoft.com/office/drawing/2014/main" id="{DACBD660-157C-408E-95EA-6AF20F2E71C0}"/>
+              </a:ext>
+            </a:extLst>
+          </p:cNvPr>
+          <p:cNvSpPr/>
+          <p:nvPr/>
+        </p:nvSpPr>
+        <p:spPr>
+          <a:xfrm>
+            <a:off x="6732240" y="548680"/>
+            <a:ext cx="432048" cy="432048"/>
+          </a:xfrm>
+          <a:prstGeom prst="ellipse">
+            <a:avLst/>
+          </a:prstGeom>
+          <a:solidFill>
+            <a:srgbClr val="0070C0"/>
+          </a:solidFill>
+          <a:ln>
+            <a:solidFill>
+              <a:schemeClr val="tx1"/>
+            </a:solidFill>
+          </a:ln>
+        </p:spPr>
+        <p:txBody>
+          <a:bodyPr wrap="square" rtlCol="0" anchor="ctr">
+            <a:spAutoFit/>
+          </a:bodyPr>
+          <a:lstStyle/>
+          <a:p>
+            <a:pPr algn="ctr"/>
+            <a:endParaRPr kumimoji="1" lang="ja-JP" altLang="en-US" sz="2400" dirty="0"/>
+          </a:p>
+        </p:txBody>
+      </p:sp>
+      <p:pic>
+        <p:nvPicPr>
+          <p:cNvPr id="46" name="Picture 16" descr="四角い付箋のイラスト「淡黄色」">
+            <a:extLst>
+              <a:ext uri="{FF2B5EF4-FFF2-40B4-BE49-F238E27FC236}">
+                <a16:creationId xmlns:a16="http://schemas.microsoft.com/office/drawing/2014/main" id="{44510110-73B1-4689-9573-3BB8EB89FF2E}"/>
+              </a:ext>
+            </a:extLst>
+          </p:cNvPr>
+          <p:cNvPicPr>
+            <a:picLocks noChangeAspect="1" noChangeArrowheads="1"/>
+          </p:cNvPicPr>
+          <p:nvPr/>
+        </p:nvPicPr>
+        <p:blipFill>
+          <a:blip r:embed="rId3">
+            <a:extLst>
+              <a:ext uri="{28A0092B-C50C-407E-A947-70E740481C1C}">
+                <a14:useLocalDpi xmlns:a14="http://schemas.microsoft.com/office/drawing/2010/main" val="0"/>
+              </a:ext>
+            </a:extLst>
+          </a:blip>
+          <a:srcRect/>
+          <a:stretch>
+            <a:fillRect/>
+          </a:stretch>
+        </p:blipFill>
+        <p:spPr bwMode="auto">
+          <a:xfrm>
+            <a:off x="7236296" y="1340768"/>
+            <a:ext cx="400044" cy="360040"/>
+          </a:xfrm>
+          <a:prstGeom prst="rect">
+            <a:avLst/>
+          </a:prstGeom>
+          <a:noFill/>
+          <a:extLst>
+            <a:ext uri="{909E8E84-426E-40DD-AFC4-6F175D3DCCD1}">
+              <a14:hiddenFill xmlns:a14="http://schemas.microsoft.com/office/drawing/2010/main">
+                <a:solidFill>
+                  <a:srgbClr val="FFFFFF"/>
+                </a:solidFill>
+              </a14:hiddenFill>
+            </a:ext>
+          </a:extLst>
+        </p:spPr>
+      </p:pic>
+      <p:pic>
+        <p:nvPicPr>
+          <p:cNvPr id="47" name="Picture 8" descr="木のイラスト（横から）">
+            <a:extLst>
+              <a:ext uri="{FF2B5EF4-FFF2-40B4-BE49-F238E27FC236}">
+                <a16:creationId xmlns:a16="http://schemas.microsoft.com/office/drawing/2014/main" id="{853BF6D5-174B-490E-89CE-E786F703E20D}"/>
+              </a:ext>
+            </a:extLst>
+          </p:cNvPr>
+          <p:cNvPicPr>
+            <a:picLocks noChangeAspect="1" noChangeArrowheads="1"/>
+          </p:cNvPicPr>
+          <p:nvPr/>
+        </p:nvPicPr>
+        <p:blipFill>
+          <a:blip r:embed="rId4">
+            <a:extLst>
+              <a:ext uri="{28A0092B-C50C-407E-A947-70E740481C1C}">
+                <a14:useLocalDpi xmlns:a14="http://schemas.microsoft.com/office/drawing/2010/main" val="0"/>
+              </a:ext>
+            </a:extLst>
+          </a:blip>
+          <a:srcRect/>
+          <a:stretch>
+            <a:fillRect/>
+          </a:stretch>
+        </p:blipFill>
+        <p:spPr bwMode="auto">
+          <a:xfrm>
+            <a:off x="7208677" y="836712"/>
+            <a:ext cx="354321" cy="426159"/>
+          </a:xfrm>
+          <a:prstGeom prst="rect">
+            <a:avLst/>
+          </a:prstGeom>
+          <a:noFill/>
+          <a:extLst>
+            <a:ext uri="{909E8E84-426E-40DD-AFC4-6F175D3DCCD1}">
+              <a14:hiddenFill xmlns:a14="http://schemas.microsoft.com/office/drawing/2010/main">
+                <a:solidFill>
+                  <a:srgbClr val="FFFFFF"/>
+                </a:solidFill>
+              </a14:hiddenFill>
+            </a:ext>
+          </a:extLst>
+        </p:spPr>
+      </p:pic>
+      <p:sp>
+        <p:nvSpPr>
+          <p:cNvPr id="48" name="テキスト ボックス 47">
+            <a:extLst>
+              <a:ext uri="{FF2B5EF4-FFF2-40B4-BE49-F238E27FC236}">
+                <a16:creationId xmlns:a16="http://schemas.microsoft.com/office/drawing/2014/main" id="{0B504660-759B-4C14-9DDB-C836EF069BD9}"/>
+              </a:ext>
+            </a:extLst>
+          </p:cNvPr>
+          <p:cNvSpPr txBox="1"/>
+          <p:nvPr/>
+        </p:nvSpPr>
+        <p:spPr>
+          <a:xfrm>
+            <a:off x="6588224" y="188640"/>
+            <a:ext cx="970137" cy="338554"/>
+          </a:xfrm>
+          <a:prstGeom prst="rect">
+            <a:avLst/>
+          </a:prstGeom>
+          <a:noFill/>
+        </p:spPr>
+        <p:txBody>
+          <a:bodyPr wrap="none" rtlCol="0">
+            <a:spAutoFit/>
+          </a:bodyPr>
+          <a:lstStyle/>
+          <a:p>
+            <a:r>
+              <a:rPr lang="en-US" sz="1600">
+                <a:latin typeface="Consolas" panose="020B0609020204030204" pitchFamily="49" charset="0"/>
+              </a:rPr>
+              <a:t>662458a</a:t>
+            </a:r>
+          </a:p>
+        </p:txBody>
+      </p:sp>
+      <p:cxnSp>
+        <p:nvCxnSpPr>
+          <p:cNvPr id="52" name="コネクタ: カギ線 51">
+            <a:extLst>
+              <a:ext uri="{FF2B5EF4-FFF2-40B4-BE49-F238E27FC236}">
+                <a16:creationId xmlns:a16="http://schemas.microsoft.com/office/drawing/2014/main" id="{63829504-2BC3-472A-8FFE-83E876954E26}"/>
+              </a:ext>
+            </a:extLst>
+          </p:cNvPr>
+          <p:cNvCxnSpPr>
+            <a:stCxn id="30" idx="3"/>
+            <a:endCxn id="48" idx="1"/>
+          </p:cNvCxnSpPr>
+          <p:nvPr/>
+        </p:nvCxnSpPr>
+        <p:spPr>
+          <a:xfrm flipV="1">
+            <a:off x="6137920" y="357917"/>
+            <a:ext cx="450304" cy="303421"/>
+          </a:xfrm>
+          <a:prstGeom prst="bentConnector3">
+            <a:avLst/>
+          </a:prstGeom>
+          <a:ln w="9525">
+            <a:solidFill>
+              <a:schemeClr val="tx1"/>
+            </a:solidFill>
+            <a:headEnd type="none"/>
+            <a:tailEnd type="triangle"/>
+          </a:ln>
+          <a:effectLst/>
+        </p:spPr>
+        <p:style>
+          <a:lnRef idx="2">
+            <a:schemeClr val="accent1"/>
+          </a:lnRef>
+          <a:fillRef idx="0">
+            <a:schemeClr val="accent1"/>
+          </a:fillRef>
+          <a:effectRef idx="1">
+            <a:schemeClr val="accent1"/>
+          </a:effectRef>
+          <a:fontRef idx="minor">
+            <a:schemeClr val="tx1"/>
+          </a:fontRef>
+        </p:style>
+      </p:cxnSp>
+      <p:cxnSp>
+        <p:nvCxnSpPr>
+          <p:cNvPr id="54" name="コネクタ: カギ線 53">
+            <a:extLst>
+              <a:ext uri="{FF2B5EF4-FFF2-40B4-BE49-F238E27FC236}">
+                <a16:creationId xmlns:a16="http://schemas.microsoft.com/office/drawing/2014/main" id="{C299529B-C034-4C60-A8D4-C91C344D4C3C}"/>
+              </a:ext>
+            </a:extLst>
+          </p:cNvPr>
+          <p:cNvCxnSpPr>
+            <a:stCxn id="34" idx="3"/>
+            <a:endCxn id="42" idx="1"/>
+          </p:cNvCxnSpPr>
+          <p:nvPr/>
+        </p:nvCxnSpPr>
+        <p:spPr>
+          <a:xfrm>
+            <a:off x="6137920" y="1309410"/>
+            <a:ext cx="450304" cy="792088"/>
+          </a:xfrm>
+          <a:prstGeom prst="bentConnector3">
+            <a:avLst/>
+          </a:prstGeom>
+          <a:ln w="9525">
+            <a:solidFill>
+              <a:schemeClr val="tx1"/>
+            </a:solidFill>
+            <a:headEnd type="none"/>
+            <a:tailEnd type="triangle"/>
+          </a:ln>
+          <a:effectLst/>
+        </p:spPr>
+        <p:style>
+          <a:lnRef idx="2">
+            <a:schemeClr val="accent1"/>
+          </a:lnRef>
+          <a:fillRef idx="0">
+            <a:schemeClr val="accent1"/>
+          </a:fillRef>
+          <a:effectRef idx="1">
+            <a:schemeClr val="accent1"/>
+          </a:effectRef>
+          <a:fontRef idx="minor">
+            <a:schemeClr val="tx1"/>
+          </a:fontRef>
+        </p:style>
+      </p:cxnSp>
+    </p:spTree>
+    <p:extLst>
+      <p:ext uri="{BB962C8B-B14F-4D97-AF65-F5344CB8AC3E}">
+        <p14:creationId xmlns:p14="http://schemas.microsoft.com/office/powerpoint/2010/main" val="430327829"/>
       </p:ext>
     </p:extLst>
   </p:cSld>
